--- a/Documentacao/ModelagemSistema_TemplateInicial.pptx
+++ b/Documentacao/ModelagemSistema_TemplateInicial.pptx
@@ -5,7 +5,7 @@
     <p:sldMasterId id="2147483660" r:id="rId1"/>
   </p:sldMasterIdLst>
   <p:notesMasterIdLst>
-    <p:notesMasterId r:id="rId26"/>
+    <p:notesMasterId r:id="rId28"/>
   </p:notesMasterIdLst>
   <p:sldIdLst>
     <p:sldId id="2561" r:id="rId2"/>
@@ -21,17 +21,19 @@
     <p:sldId id="2587" r:id="rId12"/>
     <p:sldId id="2566" r:id="rId13"/>
     <p:sldId id="2583" r:id="rId14"/>
-    <p:sldId id="2590" r:id="rId15"/>
+    <p:sldId id="2585" r:id="rId15"/>
     <p:sldId id="2584" r:id="rId16"/>
-    <p:sldId id="2585" r:id="rId17"/>
-    <p:sldId id="2591" r:id="rId18"/>
-    <p:sldId id="2592" r:id="rId19"/>
-    <p:sldId id="2567" r:id="rId20"/>
-    <p:sldId id="2568" r:id="rId21"/>
-    <p:sldId id="2586" r:id="rId22"/>
-    <p:sldId id="2589" r:id="rId23"/>
-    <p:sldId id="2588" r:id="rId24"/>
-    <p:sldId id="2569" r:id="rId25"/>
+    <p:sldId id="2589" r:id="rId17"/>
+    <p:sldId id="2590" r:id="rId18"/>
+    <p:sldId id="2591" r:id="rId19"/>
+    <p:sldId id="2592" r:id="rId20"/>
+    <p:sldId id="2593" r:id="rId21"/>
+    <p:sldId id="2594" r:id="rId22"/>
+    <p:sldId id="2567" r:id="rId23"/>
+    <p:sldId id="2568" r:id="rId24"/>
+    <p:sldId id="2586" r:id="rId25"/>
+    <p:sldId id="2588" r:id="rId26"/>
+    <p:sldId id="2569" r:id="rId27"/>
   </p:sldIdLst>
   <p:sldSz cx="12192000" cy="6858000"/>
   <p:notesSz cx="6858000" cy="9144000"/>
@@ -220,7 +222,7 @@
           <a:p>
             <a:fld id="{93DDA81E-B6DD-4CA0-9C2D-B0C27B95DC2C}" type="datetimeFigureOut">
               <a:rPr lang="pt-BR" smtClean="0"/>
-              <a:t>13/02/2025</a:t>
+              <a:t>14/02/2025</a:t>
             </a:fld>
             <a:endParaRPr lang="pt-BR"/>
           </a:p>
@@ -1089,7 +1091,7 @@
           <a:p>
             <a:fld id="{92E3E85D-1FC8-4645-A278-0F485466CD94}" type="slidenum">
               <a:rPr lang="pt-BR" smtClean="0"/>
-              <a:t>15</a:t>
+              <a:t>14</a:t>
             </a:fld>
             <a:endParaRPr lang="pt-BR"/>
           </a:p>
@@ -1098,7 +1100,7 @@
     </p:spTree>
     <p:extLst>
       <p:ext uri="{BB962C8B-B14F-4D97-AF65-F5344CB8AC3E}">
-        <p14:creationId xmlns:p14="http://schemas.microsoft.com/office/powerpoint/2010/main" val="2155279237"/>
+        <p14:creationId xmlns:p14="http://schemas.microsoft.com/office/powerpoint/2010/main" val="2310064016"/>
       </p:ext>
     </p:extLst>
   </p:cSld>
@@ -1200,7 +1202,7 @@
           <a:p>
             <a:fld id="{92E3E85D-1FC8-4645-A278-0F485466CD94}" type="slidenum">
               <a:rPr lang="pt-BR" smtClean="0"/>
-              <a:t>16</a:t>
+              <a:t>15</a:t>
             </a:fld>
             <a:endParaRPr lang="pt-BR"/>
           </a:p>
@@ -1209,7 +1211,7 @@
     </p:spTree>
     <p:extLst>
       <p:ext uri="{BB962C8B-B14F-4D97-AF65-F5344CB8AC3E}">
-        <p14:creationId xmlns:p14="http://schemas.microsoft.com/office/powerpoint/2010/main" val="2310064016"/>
+        <p14:creationId xmlns:p14="http://schemas.microsoft.com/office/powerpoint/2010/main" val="2155279237"/>
       </p:ext>
     </p:extLst>
   </p:cSld>
@@ -1311,7 +1313,7 @@
           <a:p>
             <a:fld id="{92E3E85D-1FC8-4645-A278-0F485466CD94}" type="slidenum">
               <a:rPr lang="pt-BR" smtClean="0"/>
-              <a:t>17</a:t>
+              <a:t>16</a:t>
             </a:fld>
             <a:endParaRPr lang="pt-BR"/>
           </a:p>
@@ -1320,7 +1322,7 @@
     </p:spTree>
     <p:extLst>
       <p:ext uri="{BB962C8B-B14F-4D97-AF65-F5344CB8AC3E}">
-        <p14:creationId xmlns:p14="http://schemas.microsoft.com/office/powerpoint/2010/main" val="3640393636"/>
+        <p14:creationId xmlns:p14="http://schemas.microsoft.com/office/powerpoint/2010/main" val="3975017224"/>
       </p:ext>
     </p:extLst>
   </p:cSld>
@@ -1422,7 +1424,7 @@
           <a:p>
             <a:fld id="{92E3E85D-1FC8-4645-A278-0F485466CD94}" type="slidenum">
               <a:rPr lang="pt-BR" smtClean="0"/>
-              <a:t>18</a:t>
+              <a:t>17</a:t>
             </a:fld>
             <a:endParaRPr lang="pt-BR"/>
           </a:p>
@@ -1431,7 +1433,7 @@
     </p:spTree>
     <p:extLst>
       <p:ext uri="{BB962C8B-B14F-4D97-AF65-F5344CB8AC3E}">
-        <p14:creationId xmlns:p14="http://schemas.microsoft.com/office/powerpoint/2010/main" val="1883102815"/>
+        <p14:creationId xmlns:p14="http://schemas.microsoft.com/office/powerpoint/2010/main" val="3191838505"/>
       </p:ext>
     </p:extLst>
   </p:cSld>
@@ -1446,7 +1448,13 @@
   <p:cSld>
     <p:spTree>
       <p:nvGrpSpPr>
-        <p:cNvPr id="1" name=""/>
+        <p:cNvPr id="1" name="">
+          <a:extLst>
+            <a:ext uri="{FF2B5EF4-FFF2-40B4-BE49-F238E27FC236}">
+              <a16:creationId xmlns:a16="http://schemas.microsoft.com/office/drawing/2014/main" id="{5E758249-486C-768F-A9A2-E1C45FF9A004}"/>
+            </a:ext>
+          </a:extLst>
+        </p:cNvPr>
         <p:cNvGrpSpPr/>
         <p:nvPr/>
       </p:nvGrpSpPr>
@@ -1460,7 +1468,13 @@
       </p:grpSpPr>
       <p:sp>
         <p:nvSpPr>
-          <p:cNvPr id="2" name="Espaço Reservado para Imagem de Slide 1"/>
+          <p:cNvPr id="2" name="Espaço Reservado para Imagem de Slide 1">
+            <a:extLst>
+              <a:ext uri="{FF2B5EF4-FFF2-40B4-BE49-F238E27FC236}">
+                <a16:creationId xmlns:a16="http://schemas.microsoft.com/office/drawing/2014/main" id="{893D3064-37E2-A08B-B67E-D0BDF678B537}"/>
+              </a:ext>
+            </a:extLst>
+          </p:cNvPr>
           <p:cNvSpPr>
             <a:spLocks noGrp="1" noRot="1" noChangeAspect="1"/>
           </p:cNvSpPr>
@@ -1472,7 +1486,13 @@
       </p:sp>
       <p:sp>
         <p:nvSpPr>
-          <p:cNvPr id="3" name="Espaço Reservado para Anotações 2"/>
+          <p:cNvPr id="3" name="Espaço Reservado para Anotações 2">
+            <a:extLst>
+              <a:ext uri="{FF2B5EF4-FFF2-40B4-BE49-F238E27FC236}">
+                <a16:creationId xmlns:a16="http://schemas.microsoft.com/office/drawing/2014/main" id="{509255BE-D866-6F4C-1785-B44C4C921F5A}"/>
+              </a:ext>
+            </a:extLst>
+          </p:cNvPr>
           <p:cNvSpPr>
             <a:spLocks noGrp="1"/>
           </p:cNvSpPr>
@@ -1487,14 +1507,20 @@
           <a:p>
             <a:r>
               <a:rPr lang="pt-BR"/>
-              <a:t>Os requisitos funcionais definem as ações que o sistema deve ser capaz de realizar. Neste slide, listaremos os principais requisitos funcionais, incluindo funções como cadastro de usuários, geração de relatórios e consulta de dados.</a:t>
-            </a:r>
-          </a:p>
-        </p:txBody>
-      </p:sp>
-      <p:sp>
-        <p:nvSpPr>
-          <p:cNvPr id="4" name="Espaço Reservado para Número de Slide 3"/>
+              <a:t>O Diagrama Entidade-Relacionamento (DER) é uma ferramenta visual que descreve a estrutura do banco de dados do sistema. Ele ilustra as principais entidades, seus atributos e os relacionamentos entre elas, ajudando a entender a lógica do banco de dados.</a:t>
+            </a:r>
+          </a:p>
+        </p:txBody>
+      </p:sp>
+      <p:sp>
+        <p:nvSpPr>
+          <p:cNvPr id="4" name="Espaço Reservado para Número de Slide 3">
+            <a:extLst>
+              <a:ext uri="{FF2B5EF4-FFF2-40B4-BE49-F238E27FC236}">
+                <a16:creationId xmlns:a16="http://schemas.microsoft.com/office/drawing/2014/main" id="{9733254D-078E-0492-BCD8-F2990DC2CCFA}"/>
+              </a:ext>
+            </a:extLst>
+          </p:cNvPr>
           <p:cNvSpPr>
             <a:spLocks noGrp="1"/>
           </p:cNvSpPr>
@@ -1509,7 +1535,7 @@
           <a:p>
             <a:fld id="{92E3E85D-1FC8-4645-A278-0F485466CD94}" type="slidenum">
               <a:rPr lang="pt-BR" smtClean="0"/>
-              <a:t>19</a:t>
+              <a:t>18</a:t>
             </a:fld>
             <a:endParaRPr lang="pt-BR"/>
           </a:p>
@@ -1518,7 +1544,7 @@
     </p:spTree>
     <p:extLst>
       <p:ext uri="{BB962C8B-B14F-4D97-AF65-F5344CB8AC3E}">
-        <p14:creationId xmlns:p14="http://schemas.microsoft.com/office/powerpoint/2010/main" val="3164768469"/>
+        <p14:creationId xmlns:p14="http://schemas.microsoft.com/office/powerpoint/2010/main" val="2026343277"/>
       </p:ext>
     </p:extLst>
   </p:cSld>
@@ -1533,7 +1559,13 @@
   <p:cSld>
     <p:spTree>
       <p:nvGrpSpPr>
-        <p:cNvPr id="1" name=""/>
+        <p:cNvPr id="1" name="">
+          <a:extLst>
+            <a:ext uri="{FF2B5EF4-FFF2-40B4-BE49-F238E27FC236}">
+              <a16:creationId xmlns:a16="http://schemas.microsoft.com/office/drawing/2014/main" id="{5E758249-486C-768F-A9A2-E1C45FF9A004}"/>
+            </a:ext>
+          </a:extLst>
+        </p:cNvPr>
         <p:cNvGrpSpPr/>
         <p:nvPr/>
       </p:nvGrpSpPr>
@@ -1547,7 +1579,13 @@
       </p:grpSpPr>
       <p:sp>
         <p:nvSpPr>
-          <p:cNvPr id="2" name="Espaço Reservado para Imagem de Slide 1"/>
+          <p:cNvPr id="2" name="Espaço Reservado para Imagem de Slide 1">
+            <a:extLst>
+              <a:ext uri="{FF2B5EF4-FFF2-40B4-BE49-F238E27FC236}">
+                <a16:creationId xmlns:a16="http://schemas.microsoft.com/office/drawing/2014/main" id="{893D3064-37E2-A08B-B67E-D0BDF678B537}"/>
+              </a:ext>
+            </a:extLst>
+          </p:cNvPr>
           <p:cNvSpPr>
             <a:spLocks noGrp="1" noRot="1" noChangeAspect="1"/>
           </p:cNvSpPr>
@@ -1559,7 +1597,13 @@
       </p:sp>
       <p:sp>
         <p:nvSpPr>
-          <p:cNvPr id="3" name="Espaço Reservado para Anotações 2"/>
+          <p:cNvPr id="3" name="Espaço Reservado para Anotações 2">
+            <a:extLst>
+              <a:ext uri="{FF2B5EF4-FFF2-40B4-BE49-F238E27FC236}">
+                <a16:creationId xmlns:a16="http://schemas.microsoft.com/office/drawing/2014/main" id="{509255BE-D866-6F4C-1785-B44C4C921F5A}"/>
+              </a:ext>
+            </a:extLst>
+          </p:cNvPr>
           <p:cNvSpPr>
             <a:spLocks noGrp="1"/>
           </p:cNvSpPr>
@@ -1574,14 +1618,20 @@
           <a:p>
             <a:r>
               <a:rPr lang="pt-BR"/>
-              <a:t>Aqui, detalharemos alguns exemplos de requisitos funcionais, como 'O sistema deve permitir que o usuário faça login com credenciais válidas' e 'O sistema deve gerar relatórios mensais de vendas'. Estes requisitos são cruciais para orientar o desenvolvimento do sistema.</a:t>
-            </a:r>
-          </a:p>
-        </p:txBody>
-      </p:sp>
-      <p:sp>
-        <p:nvSpPr>
-          <p:cNvPr id="4" name="Espaço Reservado para Número de Slide 3"/>
+              <a:t>O Diagrama Entidade-Relacionamento (DER) é uma ferramenta visual que descreve a estrutura do banco de dados do sistema. Ele ilustra as principais entidades, seus atributos e os relacionamentos entre elas, ajudando a entender a lógica do banco de dados.</a:t>
+            </a:r>
+          </a:p>
+        </p:txBody>
+      </p:sp>
+      <p:sp>
+        <p:nvSpPr>
+          <p:cNvPr id="4" name="Espaço Reservado para Número de Slide 3">
+            <a:extLst>
+              <a:ext uri="{FF2B5EF4-FFF2-40B4-BE49-F238E27FC236}">
+                <a16:creationId xmlns:a16="http://schemas.microsoft.com/office/drawing/2014/main" id="{9733254D-078E-0492-BCD8-F2990DC2CCFA}"/>
+              </a:ext>
+            </a:extLst>
+          </p:cNvPr>
           <p:cNvSpPr>
             <a:spLocks noGrp="1"/>
           </p:cNvSpPr>
@@ -1596,7 +1646,7 @@
           <a:p>
             <a:fld id="{92E3E85D-1FC8-4645-A278-0F485466CD94}" type="slidenum">
               <a:rPr lang="pt-BR" smtClean="0"/>
-              <a:t>20</a:t>
+              <a:t>19</a:t>
             </a:fld>
             <a:endParaRPr lang="pt-BR"/>
           </a:p>
@@ -1605,7 +1655,7 @@
     </p:spTree>
     <p:extLst>
       <p:ext uri="{BB962C8B-B14F-4D97-AF65-F5344CB8AC3E}">
-        <p14:creationId xmlns:p14="http://schemas.microsoft.com/office/powerpoint/2010/main" val="3441075504"/>
+        <p14:creationId xmlns:p14="http://schemas.microsoft.com/office/powerpoint/2010/main" val="2869468339"/>
       </p:ext>
     </p:extLst>
   </p:cSld>
@@ -1707,7 +1757,13 @@
   <p:cSld>
     <p:spTree>
       <p:nvGrpSpPr>
-        <p:cNvPr id="1" name=""/>
+        <p:cNvPr id="1" name="">
+          <a:extLst>
+            <a:ext uri="{FF2B5EF4-FFF2-40B4-BE49-F238E27FC236}">
+              <a16:creationId xmlns:a16="http://schemas.microsoft.com/office/drawing/2014/main" id="{5E758249-486C-768F-A9A2-E1C45FF9A004}"/>
+            </a:ext>
+          </a:extLst>
+        </p:cNvPr>
         <p:cNvGrpSpPr/>
         <p:nvPr/>
       </p:nvGrpSpPr>
@@ -1721,7 +1777,13 @@
       </p:grpSpPr>
       <p:sp>
         <p:nvSpPr>
-          <p:cNvPr id="2" name="Espaço Reservado para Imagem de Slide 1"/>
+          <p:cNvPr id="2" name="Espaço Reservado para Imagem de Slide 1">
+            <a:extLst>
+              <a:ext uri="{FF2B5EF4-FFF2-40B4-BE49-F238E27FC236}">
+                <a16:creationId xmlns:a16="http://schemas.microsoft.com/office/drawing/2014/main" id="{893D3064-37E2-A08B-B67E-D0BDF678B537}"/>
+              </a:ext>
+            </a:extLst>
+          </p:cNvPr>
           <p:cNvSpPr>
             <a:spLocks noGrp="1" noRot="1" noChangeAspect="1"/>
           </p:cNvSpPr>
@@ -1733,7 +1795,13 @@
       </p:sp>
       <p:sp>
         <p:nvSpPr>
-          <p:cNvPr id="3" name="Espaço Reservado para Anotações 2"/>
+          <p:cNvPr id="3" name="Espaço Reservado para Anotações 2">
+            <a:extLst>
+              <a:ext uri="{FF2B5EF4-FFF2-40B4-BE49-F238E27FC236}">
+                <a16:creationId xmlns:a16="http://schemas.microsoft.com/office/drawing/2014/main" id="{509255BE-D866-6F4C-1785-B44C4C921F5A}"/>
+              </a:ext>
+            </a:extLst>
+          </p:cNvPr>
           <p:cNvSpPr>
             <a:spLocks noGrp="1"/>
           </p:cNvSpPr>
@@ -1748,14 +1816,20 @@
           <a:p>
             <a:r>
               <a:rPr lang="pt-BR"/>
-              <a:t>Aqui, detalharemos alguns exemplos de requisitos funcionais, como 'O sistema deve permitir que o usuário faça login com credenciais válidas' e 'O sistema deve gerar relatórios mensais de vendas'. Estes requisitos são cruciais para orientar o desenvolvimento do sistema.</a:t>
-            </a:r>
-          </a:p>
-        </p:txBody>
-      </p:sp>
-      <p:sp>
-        <p:nvSpPr>
-          <p:cNvPr id="4" name="Espaço Reservado para Número de Slide 3"/>
+              <a:t>O Diagrama Entidade-Relacionamento (DER) é uma ferramenta visual que descreve a estrutura do banco de dados do sistema. Ele ilustra as principais entidades, seus atributos e os relacionamentos entre elas, ajudando a entender a lógica do banco de dados.</a:t>
+            </a:r>
+          </a:p>
+        </p:txBody>
+      </p:sp>
+      <p:sp>
+        <p:nvSpPr>
+          <p:cNvPr id="4" name="Espaço Reservado para Número de Slide 3">
+            <a:extLst>
+              <a:ext uri="{FF2B5EF4-FFF2-40B4-BE49-F238E27FC236}">
+                <a16:creationId xmlns:a16="http://schemas.microsoft.com/office/drawing/2014/main" id="{9733254D-078E-0492-BCD8-F2990DC2CCFA}"/>
+              </a:ext>
+            </a:extLst>
+          </p:cNvPr>
           <p:cNvSpPr>
             <a:spLocks noGrp="1"/>
           </p:cNvSpPr>
@@ -1770,7 +1844,7 @@
           <a:p>
             <a:fld id="{92E3E85D-1FC8-4645-A278-0F485466CD94}" type="slidenum">
               <a:rPr lang="pt-BR" smtClean="0"/>
-              <a:t>21</a:t>
+              <a:t>20</a:t>
             </a:fld>
             <a:endParaRPr lang="pt-BR"/>
           </a:p>
@@ -1779,7 +1853,7 @@
     </p:spTree>
     <p:extLst>
       <p:ext uri="{BB962C8B-B14F-4D97-AF65-F5344CB8AC3E}">
-        <p14:creationId xmlns:p14="http://schemas.microsoft.com/office/powerpoint/2010/main" val="1244176758"/>
+        <p14:creationId xmlns:p14="http://schemas.microsoft.com/office/powerpoint/2010/main" val="3838547660"/>
       </p:ext>
     </p:extLst>
   </p:cSld>
@@ -1794,7 +1868,13 @@
   <p:cSld>
     <p:spTree>
       <p:nvGrpSpPr>
-        <p:cNvPr id="1" name=""/>
+        <p:cNvPr id="1" name="">
+          <a:extLst>
+            <a:ext uri="{FF2B5EF4-FFF2-40B4-BE49-F238E27FC236}">
+              <a16:creationId xmlns:a16="http://schemas.microsoft.com/office/drawing/2014/main" id="{5E758249-486C-768F-A9A2-E1C45FF9A004}"/>
+            </a:ext>
+          </a:extLst>
+        </p:cNvPr>
         <p:cNvGrpSpPr/>
         <p:nvPr/>
       </p:nvGrpSpPr>
@@ -1808,7 +1888,13 @@
       </p:grpSpPr>
       <p:sp>
         <p:nvSpPr>
-          <p:cNvPr id="2" name="Espaço Reservado para Imagem de Slide 1"/>
+          <p:cNvPr id="2" name="Espaço Reservado para Imagem de Slide 1">
+            <a:extLst>
+              <a:ext uri="{FF2B5EF4-FFF2-40B4-BE49-F238E27FC236}">
+                <a16:creationId xmlns:a16="http://schemas.microsoft.com/office/drawing/2014/main" id="{893D3064-37E2-A08B-B67E-D0BDF678B537}"/>
+              </a:ext>
+            </a:extLst>
+          </p:cNvPr>
           <p:cNvSpPr>
             <a:spLocks noGrp="1" noRot="1" noChangeAspect="1"/>
           </p:cNvSpPr>
@@ -1820,7 +1906,13 @@
       </p:sp>
       <p:sp>
         <p:nvSpPr>
-          <p:cNvPr id="3" name="Espaço Reservado para Anotações 2"/>
+          <p:cNvPr id="3" name="Espaço Reservado para Anotações 2">
+            <a:extLst>
+              <a:ext uri="{FF2B5EF4-FFF2-40B4-BE49-F238E27FC236}">
+                <a16:creationId xmlns:a16="http://schemas.microsoft.com/office/drawing/2014/main" id="{509255BE-D866-6F4C-1785-B44C4C921F5A}"/>
+              </a:ext>
+            </a:extLst>
+          </p:cNvPr>
           <p:cNvSpPr>
             <a:spLocks noGrp="1"/>
           </p:cNvSpPr>
@@ -1835,14 +1927,20 @@
           <a:p>
             <a:r>
               <a:rPr lang="pt-BR"/>
-              <a:t>Aqui, detalharemos alguns exemplos de requisitos funcionais, como 'O sistema deve permitir que o usuário faça login com credenciais válidas' e 'O sistema deve gerar relatórios mensais de vendas'. Estes requisitos são cruciais para orientar o desenvolvimento do sistema.</a:t>
-            </a:r>
-          </a:p>
-        </p:txBody>
-      </p:sp>
-      <p:sp>
-        <p:nvSpPr>
-          <p:cNvPr id="4" name="Espaço Reservado para Número de Slide 3"/>
+              <a:t>O Diagrama Entidade-Relacionamento (DER) é uma ferramenta visual que descreve a estrutura do banco de dados do sistema. Ele ilustra as principais entidades, seus atributos e os relacionamentos entre elas, ajudando a entender a lógica do banco de dados.</a:t>
+            </a:r>
+          </a:p>
+        </p:txBody>
+      </p:sp>
+      <p:sp>
+        <p:nvSpPr>
+          <p:cNvPr id="4" name="Espaço Reservado para Número de Slide 3">
+            <a:extLst>
+              <a:ext uri="{FF2B5EF4-FFF2-40B4-BE49-F238E27FC236}">
+                <a16:creationId xmlns:a16="http://schemas.microsoft.com/office/drawing/2014/main" id="{9733254D-078E-0492-BCD8-F2990DC2CCFA}"/>
+              </a:ext>
+            </a:extLst>
+          </p:cNvPr>
           <p:cNvSpPr>
             <a:spLocks noGrp="1"/>
           </p:cNvSpPr>
@@ -1857,7 +1955,7 @@
           <a:p>
             <a:fld id="{92E3E85D-1FC8-4645-A278-0F485466CD94}" type="slidenum">
               <a:rPr lang="pt-BR" smtClean="0"/>
-              <a:t>22</a:t>
+              <a:t>21</a:t>
             </a:fld>
             <a:endParaRPr lang="pt-BR"/>
           </a:p>
@@ -1866,7 +1964,7 @@
     </p:spTree>
     <p:extLst>
       <p:ext uri="{BB962C8B-B14F-4D97-AF65-F5344CB8AC3E}">
-        <p14:creationId xmlns:p14="http://schemas.microsoft.com/office/powerpoint/2010/main" val="3040480131"/>
+        <p14:creationId xmlns:p14="http://schemas.microsoft.com/office/powerpoint/2010/main" val="2675358720"/>
       </p:ext>
     </p:extLst>
   </p:cSld>
@@ -1922,7 +2020,7 @@
           <a:p>
             <a:r>
               <a:rPr lang="pt-BR"/>
-              <a:t>Aqui, detalharemos alguns exemplos de requisitos funcionais, como 'O sistema deve permitir que o usuário faça login com credenciais válidas' e 'O sistema deve gerar relatórios mensais de vendas'. Estes requisitos são cruciais para orientar o desenvolvimento do sistema.</a:t>
+              <a:t>Os requisitos funcionais definem as ações que o sistema deve ser capaz de realizar. Neste slide, listaremos os principais requisitos funcionais, incluindo funções como cadastro de usuários, geração de relatórios e consulta de dados.</a:t>
             </a:r>
           </a:p>
         </p:txBody>
@@ -1944,7 +2042,7 @@
           <a:p>
             <a:fld id="{92E3E85D-1FC8-4645-A278-0F485466CD94}" type="slidenum">
               <a:rPr lang="pt-BR" smtClean="0"/>
-              <a:t>23</a:t>
+              <a:t>22</a:t>
             </a:fld>
             <a:endParaRPr lang="pt-BR"/>
           </a:p>
@@ -1953,7 +2051,7 @@
     </p:spTree>
     <p:extLst>
       <p:ext uri="{BB962C8B-B14F-4D97-AF65-F5344CB8AC3E}">
-        <p14:creationId xmlns:p14="http://schemas.microsoft.com/office/powerpoint/2010/main" val="68550778"/>
+        <p14:creationId xmlns:p14="http://schemas.microsoft.com/office/powerpoint/2010/main" val="3164768469"/>
       </p:ext>
     </p:extLst>
   </p:cSld>
@@ -2009,7 +2107,7 @@
           <a:p>
             <a:r>
               <a:rPr lang="pt-BR"/>
-              <a:t>Os requisitos não funcionais definem as características do sistema, como desempenho, segurança e usabilidade. Neste slide, discutiremos os principais requisitos não funcionais que o sistema deve atender.</a:t>
+              <a:t>Aqui, detalharemos alguns exemplos de requisitos funcionais, como 'O sistema deve permitir que o usuário faça login com credenciais válidas' e 'O sistema deve gerar relatórios mensais de vendas'. Estes requisitos são cruciais para orientar o desenvolvimento do sistema.</a:t>
             </a:r>
           </a:p>
         </p:txBody>
@@ -2031,7 +2129,181 @@
           <a:p>
             <a:fld id="{92E3E85D-1FC8-4645-A278-0F485466CD94}" type="slidenum">
               <a:rPr lang="pt-BR" smtClean="0"/>
+              <a:t>23</a:t>
+            </a:fld>
+            <a:endParaRPr lang="pt-BR"/>
+          </a:p>
+        </p:txBody>
+      </p:sp>
+    </p:spTree>
+    <p:extLst>
+      <p:ext uri="{BB962C8B-B14F-4D97-AF65-F5344CB8AC3E}">
+        <p14:creationId xmlns:p14="http://schemas.microsoft.com/office/powerpoint/2010/main" val="3441075504"/>
+      </p:ext>
+    </p:extLst>
+  </p:cSld>
+  <p:clrMapOvr>
+    <a:masterClrMapping/>
+  </p:clrMapOvr>
+</p:notes>
+</file>
+
+<file path=ppt/notesSlides/notesSlide24.xml><?xml version="1.0" encoding="utf-8"?>
+<p:notes xmlns:a="http://schemas.openxmlformats.org/drawingml/2006/main" xmlns:r="http://schemas.openxmlformats.org/officeDocument/2006/relationships" xmlns:p="http://schemas.openxmlformats.org/presentationml/2006/main">
+  <p:cSld>
+    <p:spTree>
+      <p:nvGrpSpPr>
+        <p:cNvPr id="1" name=""/>
+        <p:cNvGrpSpPr/>
+        <p:nvPr/>
+      </p:nvGrpSpPr>
+      <p:grpSpPr>
+        <a:xfrm>
+          <a:off x="0" y="0"/>
+          <a:ext cx="0" cy="0"/>
+          <a:chOff x="0" y="0"/>
+          <a:chExt cx="0" cy="0"/>
+        </a:xfrm>
+      </p:grpSpPr>
+      <p:sp>
+        <p:nvSpPr>
+          <p:cNvPr id="2" name="Espaço Reservado para Imagem de Slide 1"/>
+          <p:cNvSpPr>
+            <a:spLocks noGrp="1" noRot="1" noChangeAspect="1"/>
+          </p:cNvSpPr>
+          <p:nvPr>
+            <p:ph type="sldImg"/>
+          </p:nvPr>
+        </p:nvSpPr>
+        <p:spPr/>
+      </p:sp>
+      <p:sp>
+        <p:nvSpPr>
+          <p:cNvPr id="3" name="Espaço Reservado para Anotações 2"/>
+          <p:cNvSpPr>
+            <a:spLocks noGrp="1"/>
+          </p:cNvSpPr>
+          <p:nvPr>
+            <p:ph type="body" idx="1"/>
+          </p:nvPr>
+        </p:nvSpPr>
+        <p:spPr/>
+        <p:txBody>
+          <a:bodyPr/>
+          <a:lstStyle/>
+          <a:p>
+            <a:r>
+              <a:rPr lang="pt-BR"/>
+              <a:t>Aqui, detalharemos alguns exemplos de requisitos funcionais, como 'O sistema deve permitir que o usuário faça login com credenciais válidas' e 'O sistema deve gerar relatórios mensais de vendas'. Estes requisitos são cruciais para orientar o desenvolvimento do sistema.</a:t>
+            </a:r>
+          </a:p>
+        </p:txBody>
+      </p:sp>
+      <p:sp>
+        <p:nvSpPr>
+          <p:cNvPr id="4" name="Espaço Reservado para Número de Slide 3"/>
+          <p:cNvSpPr>
+            <a:spLocks noGrp="1"/>
+          </p:cNvSpPr>
+          <p:nvPr>
+            <p:ph type="sldNum" sz="quarter" idx="5"/>
+          </p:nvPr>
+        </p:nvSpPr>
+        <p:spPr/>
+        <p:txBody>
+          <a:bodyPr/>
+          <a:lstStyle/>
+          <a:p>
+            <a:fld id="{92E3E85D-1FC8-4645-A278-0F485466CD94}" type="slidenum">
+              <a:rPr lang="pt-BR" smtClean="0"/>
               <a:t>24</a:t>
+            </a:fld>
+            <a:endParaRPr lang="pt-BR"/>
+          </a:p>
+        </p:txBody>
+      </p:sp>
+    </p:spTree>
+    <p:extLst>
+      <p:ext uri="{BB962C8B-B14F-4D97-AF65-F5344CB8AC3E}">
+        <p14:creationId xmlns:p14="http://schemas.microsoft.com/office/powerpoint/2010/main" val="1244176758"/>
+      </p:ext>
+    </p:extLst>
+  </p:cSld>
+  <p:clrMapOvr>
+    <a:masterClrMapping/>
+  </p:clrMapOvr>
+</p:notes>
+</file>
+
+<file path=ppt/notesSlides/notesSlide25.xml><?xml version="1.0" encoding="utf-8"?>
+<p:notes xmlns:a="http://schemas.openxmlformats.org/drawingml/2006/main" xmlns:r="http://schemas.openxmlformats.org/officeDocument/2006/relationships" xmlns:p="http://schemas.openxmlformats.org/presentationml/2006/main">
+  <p:cSld>
+    <p:spTree>
+      <p:nvGrpSpPr>
+        <p:cNvPr id="1" name=""/>
+        <p:cNvGrpSpPr/>
+        <p:nvPr/>
+      </p:nvGrpSpPr>
+      <p:grpSpPr>
+        <a:xfrm>
+          <a:off x="0" y="0"/>
+          <a:ext cx="0" cy="0"/>
+          <a:chOff x="0" y="0"/>
+          <a:chExt cx="0" cy="0"/>
+        </a:xfrm>
+      </p:grpSpPr>
+      <p:sp>
+        <p:nvSpPr>
+          <p:cNvPr id="2" name="Espaço Reservado para Imagem de Slide 1"/>
+          <p:cNvSpPr>
+            <a:spLocks noGrp="1" noRot="1" noChangeAspect="1"/>
+          </p:cNvSpPr>
+          <p:nvPr>
+            <p:ph type="sldImg"/>
+          </p:nvPr>
+        </p:nvSpPr>
+        <p:spPr/>
+      </p:sp>
+      <p:sp>
+        <p:nvSpPr>
+          <p:cNvPr id="3" name="Espaço Reservado para Anotações 2"/>
+          <p:cNvSpPr>
+            <a:spLocks noGrp="1"/>
+          </p:cNvSpPr>
+          <p:nvPr>
+            <p:ph type="body" idx="1"/>
+          </p:nvPr>
+        </p:nvSpPr>
+        <p:spPr/>
+        <p:txBody>
+          <a:bodyPr/>
+          <a:lstStyle/>
+          <a:p>
+            <a:r>
+              <a:rPr lang="pt-BR"/>
+              <a:t>Os requisitos não funcionais definem as características do sistema, como desempenho, segurança e usabilidade. Neste slide, discutiremos os principais requisitos não funcionais que o sistema deve atender.</a:t>
+            </a:r>
+          </a:p>
+        </p:txBody>
+      </p:sp>
+      <p:sp>
+        <p:nvSpPr>
+          <p:cNvPr id="4" name="Espaço Reservado para Número de Slide 3"/>
+          <p:cNvSpPr>
+            <a:spLocks noGrp="1"/>
+          </p:cNvSpPr>
+          <p:nvPr>
+            <p:ph type="sldNum" sz="quarter" idx="5"/>
+          </p:nvPr>
+        </p:nvSpPr>
+        <p:spPr/>
+        <p:txBody>
+          <a:bodyPr/>
+          <a:lstStyle/>
+          <a:p>
+            <a:fld id="{92E3E85D-1FC8-4645-A278-0F485466CD94}" type="slidenum">
+              <a:rPr lang="pt-BR" smtClean="0"/>
+              <a:t>26</a:t>
             </a:fld>
             <a:endParaRPr lang="pt-BR"/>
           </a:p>
@@ -2956,7 +3228,7 @@
           <a:p>
             <a:fld id="{C128FA71-3A18-48C0-980F-4B68F7F63042}" type="datetime1">
               <a:rPr lang="en-US" smtClean="0"/>
-              <a:t>2/13/2025</a:t>
+              <a:t>2/14/2025</a:t>
             </a:fld>
             <a:endParaRPr lang="en-US"/>
           </a:p>
@@ -3164,7 +3436,7 @@
           <a:p>
             <a:fld id="{7104EDB3-C0E8-45F8-9E1D-1B6C8D1880C0}" type="datetime1">
               <a:rPr lang="en-US" smtClean="0"/>
-              <a:t>2/13/2025</a:t>
+              <a:t>2/14/2025</a:t>
             </a:fld>
             <a:endParaRPr lang="en-US"/>
           </a:p>
@@ -3374,7 +3646,7 @@
           <a:p>
             <a:fld id="{9CF0EC4B-54ED-4041-B552-9BA760FA3DBA}" type="datetime1">
               <a:rPr lang="en-US" smtClean="0"/>
-              <a:t>2/13/2025</a:t>
+              <a:t>2/14/2025</a:t>
             </a:fld>
             <a:endParaRPr lang="en-US"/>
           </a:p>
@@ -3572,7 +3844,7 @@
           <a:p>
             <a:fld id="{51C1210E-201E-4473-82AC-2466F5386C38}" type="datetime1">
               <a:rPr lang="en-US" smtClean="0"/>
-              <a:t>2/13/2025</a:t>
+              <a:t>2/14/2025</a:t>
             </a:fld>
             <a:endParaRPr lang="en-US"/>
           </a:p>
@@ -3850,7 +4122,7 @@
           <a:p>
             <a:fld id="{B01EA198-6CAB-4B8F-B93F-1F9C8C4B6CE7}" type="datetime1">
               <a:rPr lang="en-US" smtClean="0"/>
-              <a:t>2/13/2025</a:t>
+              <a:t>2/14/2025</a:t>
             </a:fld>
             <a:endParaRPr lang="en-US"/>
           </a:p>
@@ -4122,7 +4394,7 @@
           <a:p>
             <a:fld id="{CA06041F-4525-44D5-AA4F-332294BF1F56}" type="datetime1">
               <a:rPr lang="en-US" smtClean="0"/>
-              <a:t>2/13/2025</a:t>
+              <a:t>2/14/2025</a:t>
             </a:fld>
             <a:endParaRPr lang="en-US"/>
           </a:p>
@@ -4546,7 +4818,7 @@
           <a:p>
             <a:fld id="{F9557091-BBDF-4EB9-BA6B-2BB67AC4FC0F}" type="datetime1">
               <a:rPr lang="en-US" smtClean="0"/>
-              <a:t>2/13/2025</a:t>
+              <a:t>2/14/2025</a:t>
             </a:fld>
             <a:endParaRPr lang="en-US"/>
           </a:p>
@@ -4687,7 +4959,7 @@
           <a:p>
             <a:fld id="{2D6B226B-77A6-410C-9796-083F278E0125}" type="datetime1">
               <a:rPr lang="en-US" smtClean="0"/>
-              <a:t>2/13/2025</a:t>
+              <a:t>2/14/2025</a:t>
             </a:fld>
             <a:endParaRPr lang="en-US"/>
           </a:p>
@@ -4800,7 +5072,7 @@
           <a:p>
             <a:fld id="{A23A578B-D289-4C40-8593-3D356C49DA58}" type="datetime1">
               <a:rPr lang="en-US" smtClean="0"/>
-              <a:t>2/13/2025</a:t>
+              <a:t>2/14/2025</a:t>
             </a:fld>
             <a:endParaRPr lang="en-US"/>
           </a:p>
@@ -5119,7 +5391,7 @@
           <a:p>
             <a:fld id="{713DFAE3-14DB-48A7-A80F-80DDB072CE3D}" type="datetime1">
               <a:rPr lang="en-US" smtClean="0"/>
-              <a:t>2/13/2025</a:t>
+              <a:t>2/14/2025</a:t>
             </a:fld>
             <a:endParaRPr lang="en-US"/>
           </a:p>
@@ -5413,7 +5685,7 @@
           <a:p>
             <a:fld id="{92C5EAEF-6478-4102-8F5D-A5FE9FC97ACB}" type="datetime1">
               <a:rPr lang="en-US" smtClean="0"/>
-              <a:t>2/13/2025</a:t>
+              <a:t>2/14/2025</a:t>
             </a:fld>
             <a:endParaRPr lang="en-US"/>
           </a:p>
@@ -5654,7 +5926,7 @@
           <a:p>
             <a:fld id="{67F45AC6-C491-4585-A584-9CE2AF7D5500}" type="datetime1">
               <a:rPr lang="en-US" smtClean="0"/>
-              <a:t>2/13/2025</a:t>
+              <a:t>2/14/2025</a:t>
             </a:fld>
             <a:endParaRPr lang="en-US"/>
           </a:p>
@@ -6371,9 +6643,10 @@
           <a:p>
             <a:pPr algn="l"/>
             <a:r>
-              <a:rPr lang="pt-BR" sz="2200" dirty="0"/>
-              <a:t>Nome do Aluno</a:t>
-            </a:r>
+              <a:rPr lang="pt-BR" sz="2200" dirty="0" smtClean="0"/>
+              <a:t>Ana Sophia Santana Santos</a:t>
+            </a:r>
+            <a:endParaRPr lang="pt-BR" sz="2200" dirty="0"/>
           </a:p>
         </p:txBody>
       </p:sp>
@@ -7252,8 +7525,8 @@
         </p:nvSpPr>
         <p:spPr>
           <a:xfrm>
-            <a:off x="1939849" y="4855649"/>
-            <a:ext cx="3964240" cy="1524000"/>
+            <a:off x="1927947" y="4893733"/>
+            <a:ext cx="928142" cy="1524000"/>
           </a:xfrm>
           <a:prstGeom prst="rect">
             <a:avLst/>
@@ -7280,6 +7553,10 @@
           <a:lstStyle/>
           <a:p>
             <a:pPr algn="ctr"/>
+            <a:r>
+              <a:rPr lang="pt-BR" dirty="0" smtClean="0"/>
+              <a:t>DB</a:t>
+            </a:r>
             <a:endParaRPr lang="pt-BR" dirty="0"/>
           </a:p>
         </p:txBody>
@@ -7603,7 +7880,7 @@
         </p:nvSpPr>
         <p:spPr>
           <a:xfrm>
-            <a:off x="1783644" y="5340801"/>
+            <a:off x="3094381" y="4432187"/>
             <a:ext cx="5916168" cy="1527048"/>
           </a:xfrm>
           <a:prstGeom prst="rect">
@@ -7702,94 +7979,6 @@
               <a:t> Angular</a:t>
             </a:r>
             <a:endParaRPr lang="en-US" sz="2200" dirty="0"/>
-          </a:p>
-        </p:txBody>
-      </p:sp>
-      <p:sp>
-        <p:nvSpPr>
-          <p:cNvPr id="22" name="Retângulo 21"/>
-          <p:cNvSpPr/>
-          <p:nvPr/>
-        </p:nvSpPr>
-        <p:spPr>
-          <a:xfrm>
-            <a:off x="2092249" y="5008049"/>
-            <a:ext cx="1396018" cy="581107"/>
-          </a:xfrm>
-          <a:prstGeom prst="rect">
-            <a:avLst/>
-          </a:prstGeom>
-        </p:spPr>
-        <p:style>
-          <a:lnRef idx="2">
-            <a:schemeClr val="accent2">
-              <a:shade val="50000"/>
-            </a:schemeClr>
-          </a:lnRef>
-          <a:fillRef idx="1">
-            <a:schemeClr val="accent2"/>
-          </a:fillRef>
-          <a:effectRef idx="0">
-            <a:schemeClr val="accent2"/>
-          </a:effectRef>
-          <a:fontRef idx="minor">
-            <a:schemeClr val="lt1"/>
-          </a:fontRef>
-        </p:style>
-        <p:txBody>
-          <a:bodyPr rtlCol="0" anchor="ctr"/>
-          <a:lstStyle/>
-          <a:p>
-            <a:pPr algn="ctr"/>
-            <a:r>
-              <a:rPr lang="pt-BR" dirty="0" smtClean="0"/>
-              <a:t>Categoria</a:t>
-            </a:r>
-            <a:endParaRPr lang="pt-BR" dirty="0"/>
-          </a:p>
-        </p:txBody>
-      </p:sp>
-      <p:sp>
-        <p:nvSpPr>
-          <p:cNvPr id="23" name="Retângulo 22"/>
-          <p:cNvSpPr/>
-          <p:nvPr/>
-        </p:nvSpPr>
-        <p:spPr>
-          <a:xfrm>
-            <a:off x="3688119" y="5036542"/>
-            <a:ext cx="1396018" cy="581107"/>
-          </a:xfrm>
-          <a:prstGeom prst="rect">
-            <a:avLst/>
-          </a:prstGeom>
-        </p:spPr>
-        <p:style>
-          <a:lnRef idx="2">
-            <a:schemeClr val="accent2">
-              <a:shade val="50000"/>
-            </a:schemeClr>
-          </a:lnRef>
-          <a:fillRef idx="1">
-            <a:schemeClr val="accent2"/>
-          </a:fillRef>
-          <a:effectRef idx="0">
-            <a:schemeClr val="accent2"/>
-          </a:effectRef>
-          <a:fontRef idx="minor">
-            <a:schemeClr val="lt1"/>
-          </a:fontRef>
-        </p:style>
-        <p:txBody>
-          <a:bodyPr rtlCol="0" anchor="ctr"/>
-          <a:lstStyle/>
-          <a:p>
-            <a:pPr algn="ctr"/>
-            <a:r>
-              <a:rPr lang="pt-BR" dirty="0" smtClean="0"/>
-              <a:t>Produto</a:t>
-            </a:r>
-            <a:endParaRPr lang="pt-BR" dirty="0"/>
           </a:p>
         </p:txBody>
       </p:sp>
@@ -7991,230 +8180,1074 @@
       </p:sp>
       <p:graphicFrame>
         <p:nvGraphicFramePr>
-          <p:cNvPr id="9" name="Espaço Reservado para Conteúdo 8">
-            <a:extLst>
-              <a:ext uri="{FF2B5EF4-FFF2-40B4-BE49-F238E27FC236}">
-                <a16:creationId xmlns:a16="http://schemas.microsoft.com/office/drawing/2014/main" id="{94D168E9-8A27-E555-24A7-0E0A781DEB97}"/>
-              </a:ext>
-            </a:extLst>
-          </p:cNvPr>
-          <p:cNvGraphicFramePr>
-            <a:graphicFrameLocks noGrp="1"/>
-          </p:cNvGraphicFramePr>
+          <p:cNvPr id="6" name="Google Shape;193;g3275b89c82a_19_0"/>
+          <p:cNvGraphicFramePr/>
           <p:nvPr>
-            <p:ph sz="half" idx="2"/>
             <p:extLst>
               <p:ext uri="{D42A27DB-BD31-4B8C-83A1-F6EECF244321}">
-                <p14:modId xmlns:p14="http://schemas.microsoft.com/office/powerpoint/2010/main" val="864156496"/>
+                <p14:modId xmlns:p14="http://schemas.microsoft.com/office/powerpoint/2010/main" val="1472221787"/>
               </p:ext>
             </p:extLst>
           </p:nvPr>
         </p:nvGraphicFramePr>
         <p:xfrm>
-          <a:off x="416988" y="1527048"/>
-          <a:ext cx="11380060" cy="2570480"/>
+          <a:off x="210654" y="971454"/>
+          <a:ext cx="11380050" cy="5573866"/>
         </p:xfrm>
         <a:graphic>
           <a:graphicData uri="http://schemas.openxmlformats.org/drawingml/2006/table">
             <a:tbl>
               <a:tblPr firstRow="1" bandRow="1">
-                <a:tableStyleId>{5C22544A-7EE6-4342-B048-85BDC9FD1C3A}</a:tableStyleId>
+                <a:noFill/>
               </a:tblPr>
               <a:tblGrid>
-                <a:gridCol w="741806">
+                <a:gridCol w="821525">
                   <a:extLst>
                     <a:ext uri="{9D8B030D-6E8A-4147-A177-3AD203B41FA5}">
-                      <a16:colId xmlns:a16="http://schemas.microsoft.com/office/drawing/2014/main" val="2067662009"/>
+                      <a16:colId xmlns:a16="http://schemas.microsoft.com/office/drawing/2014/main" val="20000"/>
                     </a:ext>
                   </a:extLst>
                 </a:gridCol>
-                <a:gridCol w="2337926">
+                <a:gridCol w="2258200">
                   <a:extLst>
                     <a:ext uri="{9D8B030D-6E8A-4147-A177-3AD203B41FA5}">
-                      <a16:colId xmlns:a16="http://schemas.microsoft.com/office/drawing/2014/main" val="3375634270"/>
+                      <a16:colId xmlns:a16="http://schemas.microsoft.com/office/drawing/2014/main" val="20001"/>
                     </a:ext>
                   </a:extLst>
                 </a:gridCol>
-                <a:gridCol w="8300328">
+                <a:gridCol w="8300325">
                   <a:extLst>
                     <a:ext uri="{9D8B030D-6E8A-4147-A177-3AD203B41FA5}">
-                      <a16:colId xmlns:a16="http://schemas.microsoft.com/office/drawing/2014/main" val="4088907626"/>
+                      <a16:colId xmlns:a16="http://schemas.microsoft.com/office/drawing/2014/main" val="20002"/>
                     </a:ext>
                   </a:extLst>
                 </a:gridCol>
               </a:tblGrid>
-              <a:tr h="370840">
+              <a:tr h="370850">
                 <a:tc>
                   <a:txBody>
                     <a:bodyPr/>
                     <a:lstStyle/>
                     <a:p>
-                      <a:endParaRPr lang="pt-BR"/>
+                      <a:pPr marL="0" marR="0" lvl="0" indent="0" algn="l" rtl="0">
+                        <a:lnSpc>
+                          <a:spcPct val="100000"/>
+                        </a:lnSpc>
+                        <a:spcBef>
+                          <a:spcPts val="0"/>
+                        </a:spcBef>
+                        <a:spcAft>
+                          <a:spcPts val="0"/>
+                        </a:spcAft>
+                        <a:buClr>
+                          <a:srgbClr val="000000"/>
+                        </a:buClr>
+                        <a:buSzPts val="1800"/>
+                        <a:buFont typeface="Arial"/>
+                        <a:buNone/>
+                      </a:pPr>
+                      <a:endParaRPr sz="1800" u="none" strike="noStrike" cap="none"/>
                     </a:p>
                   </a:txBody>
-                  <a:tcPr/>
+                  <a:tcPr marL="91450" marR="91450" marT="45725" marB="45725">
+                    <a:solidFill>
+                      <a:schemeClr val="accent6">
+                        <a:lumMod val="60000"/>
+                        <a:lumOff val="40000"/>
+                      </a:schemeClr>
+                    </a:solidFill>
+                  </a:tcPr>
                 </a:tc>
                 <a:tc>
                   <a:txBody>
                     <a:bodyPr/>
                     <a:lstStyle/>
                     <a:p>
-                      <a:endParaRPr lang="pt-BR"/>
+                      <a:pPr marL="0" marR="0" lvl="0" indent="0" algn="l" rtl="0">
+                        <a:lnSpc>
+                          <a:spcPct val="100000"/>
+                        </a:lnSpc>
+                        <a:spcBef>
+                          <a:spcPts val="0"/>
+                        </a:spcBef>
+                        <a:spcAft>
+                          <a:spcPts val="0"/>
+                        </a:spcAft>
+                        <a:buClr>
+                          <a:srgbClr val="000000"/>
+                        </a:buClr>
+                        <a:buSzPts val="1800"/>
+                        <a:buFont typeface="Arial"/>
+                        <a:buNone/>
+                      </a:pPr>
+                      <a:endParaRPr sz="1800" u="none" strike="noStrike" cap="none"/>
                     </a:p>
                   </a:txBody>
-                  <a:tcPr/>
+                  <a:tcPr marL="91450" marR="91450" marT="45725" marB="45725">
+                    <a:solidFill>
+                      <a:schemeClr val="accent6">
+                        <a:lumMod val="60000"/>
+                        <a:lumOff val="40000"/>
+                      </a:schemeClr>
+                    </a:solidFill>
+                  </a:tcPr>
                 </a:tc>
                 <a:tc>
                   <a:txBody>
                     <a:bodyPr/>
                     <a:lstStyle/>
                     <a:p>
-                      <a:endParaRPr lang="pt-BR"/>
+                      <a:pPr marL="0" marR="0" lvl="0" indent="0" algn="l" rtl="0">
+                        <a:lnSpc>
+                          <a:spcPct val="100000"/>
+                        </a:lnSpc>
+                        <a:spcBef>
+                          <a:spcPts val="0"/>
+                        </a:spcBef>
+                        <a:spcAft>
+                          <a:spcPts val="0"/>
+                        </a:spcAft>
+                        <a:buClr>
+                          <a:srgbClr val="000000"/>
+                        </a:buClr>
+                        <a:buSzPts val="1800"/>
+                        <a:buFont typeface="Arial"/>
+                        <a:buNone/>
+                      </a:pPr>
+                      <a:endParaRPr sz="1800" u="none" strike="noStrike" cap="none" dirty="0"/>
                     </a:p>
                   </a:txBody>
-                  <a:tcPr/>
+                  <a:tcPr marL="91450" marR="91450" marT="45725" marB="45725">
+                    <a:solidFill>
+                      <a:schemeClr val="accent6">
+                        <a:lumMod val="60000"/>
+                        <a:lumOff val="40000"/>
+                      </a:schemeClr>
+                    </a:solidFill>
+                  </a:tcPr>
                 </a:tc>
                 <a:extLst>
                   <a:ext uri="{0D108BD9-81ED-4DB2-BD59-A6C34878D82A}">
-                    <a16:rowId xmlns:a16="http://schemas.microsoft.com/office/drawing/2014/main" val="1863816280"/>
+                    <a16:rowId xmlns:a16="http://schemas.microsoft.com/office/drawing/2014/main" val="10000"/>
                   </a:ext>
                 </a:extLst>
               </a:tr>
-              <a:tr h="370840">
+              <a:tr h="370850">
                 <a:tc>
                   <a:txBody>
                     <a:bodyPr/>
                     <a:lstStyle/>
                     <a:p>
+                      <a:pPr marL="0" marR="0" lvl="0" indent="0" algn="l" rtl="0">
+                        <a:lnSpc>
+                          <a:spcPct val="100000"/>
+                        </a:lnSpc>
+                        <a:spcBef>
+                          <a:spcPts val="0"/>
+                        </a:spcBef>
+                        <a:spcAft>
+                          <a:spcPts val="0"/>
+                        </a:spcAft>
+                        <a:buClr>
+                          <a:srgbClr val="000000"/>
+                        </a:buClr>
+                        <a:buSzPts val="1800"/>
+                        <a:buFont typeface="Arial"/>
+                        <a:buNone/>
+                      </a:pPr>
                       <a:r>
-                        <a:rPr lang="pt-BR" dirty="0"/>
+                        <a:rPr lang="pt-BR" sz="1800" u="none" strike="noStrike" cap="none"/>
                         <a:t>R01</a:t>
                       </a:r>
+                      <a:endParaRPr sz="1400" u="none" strike="noStrike" cap="none"/>
                     </a:p>
                   </a:txBody>
-                  <a:tcPr/>
+                  <a:tcPr marL="91450" marR="91450" marT="45725" marB="45725">
+                    <a:solidFill>
+                      <a:schemeClr val="accent6">
+                        <a:lumMod val="60000"/>
+                        <a:lumOff val="40000"/>
+                      </a:schemeClr>
+                    </a:solidFill>
+                  </a:tcPr>
                 </a:tc>
                 <a:tc>
                   <a:txBody>
                     <a:bodyPr/>
                     <a:lstStyle/>
                     <a:p>
+                      <a:pPr marL="0" marR="0" lvl="0" indent="0" algn="l" rtl="0">
+                        <a:lnSpc>
+                          <a:spcPct val="100000"/>
+                        </a:lnSpc>
+                        <a:spcBef>
+                          <a:spcPts val="0"/>
+                        </a:spcBef>
+                        <a:spcAft>
+                          <a:spcPts val="0"/>
+                        </a:spcAft>
+                        <a:buClr>
+                          <a:srgbClr val="000000"/>
+                        </a:buClr>
+                        <a:buSzPts val="1800"/>
+                        <a:buFont typeface="Arial"/>
+                        <a:buNone/>
+                      </a:pPr>
                       <a:r>
-                        <a:rPr lang="pt-BR" dirty="0"/>
+                        <a:rPr lang="pt-BR" sz="1800" u="none" strike="noStrike" cap="none"/>
                         <a:t>Produto</a:t>
                       </a:r>
+                      <a:endParaRPr sz="1400" u="none" strike="noStrike" cap="none"/>
                     </a:p>
                   </a:txBody>
-                  <a:tcPr/>
+                  <a:tcPr marL="91450" marR="91450" marT="45725" marB="45725">
+                    <a:solidFill>
+                      <a:schemeClr val="accent6">
+                        <a:lumMod val="60000"/>
+                        <a:lumOff val="40000"/>
+                      </a:schemeClr>
+                    </a:solidFill>
+                  </a:tcPr>
                 </a:tc>
                 <a:tc>
                   <a:txBody>
                     <a:bodyPr/>
                     <a:lstStyle/>
                     <a:p>
+                      <a:pPr marL="0" marR="0" lvl="0" indent="0" algn="l" rtl="0">
+                        <a:lnSpc>
+                          <a:spcPct val="100000"/>
+                        </a:lnSpc>
+                        <a:spcBef>
+                          <a:spcPts val="0"/>
+                        </a:spcBef>
+                        <a:spcAft>
+                          <a:spcPts val="0"/>
+                        </a:spcAft>
+                        <a:buClr>
+                          <a:srgbClr val="000000"/>
+                        </a:buClr>
+                        <a:buSzPts val="1800"/>
+                        <a:buFont typeface="Arial"/>
+                        <a:buNone/>
+                      </a:pPr>
                       <a:r>
-                        <a:rPr lang="pt-BR" dirty="0"/>
-                        <a:t>Como usuário desejo fazer o registro dos materiais que serão controlados no sistema almoxarifado. Pode ser material de consumo ou permanentes. Para cada item deve ter (Código, descrição, categoria, quantidade mínima, unidades medida, nome fornecedor</a:t>
+                        <a:rPr lang="pt-BR" sz="1800" u="none" strike="noStrike" cap="none"/>
+                        <a:t>Como</a:t>
                       </a:r>
+                      <a:r>
+                        <a:rPr lang="pt-BR" sz="1800"/>
+                        <a:t>, </a:t>
+                      </a:r>
+                      <a:r>
+                        <a:rPr lang="pt-BR" sz="1800" u="none" strike="noStrike" cap="none"/>
+                        <a:t>usuário desejo fazer o registro dos materiais que serão controlados no sistema almoxarifado. Pode ser material de consumo ou permanentes. Para cada item deve ter (Código, descrição, categoria, quantidade mínima, unidades medida, nome fornecedor).</a:t>
+                      </a:r>
+                      <a:endParaRPr sz="1400" u="none" strike="noStrike" cap="none"/>
                     </a:p>
                   </a:txBody>
-                  <a:tcPr/>
+                  <a:tcPr marL="91450" marR="91450" marT="45725" marB="45725">
+                    <a:solidFill>
+                      <a:schemeClr val="accent6">
+                        <a:lumMod val="60000"/>
+                        <a:lumOff val="40000"/>
+                      </a:schemeClr>
+                    </a:solidFill>
+                  </a:tcPr>
                 </a:tc>
                 <a:extLst>
                   <a:ext uri="{0D108BD9-81ED-4DB2-BD59-A6C34878D82A}">
-                    <a16:rowId xmlns:a16="http://schemas.microsoft.com/office/drawing/2014/main" val="3007845030"/>
+                    <a16:rowId xmlns:a16="http://schemas.microsoft.com/office/drawing/2014/main" val="10001"/>
                   </a:ext>
                 </a:extLst>
               </a:tr>
-              <a:tr h="370840">
+              <a:tr h="370850">
                 <a:tc>
                   <a:txBody>
                     <a:bodyPr/>
                     <a:lstStyle/>
                     <a:p>
+                      <a:pPr marL="0" marR="0" lvl="0" indent="0" algn="l" rtl="0">
+                        <a:lnSpc>
+                          <a:spcPct val="100000"/>
+                        </a:lnSpc>
+                        <a:spcBef>
+                          <a:spcPts val="0"/>
+                        </a:spcBef>
+                        <a:spcAft>
+                          <a:spcPts val="0"/>
+                        </a:spcAft>
+                        <a:buClr>
+                          <a:srgbClr val="000000"/>
+                        </a:buClr>
+                        <a:buSzPts val="1800"/>
+                        <a:buFont typeface="Arial"/>
+                        <a:buNone/>
+                      </a:pPr>
                       <a:r>
-                        <a:rPr lang="pt-BR" dirty="0"/>
+                        <a:rPr lang="pt-BR" sz="1800" u="none" strike="noStrike" cap="none"/>
                         <a:t>R02</a:t>
                       </a:r>
+                      <a:endParaRPr sz="1400" u="none" strike="noStrike" cap="none"/>
                     </a:p>
                   </a:txBody>
-                  <a:tcPr/>
+                  <a:tcPr marL="91450" marR="91450" marT="45725" marB="45725">
+                    <a:solidFill>
+                      <a:schemeClr val="accent6">
+                        <a:lumMod val="60000"/>
+                        <a:lumOff val="40000"/>
+                      </a:schemeClr>
+                    </a:solidFill>
+                  </a:tcPr>
                 </a:tc>
                 <a:tc>
                   <a:txBody>
                     <a:bodyPr/>
                     <a:lstStyle/>
                     <a:p>
+                      <a:pPr marL="0" marR="0" lvl="0" indent="0" algn="l" rtl="0">
+                        <a:lnSpc>
+                          <a:spcPct val="100000"/>
+                        </a:lnSpc>
+                        <a:spcBef>
+                          <a:spcPts val="0"/>
+                        </a:spcBef>
+                        <a:spcAft>
+                          <a:spcPts val="0"/>
+                        </a:spcAft>
+                        <a:buClr>
+                          <a:srgbClr val="000000"/>
+                        </a:buClr>
+                        <a:buSzPts val="1800"/>
+                        <a:buFont typeface="Arial"/>
+                        <a:buNone/>
+                      </a:pPr>
                       <a:r>
-                        <a:rPr lang="pt-BR" dirty="0"/>
+                        <a:rPr lang="pt-BR" sz="1800" u="none" strike="noStrike" cap="none"/>
                         <a:t>Controle De Estoque</a:t>
                       </a:r>
+                      <a:endParaRPr sz="1400" u="none" strike="noStrike" cap="none"/>
                     </a:p>
                   </a:txBody>
-                  <a:tcPr/>
+                  <a:tcPr marL="91450" marR="91450" marT="45725" marB="45725">
+                    <a:solidFill>
+                      <a:schemeClr val="accent6">
+                        <a:lumMod val="60000"/>
+                        <a:lumOff val="40000"/>
+                      </a:schemeClr>
+                    </a:solidFill>
+                  </a:tcPr>
                 </a:tc>
                 <a:tc>
                   <a:txBody>
                     <a:bodyPr/>
                     <a:lstStyle/>
                     <a:p>
+                      <a:pPr marL="0" marR="0" lvl="0" indent="0" algn="l" rtl="0">
+                        <a:lnSpc>
+                          <a:spcPct val="100000"/>
+                        </a:lnSpc>
+                        <a:spcBef>
+                          <a:spcPts val="0"/>
+                        </a:spcBef>
+                        <a:spcAft>
+                          <a:spcPts val="0"/>
+                        </a:spcAft>
+                        <a:buClr>
+                          <a:srgbClr val="000000"/>
+                        </a:buClr>
+                        <a:buSzPts val="1800"/>
+                        <a:buFont typeface="Arial"/>
+                        <a:buNone/>
+                      </a:pPr>
                       <a:r>
-                        <a:rPr lang="pt-BR" dirty="0"/>
-                        <a:t>Como usuário desejo que tenha uma tela para poder cadastrar as entradas dos produtos por meio de notas fiscais</a:t>
+                        <a:rPr lang="pt-BR" sz="1800" u="none" strike="noStrike" cap="none"/>
+                        <a:t>Como</a:t>
                       </a:r>
+                      <a:r>
+                        <a:rPr lang="pt-BR" sz="1800"/>
+                        <a:t>,</a:t>
+                      </a:r>
+                      <a:r>
+                        <a:rPr lang="pt-BR" sz="1800" u="none" strike="noStrike" cap="none"/>
+                        <a:t> usuário desejo que tenha uma tela para poder cadastrar as entradas dos produtos por meio de notas fiscais.</a:t>
+                      </a:r>
+                      <a:endParaRPr sz="1400" u="none" strike="noStrike" cap="none"/>
                     </a:p>
                   </a:txBody>
-                  <a:tcPr/>
+                  <a:tcPr marL="91450" marR="91450" marT="45725" marB="45725">
+                    <a:solidFill>
+                      <a:schemeClr val="accent6">
+                        <a:lumMod val="60000"/>
+                        <a:lumOff val="40000"/>
+                      </a:schemeClr>
+                    </a:solidFill>
+                  </a:tcPr>
                 </a:tc>
                 <a:extLst>
                   <a:ext uri="{0D108BD9-81ED-4DB2-BD59-A6C34878D82A}">
-                    <a16:rowId xmlns:a16="http://schemas.microsoft.com/office/drawing/2014/main" val="1550809395"/>
+                    <a16:rowId xmlns:a16="http://schemas.microsoft.com/office/drawing/2014/main" val="10002"/>
                   </a:ext>
                 </a:extLst>
               </a:tr>
-              <a:tr h="370840">
+              <a:tr h="360875">
                 <a:tc>
                   <a:txBody>
                     <a:bodyPr/>
                     <a:lstStyle/>
                     <a:p>
+                      <a:pPr marL="0" marR="0" lvl="0" indent="0" algn="l" rtl="0">
+                        <a:lnSpc>
+                          <a:spcPct val="100000"/>
+                        </a:lnSpc>
+                        <a:spcBef>
+                          <a:spcPts val="0"/>
+                        </a:spcBef>
+                        <a:spcAft>
+                          <a:spcPts val="0"/>
+                        </a:spcAft>
+                        <a:buClr>
+                          <a:srgbClr val="000000"/>
+                        </a:buClr>
+                        <a:buSzPts val="1800"/>
+                        <a:buFont typeface="Arial"/>
+                        <a:buNone/>
+                      </a:pPr>
                       <a:r>
-                        <a:rPr lang="pt-BR" dirty="0"/>
+                        <a:rPr lang="pt-BR" sz="1800" u="none" strike="noStrike" cap="none"/>
                         <a:t>R03</a:t>
                       </a:r>
+                      <a:endParaRPr sz="1400" u="none" strike="noStrike" cap="none"/>
                     </a:p>
                   </a:txBody>
-                  <a:tcPr/>
+                  <a:tcPr marL="91450" marR="91450" marT="45725" marB="45725">
+                    <a:solidFill>
+                      <a:schemeClr val="accent6">
+                        <a:lumMod val="60000"/>
+                        <a:lumOff val="40000"/>
+                      </a:schemeClr>
+                    </a:solidFill>
+                  </a:tcPr>
                 </a:tc>
                 <a:tc>
                   <a:txBody>
                     <a:bodyPr/>
                     <a:lstStyle/>
                     <a:p>
+                      <a:pPr marL="0" marR="0" lvl="0" indent="0" algn="l" rtl="0">
+                        <a:lnSpc>
+                          <a:spcPct val="100000"/>
+                        </a:lnSpc>
+                        <a:spcBef>
+                          <a:spcPts val="0"/>
+                        </a:spcBef>
+                        <a:spcAft>
+                          <a:spcPts val="0"/>
+                        </a:spcAft>
+                        <a:buClr>
+                          <a:srgbClr val="000000"/>
+                        </a:buClr>
+                        <a:buSzPts val="1800"/>
+                        <a:buFont typeface="Arial"/>
+                        <a:buNone/>
+                      </a:pPr>
                       <a:r>
-                        <a:rPr lang="pt-BR" dirty="0"/>
+                        <a:rPr lang="pt-BR" sz="1800" u="none" strike="noStrike" cap="none"/>
                         <a:t>Controle de Saída</a:t>
                       </a:r>
+                      <a:endParaRPr sz="1400" u="none" strike="noStrike" cap="none"/>
                     </a:p>
                   </a:txBody>
-                  <a:tcPr/>
+                  <a:tcPr marL="91450" marR="91450" marT="45725" marB="45725">
+                    <a:solidFill>
+                      <a:schemeClr val="accent6">
+                        <a:lumMod val="60000"/>
+                        <a:lumOff val="40000"/>
+                      </a:schemeClr>
+                    </a:solidFill>
+                  </a:tcPr>
                 </a:tc>
                 <a:tc>
                   <a:txBody>
                     <a:bodyPr/>
                     <a:lstStyle/>
                     <a:p>
+                      <a:pPr marL="0" lvl="0" indent="0" algn="l" rtl="0">
+                        <a:lnSpc>
+                          <a:spcPct val="115000"/>
+                        </a:lnSpc>
+                        <a:spcBef>
+                          <a:spcPts val="0"/>
+                        </a:spcBef>
+                        <a:spcAft>
+                          <a:spcPts val="0"/>
+                        </a:spcAft>
+                        <a:buClr>
+                          <a:schemeClr val="dk1"/>
+                        </a:buClr>
+                        <a:buSzPts val="1100"/>
+                        <a:buFont typeface="Arial"/>
+                        <a:buNone/>
+                      </a:pPr>
                       <a:r>
-                        <a:rPr lang="pt-BR" dirty="0"/>
-                        <a:t>Continue...</a:t>
+                        <a:rPr lang="pt-BR" sz="1800">
+                          <a:latin typeface="Arial"/>
+                          <a:ea typeface="Arial"/>
+                          <a:cs typeface="Arial"/>
+                          <a:sym typeface="Arial"/>
+                        </a:rPr>
+                        <a:t>Como usuário, desejo que tenha uma lista dos produtos em estoque e que eu possa fazer a requisição de tais produtos. </a:t>
                       </a:r>
+                      <a:endParaRPr sz="1800"/>
                     </a:p>
                   </a:txBody>
-                  <a:tcPr/>
+                  <a:tcPr marL="91450" marR="91450" marT="45725" marB="45725">
+                    <a:solidFill>
+                      <a:schemeClr val="accent6">
+                        <a:lumMod val="60000"/>
+                        <a:lumOff val="40000"/>
+                      </a:schemeClr>
+                    </a:solidFill>
+                  </a:tcPr>
                 </a:tc>
                 <a:extLst>
                   <a:ext uri="{0D108BD9-81ED-4DB2-BD59-A6C34878D82A}">
-                    <a16:rowId xmlns:a16="http://schemas.microsoft.com/office/drawing/2014/main" val="1630807738"/>
+                    <a16:rowId xmlns:a16="http://schemas.microsoft.com/office/drawing/2014/main" val="10003"/>
+                  </a:ext>
+                </a:extLst>
+              </a:tr>
+              <a:tr h="360875">
+                <a:tc>
+                  <a:txBody>
+                    <a:bodyPr/>
+                    <a:lstStyle/>
+                    <a:p>
+                      <a:pPr marL="0" marR="0" lvl="0" indent="0" algn="l" rtl="0">
+                        <a:lnSpc>
+                          <a:spcPct val="100000"/>
+                        </a:lnSpc>
+                        <a:spcBef>
+                          <a:spcPts val="0"/>
+                        </a:spcBef>
+                        <a:spcAft>
+                          <a:spcPts val="0"/>
+                        </a:spcAft>
+                        <a:buNone/>
+                      </a:pPr>
+                      <a:r>
+                        <a:rPr lang="pt-BR" sz="1800"/>
+                        <a:t>R04</a:t>
+                      </a:r>
+                      <a:endParaRPr sz="1800" u="none" strike="noStrike" cap="none"/>
+                    </a:p>
+                  </a:txBody>
+                  <a:tcPr marL="91450" marR="91450" marT="45725" marB="45725">
+                    <a:solidFill>
+                      <a:schemeClr val="accent6">
+                        <a:lumMod val="60000"/>
+                        <a:lumOff val="40000"/>
+                      </a:schemeClr>
+                    </a:solidFill>
+                  </a:tcPr>
+                </a:tc>
+                <a:tc>
+                  <a:txBody>
+                    <a:bodyPr/>
+                    <a:lstStyle/>
+                    <a:p>
+                      <a:pPr marL="0" lvl="0" indent="0" algn="l" rtl="0">
+                        <a:lnSpc>
+                          <a:spcPct val="115000"/>
+                        </a:lnSpc>
+                        <a:spcBef>
+                          <a:spcPts val="0"/>
+                        </a:spcBef>
+                        <a:spcAft>
+                          <a:spcPts val="0"/>
+                        </a:spcAft>
+                        <a:buNone/>
+                      </a:pPr>
+                      <a:r>
+                        <a:rPr lang="pt-BR" sz="1800">
+                          <a:latin typeface="Arial"/>
+                          <a:ea typeface="Arial"/>
+                          <a:cs typeface="Arial"/>
+                          <a:sym typeface="Arial"/>
+                        </a:rPr>
+                        <a:t>Relatórios</a:t>
+                      </a:r>
+                      <a:endParaRPr sz="1800"/>
+                    </a:p>
+                  </a:txBody>
+                  <a:tcPr marL="91450" marR="91450" marT="45725" marB="45725">
+                    <a:solidFill>
+                      <a:schemeClr val="accent6">
+                        <a:lumMod val="60000"/>
+                        <a:lumOff val="40000"/>
+                      </a:schemeClr>
+                    </a:solidFill>
+                  </a:tcPr>
+                </a:tc>
+                <a:tc>
+                  <a:txBody>
+                    <a:bodyPr/>
+                    <a:lstStyle/>
+                    <a:p>
+                      <a:pPr marL="0" marR="0" lvl="0" indent="0" algn="l" rtl="0">
+                        <a:lnSpc>
+                          <a:spcPct val="100000"/>
+                        </a:lnSpc>
+                        <a:spcBef>
+                          <a:spcPts val="0"/>
+                        </a:spcBef>
+                        <a:spcAft>
+                          <a:spcPts val="0"/>
+                        </a:spcAft>
+                        <a:buNone/>
+                      </a:pPr>
+                      <a:r>
+                        <a:rPr lang="pt-BR" sz="1800"/>
+                        <a:t>Como usuário, desejo obter relatórios de entrada e saída e emitir relatórios financeiros com o custo total</a:t>
+                      </a:r>
+                      <a:endParaRPr sz="1800" u="none" strike="noStrike" cap="none"/>
+                    </a:p>
+                  </a:txBody>
+                  <a:tcPr marL="91450" marR="91450" marT="45725" marB="45725">
+                    <a:solidFill>
+                      <a:schemeClr val="accent6">
+                        <a:lumMod val="60000"/>
+                        <a:lumOff val="40000"/>
+                      </a:schemeClr>
+                    </a:solidFill>
+                  </a:tcPr>
+                </a:tc>
+                <a:extLst>
+                  <a:ext uri="{0D108BD9-81ED-4DB2-BD59-A6C34878D82A}">
+                    <a16:rowId xmlns:a16="http://schemas.microsoft.com/office/drawing/2014/main" val="10004"/>
+                  </a:ext>
+                </a:extLst>
+              </a:tr>
+              <a:tr h="360875">
+                <a:tc>
+                  <a:txBody>
+                    <a:bodyPr/>
+                    <a:lstStyle/>
+                    <a:p>
+                      <a:pPr marL="0" marR="0" lvl="0" indent="0" algn="l" rtl="0">
+                        <a:lnSpc>
+                          <a:spcPct val="100000"/>
+                        </a:lnSpc>
+                        <a:spcBef>
+                          <a:spcPts val="0"/>
+                        </a:spcBef>
+                        <a:spcAft>
+                          <a:spcPts val="0"/>
+                        </a:spcAft>
+                        <a:buNone/>
+                      </a:pPr>
+                      <a:r>
+                        <a:rPr lang="pt-BR" sz="1800"/>
+                        <a:t>R05</a:t>
+                      </a:r>
+                      <a:endParaRPr sz="1800" u="none" strike="noStrike" cap="none"/>
+                    </a:p>
+                  </a:txBody>
+                  <a:tcPr marL="91450" marR="91450" marT="45725" marB="45725">
+                    <a:solidFill>
+                      <a:schemeClr val="accent6">
+                        <a:lumMod val="60000"/>
+                        <a:lumOff val="40000"/>
+                      </a:schemeClr>
+                    </a:solidFill>
+                  </a:tcPr>
+                </a:tc>
+                <a:tc>
+                  <a:txBody>
+                    <a:bodyPr/>
+                    <a:lstStyle/>
+                    <a:p>
+                      <a:pPr marL="0" marR="0" lvl="0" indent="0" algn="l" rtl="0">
+                        <a:lnSpc>
+                          <a:spcPct val="100000"/>
+                        </a:lnSpc>
+                        <a:spcBef>
+                          <a:spcPts val="0"/>
+                        </a:spcBef>
+                        <a:spcAft>
+                          <a:spcPts val="0"/>
+                        </a:spcAft>
+                        <a:buNone/>
+                      </a:pPr>
+                      <a:r>
+                        <a:rPr lang="pt-BR" sz="1800"/>
+                        <a:t>Controle de Usuários </a:t>
+                      </a:r>
+                      <a:endParaRPr sz="1800" u="none" strike="noStrike" cap="none"/>
+                    </a:p>
+                  </a:txBody>
+                  <a:tcPr marL="91450" marR="91450" marT="45725" marB="45725">
+                    <a:solidFill>
+                      <a:schemeClr val="accent6">
+                        <a:lumMod val="60000"/>
+                        <a:lumOff val="40000"/>
+                      </a:schemeClr>
+                    </a:solidFill>
+                  </a:tcPr>
+                </a:tc>
+                <a:tc>
+                  <a:txBody>
+                    <a:bodyPr/>
+                    <a:lstStyle/>
+                    <a:p>
+                      <a:pPr marL="0" marR="0" lvl="0" indent="0" algn="l" rtl="0">
+                        <a:lnSpc>
+                          <a:spcPct val="100000"/>
+                        </a:lnSpc>
+                        <a:spcBef>
+                          <a:spcPts val="0"/>
+                        </a:spcBef>
+                        <a:spcAft>
+                          <a:spcPts val="0"/>
+                        </a:spcAft>
+                        <a:buNone/>
+                      </a:pPr>
+                      <a:r>
+                        <a:rPr lang="pt-BR" sz="1800"/>
+                        <a:t>Como usuário , desejo obter diferentes telas e funções para diferentes níveis de acesso</a:t>
+                      </a:r>
+                      <a:endParaRPr sz="1800" u="none" strike="noStrike" cap="none"/>
+                    </a:p>
+                  </a:txBody>
+                  <a:tcPr marL="91450" marR="91450" marT="45725" marB="45725">
+                    <a:solidFill>
+                      <a:schemeClr val="accent6">
+                        <a:lumMod val="60000"/>
+                        <a:lumOff val="40000"/>
+                      </a:schemeClr>
+                    </a:solidFill>
+                  </a:tcPr>
+                </a:tc>
+                <a:extLst>
+                  <a:ext uri="{0D108BD9-81ED-4DB2-BD59-A6C34878D82A}">
+                    <a16:rowId xmlns:a16="http://schemas.microsoft.com/office/drawing/2014/main" val="10005"/>
+                  </a:ext>
+                </a:extLst>
+              </a:tr>
+              <a:tr h="360875">
+                <a:tc>
+                  <a:txBody>
+                    <a:bodyPr/>
+                    <a:lstStyle/>
+                    <a:p>
+                      <a:pPr marL="0" marR="0" lvl="0" indent="0" algn="l" rtl="0">
+                        <a:lnSpc>
+                          <a:spcPct val="100000"/>
+                        </a:lnSpc>
+                        <a:spcBef>
+                          <a:spcPts val="0"/>
+                        </a:spcBef>
+                        <a:spcAft>
+                          <a:spcPts val="0"/>
+                        </a:spcAft>
+                        <a:buNone/>
+                      </a:pPr>
+                      <a:r>
+                        <a:rPr lang="pt-BR" sz="1800"/>
+                        <a:t>R05.1</a:t>
+                      </a:r>
+                      <a:endParaRPr sz="1800" u="none" strike="noStrike" cap="none"/>
+                    </a:p>
+                  </a:txBody>
+                  <a:tcPr marL="91450" marR="91450" marT="45725" marB="45725">
+                    <a:solidFill>
+                      <a:schemeClr val="accent6">
+                        <a:lumMod val="60000"/>
+                        <a:lumOff val="40000"/>
+                      </a:schemeClr>
+                    </a:solidFill>
+                  </a:tcPr>
+                </a:tc>
+                <a:tc>
+                  <a:txBody>
+                    <a:bodyPr/>
+                    <a:lstStyle/>
+                    <a:p>
+                      <a:pPr marL="0" marR="0" lvl="0" indent="0" algn="l" rtl="0">
+                        <a:lnSpc>
+                          <a:spcPct val="100000"/>
+                        </a:lnSpc>
+                        <a:spcBef>
+                          <a:spcPts val="0"/>
+                        </a:spcBef>
+                        <a:spcAft>
+                          <a:spcPts val="0"/>
+                        </a:spcAft>
+                        <a:buNone/>
+                      </a:pPr>
+                      <a:r>
+                        <a:rPr lang="pt-BR" sz="1800"/>
+                        <a:t>Administradores</a:t>
+                      </a:r>
+                      <a:endParaRPr sz="1800" u="none" strike="noStrike" cap="none"/>
+                    </a:p>
+                  </a:txBody>
+                  <a:tcPr marL="91450" marR="91450" marT="45725" marB="45725">
+                    <a:solidFill>
+                      <a:schemeClr val="accent6">
+                        <a:lumMod val="60000"/>
+                        <a:lumOff val="40000"/>
+                      </a:schemeClr>
+                    </a:solidFill>
+                  </a:tcPr>
+                </a:tc>
+                <a:tc>
+                  <a:txBody>
+                    <a:bodyPr/>
+                    <a:lstStyle/>
+                    <a:p>
+                      <a:pPr marL="0" marR="0" lvl="0" indent="0" algn="l" rtl="0">
+                        <a:lnSpc>
+                          <a:spcPct val="100000"/>
+                        </a:lnSpc>
+                        <a:spcBef>
+                          <a:spcPts val="0"/>
+                        </a:spcBef>
+                        <a:spcAft>
+                          <a:spcPts val="0"/>
+                        </a:spcAft>
+                        <a:buNone/>
+                      </a:pPr>
+                      <a:r>
+                        <a:rPr lang="pt-BR" sz="1800"/>
+                        <a:t>Possuem acesso total ao sistema. Os relatórios , as listas de produtos , bem como podem cadastrar os produtos e fazer requisições.</a:t>
+                      </a:r>
+                      <a:endParaRPr sz="1800" u="none" strike="noStrike" cap="none"/>
+                    </a:p>
+                  </a:txBody>
+                  <a:tcPr marL="91450" marR="91450" marT="45725" marB="45725">
+                    <a:solidFill>
+                      <a:schemeClr val="accent6">
+                        <a:lumMod val="60000"/>
+                        <a:lumOff val="40000"/>
+                      </a:schemeClr>
+                    </a:solidFill>
+                  </a:tcPr>
+                </a:tc>
+                <a:extLst>
+                  <a:ext uri="{0D108BD9-81ED-4DB2-BD59-A6C34878D82A}">
+                    <a16:rowId xmlns:a16="http://schemas.microsoft.com/office/drawing/2014/main" val="10006"/>
+                  </a:ext>
+                </a:extLst>
+              </a:tr>
+              <a:tr h="360875">
+                <a:tc>
+                  <a:txBody>
+                    <a:bodyPr/>
+                    <a:lstStyle/>
+                    <a:p>
+                      <a:pPr marL="0" marR="0" lvl="0" indent="0" algn="l" rtl="0">
+                        <a:lnSpc>
+                          <a:spcPct val="100000"/>
+                        </a:lnSpc>
+                        <a:spcBef>
+                          <a:spcPts val="0"/>
+                        </a:spcBef>
+                        <a:spcAft>
+                          <a:spcPts val="0"/>
+                        </a:spcAft>
+                        <a:buNone/>
+                      </a:pPr>
+                      <a:r>
+                        <a:rPr lang="pt-BR" sz="1800"/>
+                        <a:t>R05.2</a:t>
+                      </a:r>
+                      <a:endParaRPr sz="1800" u="none" strike="noStrike" cap="none"/>
+                    </a:p>
+                  </a:txBody>
+                  <a:tcPr marL="91450" marR="91450" marT="45725" marB="45725">
+                    <a:solidFill>
+                      <a:schemeClr val="accent6">
+                        <a:lumMod val="60000"/>
+                        <a:lumOff val="40000"/>
+                      </a:schemeClr>
+                    </a:solidFill>
+                  </a:tcPr>
+                </a:tc>
+                <a:tc>
+                  <a:txBody>
+                    <a:bodyPr/>
+                    <a:lstStyle/>
+                    <a:p>
+                      <a:pPr marL="0" marR="0" lvl="0" indent="0" algn="l" rtl="0">
+                        <a:lnSpc>
+                          <a:spcPct val="100000"/>
+                        </a:lnSpc>
+                        <a:spcBef>
+                          <a:spcPts val="0"/>
+                        </a:spcBef>
+                        <a:spcAft>
+                          <a:spcPts val="0"/>
+                        </a:spcAft>
+                        <a:buNone/>
+                      </a:pPr>
+                      <a:r>
+                        <a:rPr lang="pt-BR" sz="1800"/>
+                        <a:t>Almoxarifes</a:t>
+                      </a:r>
+                      <a:endParaRPr sz="1800" u="none" strike="noStrike" cap="none"/>
+                    </a:p>
+                  </a:txBody>
+                  <a:tcPr marL="91450" marR="91450" marT="45725" marB="45725">
+                    <a:solidFill>
+                      <a:schemeClr val="accent6">
+                        <a:lumMod val="60000"/>
+                        <a:lumOff val="40000"/>
+                      </a:schemeClr>
+                    </a:solidFill>
+                  </a:tcPr>
+                </a:tc>
+                <a:tc>
+                  <a:txBody>
+                    <a:bodyPr/>
+                    <a:lstStyle/>
+                    <a:p>
+                      <a:pPr marL="0" marR="0" lvl="0" indent="0" algn="l" rtl="0">
+                        <a:lnSpc>
+                          <a:spcPct val="100000"/>
+                        </a:lnSpc>
+                        <a:spcBef>
+                          <a:spcPts val="0"/>
+                        </a:spcBef>
+                        <a:spcAft>
+                          <a:spcPts val="0"/>
+                        </a:spcAft>
+                        <a:buNone/>
+                      </a:pPr>
+                      <a:r>
+                        <a:rPr lang="pt-BR" sz="1800"/>
+                        <a:t>Possuem acesso apenas para fazer os cadastros e ver a lista de produtos.</a:t>
+                      </a:r>
+                      <a:endParaRPr sz="1800" u="none" strike="noStrike" cap="none"/>
+                    </a:p>
+                  </a:txBody>
+                  <a:tcPr marL="91450" marR="91450" marT="45725" marB="45725">
+                    <a:solidFill>
+                      <a:schemeClr val="accent6">
+                        <a:lumMod val="60000"/>
+                        <a:lumOff val="40000"/>
+                      </a:schemeClr>
+                    </a:solidFill>
+                  </a:tcPr>
+                </a:tc>
+                <a:extLst>
+                  <a:ext uri="{0D108BD9-81ED-4DB2-BD59-A6C34878D82A}">
+                    <a16:rowId xmlns:a16="http://schemas.microsoft.com/office/drawing/2014/main" val="10007"/>
+                  </a:ext>
+                </a:extLst>
+              </a:tr>
+              <a:tr h="360875">
+                <a:tc>
+                  <a:txBody>
+                    <a:bodyPr/>
+                    <a:lstStyle/>
+                    <a:p>
+                      <a:pPr marL="0" marR="0" lvl="0" indent="0" algn="l" rtl="0">
+                        <a:lnSpc>
+                          <a:spcPct val="100000"/>
+                        </a:lnSpc>
+                        <a:spcBef>
+                          <a:spcPts val="0"/>
+                        </a:spcBef>
+                        <a:spcAft>
+                          <a:spcPts val="0"/>
+                        </a:spcAft>
+                        <a:buNone/>
+                      </a:pPr>
+                      <a:r>
+                        <a:rPr lang="pt-BR" sz="1800"/>
+                        <a:t>R05.3</a:t>
+                      </a:r>
+                      <a:endParaRPr sz="1800" u="none" strike="noStrike" cap="none"/>
+                    </a:p>
+                  </a:txBody>
+                  <a:tcPr marL="91450" marR="91450" marT="45725" marB="45725">
+                    <a:solidFill>
+                      <a:schemeClr val="accent6">
+                        <a:lumMod val="60000"/>
+                        <a:lumOff val="40000"/>
+                      </a:schemeClr>
+                    </a:solidFill>
+                  </a:tcPr>
+                </a:tc>
+                <a:tc>
+                  <a:txBody>
+                    <a:bodyPr/>
+                    <a:lstStyle/>
+                    <a:p>
+                      <a:pPr marL="0" marR="0" lvl="0" indent="0" algn="l" rtl="0">
+                        <a:lnSpc>
+                          <a:spcPct val="100000"/>
+                        </a:lnSpc>
+                        <a:spcBef>
+                          <a:spcPts val="0"/>
+                        </a:spcBef>
+                        <a:spcAft>
+                          <a:spcPts val="0"/>
+                        </a:spcAft>
+                        <a:buNone/>
+                      </a:pPr>
+                      <a:r>
+                        <a:rPr lang="pt-BR" sz="1800"/>
+                        <a:t>Secretaria</a:t>
+                      </a:r>
+                      <a:endParaRPr sz="1800" u="none" strike="noStrike" cap="none"/>
+                    </a:p>
+                  </a:txBody>
+                  <a:tcPr marL="91450" marR="91450" marT="45725" marB="45725">
+                    <a:solidFill>
+                      <a:schemeClr val="accent6">
+                        <a:lumMod val="60000"/>
+                        <a:lumOff val="40000"/>
+                      </a:schemeClr>
+                    </a:solidFill>
+                  </a:tcPr>
+                </a:tc>
+                <a:tc>
+                  <a:txBody>
+                    <a:bodyPr/>
+                    <a:lstStyle/>
+                    <a:p>
+                      <a:pPr marL="0" marR="0" lvl="0" indent="0" algn="l" rtl="0">
+                        <a:lnSpc>
+                          <a:spcPct val="100000"/>
+                        </a:lnSpc>
+                        <a:spcBef>
+                          <a:spcPts val="0"/>
+                        </a:spcBef>
+                        <a:spcAft>
+                          <a:spcPts val="0"/>
+                        </a:spcAft>
+                        <a:buNone/>
+                      </a:pPr>
+                      <a:r>
+                        <a:rPr lang="pt-BR" sz="1800" dirty="0"/>
+                        <a:t>Possuem acesso apenas para fazer as requisições e ver a lista de produtos.</a:t>
+                      </a:r>
+                      <a:endParaRPr sz="1800" u="none" strike="noStrike" cap="none" dirty="0"/>
+                    </a:p>
+                  </a:txBody>
+                  <a:tcPr marL="91450" marR="91450" marT="45725" marB="45725">
+                    <a:solidFill>
+                      <a:schemeClr val="accent6">
+                        <a:lumMod val="60000"/>
+                        <a:lumOff val="40000"/>
+                      </a:schemeClr>
+                    </a:solidFill>
+                  </a:tcPr>
+                </a:tc>
+                <a:extLst>
+                  <a:ext uri="{0D108BD9-81ED-4DB2-BD59-A6C34878D82A}">
+                    <a16:rowId xmlns:a16="http://schemas.microsoft.com/office/drawing/2014/main" val="10008"/>
                   </a:ext>
                 </a:extLst>
               </a:tr>
@@ -8370,13 +9403,13 @@
         </p:nvSpPr>
         <p:spPr>
           <a:xfrm>
-            <a:off x="429010" y="164470"/>
-            <a:ext cx="10517176" cy="463685"/>
+            <a:off x="468503" y="-214884"/>
+            <a:ext cx="10517176" cy="1527048"/>
           </a:xfrm>
         </p:spPr>
         <p:txBody>
           <a:bodyPr vert="horz" lIns="91440" tIns="45720" rIns="91440" bIns="45720" rtlCol="0" anchor="b">
-            <a:normAutofit fontScale="90000"/>
+            <a:normAutofit/>
           </a:bodyPr>
           <a:lstStyle/>
           <a:p>
@@ -8414,15 +9447,12 @@
         </p:nvSpPr>
         <p:spPr>
           <a:xfrm>
-            <a:off x="3318773" y="4037373"/>
-            <a:ext cx="2424448" cy="888642"/>
+            <a:off x="3442951" y="4073931"/>
+            <a:ext cx="1687133" cy="888642"/>
           </a:xfrm>
           <a:prstGeom prst="rect">
             <a:avLst/>
           </a:prstGeom>
-          <a:solidFill>
-            <a:schemeClr val="accent2"/>
-          </a:solidFill>
         </p:spPr>
         <p:style>
           <a:lnRef idx="2">
@@ -8466,15 +9496,12 @@
         </p:nvSpPr>
         <p:spPr>
           <a:xfrm>
-            <a:off x="1083215" y="1738499"/>
+            <a:off x="1229932" y="1804037"/>
             <a:ext cx="1687133" cy="888642"/>
           </a:xfrm>
           <a:prstGeom prst="rect">
             <a:avLst/>
           </a:prstGeom>
-          <a:solidFill>
-            <a:schemeClr val="accent2"/>
-          </a:solidFill>
         </p:spPr>
         <p:style>
           <a:lnRef idx="2">
@@ -8518,15 +9545,12 @@
         </p:nvSpPr>
         <p:spPr>
           <a:xfrm>
-            <a:off x="1533978" y="4157742"/>
+            <a:off x="1658156" y="4194300"/>
             <a:ext cx="785611" cy="647904"/>
           </a:xfrm>
           <a:prstGeom prst="diamond">
             <a:avLst/>
           </a:prstGeom>
-          <a:solidFill>
-            <a:schemeClr val="accent2"/>
-          </a:solidFill>
         </p:spPr>
         <p:style>
           <a:lnRef idx="2">
@@ -8570,7 +9594,7 @@
         </p:nvCxnSpPr>
         <p:spPr>
           <a:xfrm>
-            <a:off x="2319589" y="4481694"/>
+            <a:off x="2443767" y="4518252"/>
             <a:ext cx="999184" cy="0"/>
           </a:xfrm>
           <a:prstGeom prst="straightConnector1">
@@ -8609,7 +9633,7 @@
         </p:nvCxnSpPr>
         <p:spPr>
           <a:xfrm flipH="1" flipV="1">
-            <a:off x="1926782" y="2641631"/>
+            <a:off x="2050960" y="2678189"/>
             <a:ext cx="1" cy="1501621"/>
           </a:xfrm>
           <a:prstGeom prst="line">
@@ -8645,7 +9669,7 @@
         </p:nvSpPr>
         <p:spPr>
           <a:xfrm>
-            <a:off x="1143316" y="2686339"/>
+            <a:off x="1267494" y="2722897"/>
             <a:ext cx="1931832" cy="369332"/>
           </a:xfrm>
           <a:prstGeom prst="rect">
@@ -8681,7 +9705,7 @@
         </p:nvSpPr>
         <p:spPr>
           <a:xfrm>
-            <a:off x="2682878" y="4620980"/>
+            <a:off x="2807056" y="4657538"/>
             <a:ext cx="1931832" cy="369332"/>
           </a:xfrm>
           <a:prstGeom prst="rect">
@@ -8716,15 +9740,12 @@
         </p:nvSpPr>
         <p:spPr>
           <a:xfrm>
-            <a:off x="7201613" y="2260036"/>
-            <a:ext cx="2190742" cy="888642"/>
+            <a:off x="6569835" y="2003036"/>
+            <a:ext cx="1687133" cy="888642"/>
           </a:xfrm>
           <a:prstGeom prst="rect">
             <a:avLst/>
           </a:prstGeom>
-          <a:solidFill>
-            <a:schemeClr val="accent2"/>
-          </a:solidFill>
         </p:spPr>
         <p:style>
           <a:lnRef idx="2">
@@ -8749,7 +9770,7 @@
             <a:pPr algn="ctr"/>
             <a:r>
               <a:rPr lang="pt-BR" dirty="0" smtClean="0"/>
-              <a:t>ENTRADA</a:t>
+              <a:t>ENTRADA </a:t>
             </a:r>
             <a:endParaRPr lang="pt-BR" dirty="0"/>
           </a:p>
@@ -8769,15 +9790,12 @@
         </p:nvSpPr>
         <p:spPr>
           <a:xfrm>
-            <a:off x="7382484" y="5712359"/>
-            <a:ext cx="2226656" cy="888642"/>
+            <a:off x="3499843" y="2108360"/>
+            <a:ext cx="1811353" cy="888642"/>
           </a:xfrm>
           <a:prstGeom prst="rect">
             <a:avLst/>
           </a:prstGeom>
-          <a:solidFill>
-            <a:schemeClr val="accent2"/>
-          </a:solidFill>
         </p:spPr>
         <p:style>
           <a:lnRef idx="2">
@@ -8802,7 +9820,7 @@
             <a:pPr algn="ctr"/>
             <a:r>
               <a:rPr lang="pt-BR" dirty="0" smtClean="0"/>
-              <a:t>SAIDA</a:t>
+              <a:t>ITENENTRADA </a:t>
             </a:r>
             <a:endParaRPr lang="pt-BR" dirty="0"/>
           </a:p>
@@ -8822,15 +9840,12 @@
         </p:nvSpPr>
         <p:spPr>
           <a:xfrm>
-            <a:off x="3385175" y="2242018"/>
-            <a:ext cx="2358046" cy="888642"/>
+            <a:off x="6803807" y="5905605"/>
+            <a:ext cx="1687133" cy="888642"/>
           </a:xfrm>
           <a:prstGeom prst="rect">
             <a:avLst/>
           </a:prstGeom>
-          <a:solidFill>
-            <a:schemeClr val="accent2"/>
-          </a:solidFill>
         </p:spPr>
         <p:style>
           <a:lnRef idx="2">
@@ -8855,7 +9870,7 @@
             <a:pPr algn="ctr"/>
             <a:r>
               <a:rPr lang="pt-BR" dirty="0" smtClean="0"/>
-              <a:t>ITENSENTRADA</a:t>
+              <a:t>SAIDA </a:t>
             </a:r>
             <a:endParaRPr lang="pt-BR" dirty="0"/>
           </a:p>
@@ -8863,7 +9878,7 @@
       </p:sp>
       <p:sp>
         <p:nvSpPr>
-          <p:cNvPr id="15" name="Retângulo 14">
+          <p:cNvPr id="14" name="Retângulo 13">
             <a:extLst>
               <a:ext uri="{FF2B5EF4-FFF2-40B4-BE49-F238E27FC236}">
                 <a16:creationId xmlns:a16="http://schemas.microsoft.com/office/drawing/2014/main" id="{39E8B432-F54E-ED48-B2A1-9E05B0A0AC60}"/>
@@ -8875,15 +9890,12 @@
         </p:nvSpPr>
         <p:spPr>
           <a:xfrm>
-            <a:off x="9082185" y="164470"/>
-            <a:ext cx="2190742" cy="888642"/>
+            <a:off x="6477697" y="104319"/>
+            <a:ext cx="1871408" cy="888642"/>
           </a:xfrm>
           <a:prstGeom prst="rect">
             <a:avLst/>
           </a:prstGeom>
-          <a:solidFill>
-            <a:schemeClr val="accent2"/>
-          </a:solidFill>
         </p:spPr>
         <p:style>
           <a:lnRef idx="2">
@@ -8908,7 +9920,7 @@
             <a:pPr algn="ctr"/>
             <a:r>
               <a:rPr lang="pt-BR" dirty="0" smtClean="0"/>
-              <a:t>FORNECEDOR</a:t>
+              <a:t>FORNECEDOR </a:t>
             </a:r>
             <a:endParaRPr lang="pt-BR" dirty="0"/>
           </a:p>
@@ -8916,7 +9928,7 @@
       </p:sp>
       <p:sp>
         <p:nvSpPr>
-          <p:cNvPr id="16" name="Retângulo 15">
+          <p:cNvPr id="15" name="Retângulo 14">
             <a:extLst>
               <a:ext uri="{FF2B5EF4-FFF2-40B4-BE49-F238E27FC236}">
                 <a16:creationId xmlns:a16="http://schemas.microsoft.com/office/drawing/2014/main" id="{39E8B432-F54E-ED48-B2A1-9E05B0A0AC60}"/>
@@ -8928,15 +9940,12 @@
         </p:nvSpPr>
         <p:spPr>
           <a:xfrm>
-            <a:off x="3476152" y="5869286"/>
-            <a:ext cx="2358046" cy="888642"/>
+            <a:off x="9193044" y="4175596"/>
+            <a:ext cx="1687133" cy="888642"/>
           </a:xfrm>
           <a:prstGeom prst="rect">
             <a:avLst/>
           </a:prstGeom>
-          <a:solidFill>
-            <a:schemeClr val="accent2"/>
-          </a:solidFill>
         </p:spPr>
         <p:style>
           <a:lnRef idx="2">
@@ -8961,7 +9970,7 @@
             <a:pPr algn="ctr"/>
             <a:r>
               <a:rPr lang="pt-BR" dirty="0" smtClean="0"/>
-              <a:t>ITENSSAIDA</a:t>
+              <a:t>SECRETARIA </a:t>
             </a:r>
             <a:endParaRPr lang="pt-BR" dirty="0"/>
           </a:p>
@@ -8969,7 +9978,7 @@
       </p:sp>
       <p:sp>
         <p:nvSpPr>
-          <p:cNvPr id="21" name="Retângulo 20">
+          <p:cNvPr id="16" name="Retângulo 15">
             <a:extLst>
               <a:ext uri="{FF2B5EF4-FFF2-40B4-BE49-F238E27FC236}">
                 <a16:creationId xmlns:a16="http://schemas.microsoft.com/office/drawing/2014/main" id="{39E8B432-F54E-ED48-B2A1-9E05B0A0AC60}"/>
@@ -8981,15 +9990,12 @@
         </p:nvSpPr>
         <p:spPr>
           <a:xfrm>
-            <a:off x="9457034" y="3962159"/>
-            <a:ext cx="2226656" cy="888642"/>
+            <a:off x="3440405" y="5905605"/>
+            <a:ext cx="1811353" cy="888642"/>
           </a:xfrm>
           <a:prstGeom prst="rect">
             <a:avLst/>
           </a:prstGeom>
-          <a:solidFill>
-            <a:schemeClr val="accent2"/>
-          </a:solidFill>
         </p:spPr>
         <p:style>
           <a:lnRef idx="2">
@@ -9014,7 +10020,7 @@
             <a:pPr algn="ctr"/>
             <a:r>
               <a:rPr lang="pt-BR" dirty="0" smtClean="0"/>
-              <a:t>SECRETARIA</a:t>
+              <a:t>ITENSAIDA </a:t>
             </a:r>
             <a:endParaRPr lang="pt-BR" dirty="0"/>
           </a:p>
@@ -9022,7 +10028,7 @@
       </p:sp>
       <p:sp>
         <p:nvSpPr>
-          <p:cNvPr id="22" name="Losango 21">
+          <p:cNvPr id="21" name="Losango 20">
             <a:extLst>
               <a:ext uri="{FF2B5EF4-FFF2-40B4-BE49-F238E27FC236}">
                 <a16:creationId xmlns:a16="http://schemas.microsoft.com/office/drawing/2014/main" id="{A0589B58-71D4-387F-B6FD-C4BBFC5DFE56}"/>
@@ -9034,15 +10040,12 @@
         </p:nvSpPr>
         <p:spPr>
           <a:xfrm>
-            <a:off x="4138191" y="5095001"/>
+            <a:off x="3953277" y="3253259"/>
             <a:ext cx="785611" cy="647904"/>
           </a:xfrm>
           <a:prstGeom prst="diamond">
             <a:avLst/>
           </a:prstGeom>
-          <a:solidFill>
-            <a:schemeClr val="accent2"/>
-          </a:solidFill>
         </p:spPr>
         <p:style>
           <a:lnRef idx="2">
@@ -9071,7 +10074,7 @@
       </p:sp>
       <p:sp>
         <p:nvSpPr>
-          <p:cNvPr id="23" name="Losango 22">
+          <p:cNvPr id="22" name="Losango 21">
             <a:extLst>
               <a:ext uri="{FF2B5EF4-FFF2-40B4-BE49-F238E27FC236}">
                 <a16:creationId xmlns:a16="http://schemas.microsoft.com/office/drawing/2014/main" id="{A0589B58-71D4-387F-B6FD-C4BBFC5DFE56}"/>
@@ -9083,15 +10086,12 @@
         </p:nvSpPr>
         <p:spPr>
           <a:xfrm>
-            <a:off x="6130680" y="5953097"/>
+            <a:off x="3949951" y="5121293"/>
             <a:ext cx="785611" cy="647904"/>
           </a:xfrm>
           <a:prstGeom prst="diamond">
             <a:avLst/>
           </a:prstGeom>
-          <a:solidFill>
-            <a:schemeClr val="accent2"/>
-          </a:solidFill>
         </p:spPr>
         <p:style>
           <a:lnRef idx="2">
@@ -9120,7 +10120,7 @@
       </p:sp>
       <p:sp>
         <p:nvSpPr>
-          <p:cNvPr id="24" name="Losango 23">
+          <p:cNvPr id="23" name="Losango 22">
             <a:extLst>
               <a:ext uri="{FF2B5EF4-FFF2-40B4-BE49-F238E27FC236}">
                 <a16:creationId xmlns:a16="http://schemas.microsoft.com/office/drawing/2014/main" id="{A0589B58-71D4-387F-B6FD-C4BBFC5DFE56}"/>
@@ -9132,15 +10132,12 @@
         </p:nvSpPr>
         <p:spPr>
           <a:xfrm>
-            <a:off x="10177556" y="5576202"/>
+            <a:off x="5675519" y="5991504"/>
             <a:ext cx="785611" cy="647904"/>
           </a:xfrm>
           <a:prstGeom prst="diamond">
             <a:avLst/>
           </a:prstGeom>
-          <a:solidFill>
-            <a:schemeClr val="accent2"/>
-          </a:solidFill>
         </p:spPr>
         <p:style>
           <a:lnRef idx="2">
@@ -9169,7 +10166,7 @@
       </p:sp>
       <p:sp>
         <p:nvSpPr>
-          <p:cNvPr id="25" name="Losango 24">
+          <p:cNvPr id="24" name="Losango 23">
             <a:extLst>
               <a:ext uri="{FF2B5EF4-FFF2-40B4-BE49-F238E27FC236}">
                 <a16:creationId xmlns:a16="http://schemas.microsoft.com/office/drawing/2014/main" id="{A0589B58-71D4-387F-B6FD-C4BBFC5DFE56}"/>
@@ -9181,15 +10178,12 @@
         </p:nvSpPr>
         <p:spPr>
           <a:xfrm>
-            <a:off x="10036397" y="2317679"/>
+            <a:off x="9457859" y="5490107"/>
             <a:ext cx="785611" cy="647904"/>
           </a:xfrm>
           <a:prstGeom prst="diamond">
             <a:avLst/>
           </a:prstGeom>
-          <a:solidFill>
-            <a:schemeClr val="accent2"/>
-          </a:solidFill>
         </p:spPr>
         <p:style>
           <a:lnRef idx="2">
@@ -9218,7 +10212,7 @@
       </p:sp>
       <p:sp>
         <p:nvSpPr>
-          <p:cNvPr id="26" name="Losango 25">
+          <p:cNvPr id="25" name="Losango 24">
             <a:extLst>
               <a:ext uri="{FF2B5EF4-FFF2-40B4-BE49-F238E27FC236}">
                 <a16:creationId xmlns:a16="http://schemas.microsoft.com/office/drawing/2014/main" id="{A0589B58-71D4-387F-B6FD-C4BBFC5DFE56}"/>
@@ -9230,15 +10224,12 @@
         </p:nvSpPr>
         <p:spPr>
           <a:xfrm>
-            <a:off x="5936629" y="2380405"/>
+            <a:off x="7020595" y="1176208"/>
             <a:ext cx="785611" cy="647904"/>
           </a:xfrm>
           <a:prstGeom prst="diamond">
             <a:avLst/>
           </a:prstGeom>
-          <a:solidFill>
-            <a:schemeClr val="accent2"/>
-          </a:solidFill>
         </p:spPr>
         <p:style>
           <a:lnRef idx="2">
@@ -9265,6 +10256,52 @@
           </a:p>
         </p:txBody>
       </p:sp>
+      <p:sp>
+        <p:nvSpPr>
+          <p:cNvPr id="26" name="Losango 25">
+            <a:extLst>
+              <a:ext uri="{FF2B5EF4-FFF2-40B4-BE49-F238E27FC236}">
+                <a16:creationId xmlns:a16="http://schemas.microsoft.com/office/drawing/2014/main" id="{A0589B58-71D4-387F-B6FD-C4BBFC5DFE56}"/>
+              </a:ext>
+            </a:extLst>
+          </p:cNvPr>
+          <p:cNvSpPr/>
+          <p:nvPr/>
+        </p:nvSpPr>
+        <p:spPr>
+          <a:xfrm>
+            <a:off x="5594467" y="2228729"/>
+            <a:ext cx="785611" cy="647904"/>
+          </a:xfrm>
+          <a:prstGeom prst="diamond">
+            <a:avLst/>
+          </a:prstGeom>
+        </p:spPr>
+        <p:style>
+          <a:lnRef idx="2">
+            <a:schemeClr val="accent1">
+              <a:shade val="15000"/>
+            </a:schemeClr>
+          </a:lnRef>
+          <a:fillRef idx="1">
+            <a:schemeClr val="accent1"/>
+          </a:fillRef>
+          <a:effectRef idx="0">
+            <a:schemeClr val="accent1"/>
+          </a:effectRef>
+          <a:fontRef idx="minor">
+            <a:schemeClr val="lt1"/>
+          </a:fontRef>
+        </p:style>
+        <p:txBody>
+          <a:bodyPr rtlCol="0" anchor="ctr"/>
+          <a:lstStyle/>
+          <a:p>
+            <a:pPr algn="ctr"/>
+            <a:endParaRPr lang="pt-BR" dirty="0"/>
+          </a:p>
+        </p:txBody>
+      </p:sp>
       <p:cxnSp>
         <p:nvCxnSpPr>
           <p:cNvPr id="27" name="Conector reto 26">
@@ -9278,9 +10315,9 @@
           <p:nvPr/>
         </p:nvCxnSpPr>
         <p:spPr>
-          <a:xfrm flipV="1">
-            <a:off x="5722523" y="2713235"/>
-            <a:ext cx="1601924" cy="1"/>
+          <a:xfrm flipH="1" flipV="1">
+            <a:off x="4342757" y="2784656"/>
+            <a:ext cx="1" cy="1501621"/>
           </a:xfrm>
           <a:prstGeom prst="line">
             <a:avLst/>
@@ -9314,9 +10351,9 @@
           <p:nvPr/>
         </p:nvCxnSpPr>
         <p:spPr>
-          <a:xfrm flipV="1">
-            <a:off x="5599689" y="6277049"/>
-            <a:ext cx="1782795" cy="2"/>
+          <a:xfrm flipH="1" flipV="1">
+            <a:off x="4294297" y="4842205"/>
+            <a:ext cx="48460" cy="1295806"/>
           </a:xfrm>
           <a:prstGeom prst="line">
             <a:avLst/>
@@ -9351,8 +10388,8 @@
         </p:nvCxnSpPr>
         <p:spPr>
           <a:xfrm flipV="1">
-            <a:off x="8893381" y="6028360"/>
-            <a:ext cx="1782795" cy="2"/>
+            <a:off x="9850664" y="4813836"/>
+            <a:ext cx="4311" cy="1000223"/>
           </a:xfrm>
           <a:prstGeom prst="line">
             <a:avLst/>
@@ -9387,7 +10424,7 @@
         </p:nvCxnSpPr>
         <p:spPr>
           <a:xfrm flipH="1" flipV="1">
-            <a:off x="10549809" y="4327854"/>
+            <a:off x="7412956" y="906790"/>
             <a:ext cx="1" cy="1501621"/>
           </a:xfrm>
           <a:prstGeom prst="line">
@@ -9419,14 +10456,15 @@
             </a:extLst>
           </p:cNvPr>
           <p:cNvCxnSpPr>
-            <a:stCxn id="25" idx="2"/>
+            <a:stCxn id="11" idx="1"/>
+            <a:endCxn id="12" idx="3"/>
           </p:cNvCxnSpPr>
           <p:nvPr/>
         </p:nvCxnSpPr>
         <p:spPr>
-          <a:xfrm flipV="1">
-            <a:off x="10429203" y="1091159"/>
-            <a:ext cx="0" cy="1874424"/>
+          <a:xfrm flipH="1">
+            <a:off x="5311196" y="2447357"/>
+            <a:ext cx="1258639" cy="105324"/>
           </a:xfrm>
           <a:prstGeom prst="line">
             <a:avLst/>
@@ -9461,8 +10499,8 @@
         </p:nvCxnSpPr>
         <p:spPr>
           <a:xfrm flipV="1">
-            <a:off x="8834131" y="2656488"/>
-            <a:ext cx="1601924" cy="1"/>
+            <a:off x="8362295" y="5905605"/>
+            <a:ext cx="1488369" cy="558590"/>
           </a:xfrm>
           <a:prstGeom prst="line">
             <a:avLst/>
@@ -9483,58 +10521,9 @@
           </a:fontRef>
         </p:style>
       </p:cxnSp>
-      <p:sp>
-        <p:nvSpPr>
-          <p:cNvPr id="34" name="Losango 33">
-            <a:extLst>
-              <a:ext uri="{FF2B5EF4-FFF2-40B4-BE49-F238E27FC236}">
-                <a16:creationId xmlns:a16="http://schemas.microsoft.com/office/drawing/2014/main" id="{A0589B58-71D4-387F-B6FD-C4BBFC5DFE56}"/>
-              </a:ext>
-            </a:extLst>
-          </p:cNvPr>
-          <p:cNvSpPr/>
-          <p:nvPr/>
-        </p:nvSpPr>
-        <p:spPr>
-          <a:xfrm>
-            <a:off x="4138191" y="3260064"/>
-            <a:ext cx="785611" cy="647904"/>
-          </a:xfrm>
-          <a:prstGeom prst="diamond">
-            <a:avLst/>
-          </a:prstGeom>
-          <a:solidFill>
-            <a:schemeClr val="accent2"/>
-          </a:solidFill>
-        </p:spPr>
-        <p:style>
-          <a:lnRef idx="2">
-            <a:schemeClr val="accent1">
-              <a:shade val="15000"/>
-            </a:schemeClr>
-          </a:lnRef>
-          <a:fillRef idx="1">
-            <a:schemeClr val="accent1"/>
-          </a:fillRef>
-          <a:effectRef idx="0">
-            <a:schemeClr val="accent1"/>
-          </a:effectRef>
-          <a:fontRef idx="minor">
-            <a:schemeClr val="lt1"/>
-          </a:fontRef>
-        </p:style>
-        <p:txBody>
-          <a:bodyPr rtlCol="0" anchor="ctr"/>
-          <a:lstStyle/>
-          <a:p>
-            <a:pPr algn="ctr"/>
-            <a:endParaRPr lang="pt-BR" dirty="0"/>
-          </a:p>
-        </p:txBody>
-      </p:sp>
       <p:cxnSp>
         <p:nvCxnSpPr>
-          <p:cNvPr id="35" name="Conector reto 34">
+          <p:cNvPr id="34" name="Conector reto 33">
             <a:extLst>
               <a:ext uri="{FF2B5EF4-FFF2-40B4-BE49-F238E27FC236}">
                 <a16:creationId xmlns:a16="http://schemas.microsoft.com/office/drawing/2014/main" id="{6BF6B5B1-6280-4467-738C-9F23631C322C}"/>
@@ -9545,9 +10534,9 @@
           <p:nvPr/>
         </p:nvCxnSpPr>
         <p:spPr>
-          <a:xfrm flipH="1" flipV="1">
-            <a:off x="4513389" y="2686339"/>
-            <a:ext cx="6853" cy="3096803"/>
+          <a:xfrm>
+            <a:off x="5196462" y="6315457"/>
+            <a:ext cx="1784151" cy="34469"/>
           </a:xfrm>
           <a:prstGeom prst="line">
             <a:avLst/>
@@ -9568,432 +10557,6 @@
           </a:fontRef>
         </p:style>
       </p:cxnSp>
-      <p:sp>
-        <p:nvSpPr>
-          <p:cNvPr id="36" name="CaixaDeTexto 35">
-            <a:extLst>
-              <a:ext uri="{FF2B5EF4-FFF2-40B4-BE49-F238E27FC236}">
-                <a16:creationId xmlns:a16="http://schemas.microsoft.com/office/drawing/2014/main" id="{0B3999CC-C262-EF20-322E-845F60C54B47}"/>
-              </a:ext>
-            </a:extLst>
-          </p:cNvPr>
-          <p:cNvSpPr txBox="1"/>
-          <p:nvPr/>
-        </p:nvSpPr>
-        <p:spPr>
-          <a:xfrm>
-            <a:off x="4877458" y="5460143"/>
-            <a:ext cx="1931832" cy="369332"/>
-          </a:xfrm>
-          <a:prstGeom prst="rect">
-            <a:avLst/>
-          </a:prstGeom>
-          <a:noFill/>
-        </p:spPr>
-        <p:txBody>
-          <a:bodyPr wrap="square">
-            <a:spAutoFit/>
-          </a:bodyPr>
-          <a:lstStyle/>
-          <a:p>
-            <a:r>
-              <a:rPr lang="pt-BR" dirty="0"/>
-              <a:t>N</a:t>
-            </a:r>
-          </a:p>
-        </p:txBody>
-      </p:sp>
-      <p:sp>
-        <p:nvSpPr>
-          <p:cNvPr id="37" name="CaixaDeTexto 36">
-            <a:extLst>
-              <a:ext uri="{FF2B5EF4-FFF2-40B4-BE49-F238E27FC236}">
-                <a16:creationId xmlns:a16="http://schemas.microsoft.com/office/drawing/2014/main" id="{0B3999CC-C262-EF20-322E-845F60C54B47}"/>
-              </a:ext>
-            </a:extLst>
-          </p:cNvPr>
-          <p:cNvSpPr txBox="1"/>
-          <p:nvPr/>
-        </p:nvSpPr>
-        <p:spPr>
-          <a:xfrm>
-            <a:off x="4839057" y="4915752"/>
-            <a:ext cx="1931832" cy="369332"/>
-          </a:xfrm>
-          <a:prstGeom prst="rect">
-            <a:avLst/>
-          </a:prstGeom>
-          <a:noFill/>
-        </p:spPr>
-        <p:txBody>
-          <a:bodyPr wrap="square">
-            <a:spAutoFit/>
-          </a:bodyPr>
-          <a:lstStyle/>
-          <a:p>
-            <a:r>
-              <a:rPr lang="pt-BR" dirty="0" smtClean="0"/>
-              <a:t>1</a:t>
-            </a:r>
-            <a:endParaRPr lang="pt-BR" dirty="0"/>
-          </a:p>
-        </p:txBody>
-      </p:sp>
-      <p:sp>
-        <p:nvSpPr>
-          <p:cNvPr id="38" name="CaixaDeTexto 37">
-            <a:extLst>
-              <a:ext uri="{FF2B5EF4-FFF2-40B4-BE49-F238E27FC236}">
-                <a16:creationId xmlns:a16="http://schemas.microsoft.com/office/drawing/2014/main" id="{0B3999CC-C262-EF20-322E-845F60C54B47}"/>
-              </a:ext>
-            </a:extLst>
-          </p:cNvPr>
-          <p:cNvSpPr txBox="1"/>
-          <p:nvPr/>
-        </p:nvSpPr>
-        <p:spPr>
-          <a:xfrm>
-            <a:off x="4860683" y="3740869"/>
-            <a:ext cx="1931832" cy="369332"/>
-          </a:xfrm>
-          <a:prstGeom prst="rect">
-            <a:avLst/>
-          </a:prstGeom>
-          <a:noFill/>
-        </p:spPr>
-        <p:txBody>
-          <a:bodyPr wrap="square">
-            <a:spAutoFit/>
-          </a:bodyPr>
-          <a:lstStyle/>
-          <a:p>
-            <a:r>
-              <a:rPr lang="pt-BR" dirty="0" smtClean="0"/>
-              <a:t>1</a:t>
-            </a:r>
-            <a:endParaRPr lang="pt-BR" dirty="0"/>
-          </a:p>
-        </p:txBody>
-      </p:sp>
-      <p:sp>
-        <p:nvSpPr>
-          <p:cNvPr id="39" name="CaixaDeTexto 38">
-            <a:extLst>
-              <a:ext uri="{FF2B5EF4-FFF2-40B4-BE49-F238E27FC236}">
-                <a16:creationId xmlns:a16="http://schemas.microsoft.com/office/drawing/2014/main" id="{0B3999CC-C262-EF20-322E-845F60C54B47}"/>
-              </a:ext>
-            </a:extLst>
-          </p:cNvPr>
-          <p:cNvSpPr txBox="1"/>
-          <p:nvPr/>
-        </p:nvSpPr>
-        <p:spPr>
-          <a:xfrm>
-            <a:off x="4744104" y="3173494"/>
-            <a:ext cx="1931832" cy="369332"/>
-          </a:xfrm>
-          <a:prstGeom prst="rect">
-            <a:avLst/>
-          </a:prstGeom>
-          <a:noFill/>
-        </p:spPr>
-        <p:txBody>
-          <a:bodyPr wrap="square">
-            <a:spAutoFit/>
-          </a:bodyPr>
-          <a:lstStyle/>
-          <a:p>
-            <a:r>
-              <a:rPr lang="pt-BR" dirty="0"/>
-              <a:t>N</a:t>
-            </a:r>
-          </a:p>
-        </p:txBody>
-      </p:sp>
-      <p:sp>
-        <p:nvSpPr>
-          <p:cNvPr id="40" name="CaixaDeTexto 39">
-            <a:extLst>
-              <a:ext uri="{FF2B5EF4-FFF2-40B4-BE49-F238E27FC236}">
-                <a16:creationId xmlns:a16="http://schemas.microsoft.com/office/drawing/2014/main" id="{0B3999CC-C262-EF20-322E-845F60C54B47}"/>
-              </a:ext>
-            </a:extLst>
-          </p:cNvPr>
-          <p:cNvSpPr txBox="1"/>
-          <p:nvPr/>
-        </p:nvSpPr>
-        <p:spPr>
-          <a:xfrm>
-            <a:off x="6995600" y="5895066"/>
-            <a:ext cx="1931832" cy="369332"/>
-          </a:xfrm>
-          <a:prstGeom prst="rect">
-            <a:avLst/>
-          </a:prstGeom>
-          <a:noFill/>
-        </p:spPr>
-        <p:txBody>
-          <a:bodyPr wrap="square">
-            <a:spAutoFit/>
-          </a:bodyPr>
-          <a:lstStyle/>
-          <a:p>
-            <a:r>
-              <a:rPr lang="pt-BR" dirty="0" smtClean="0"/>
-              <a:t>1</a:t>
-            </a:r>
-            <a:endParaRPr lang="pt-BR" dirty="0"/>
-          </a:p>
-        </p:txBody>
-      </p:sp>
-      <p:sp>
-        <p:nvSpPr>
-          <p:cNvPr id="41" name="CaixaDeTexto 40">
-            <a:extLst>
-              <a:ext uri="{FF2B5EF4-FFF2-40B4-BE49-F238E27FC236}">
-                <a16:creationId xmlns:a16="http://schemas.microsoft.com/office/drawing/2014/main" id="{0B3999CC-C262-EF20-322E-845F60C54B47}"/>
-              </a:ext>
-            </a:extLst>
-          </p:cNvPr>
-          <p:cNvSpPr txBox="1"/>
-          <p:nvPr/>
-        </p:nvSpPr>
-        <p:spPr>
-          <a:xfrm>
-            <a:off x="5722523" y="5943158"/>
-            <a:ext cx="1931832" cy="369332"/>
-          </a:xfrm>
-          <a:prstGeom prst="rect">
-            <a:avLst/>
-          </a:prstGeom>
-          <a:noFill/>
-        </p:spPr>
-        <p:txBody>
-          <a:bodyPr wrap="square">
-            <a:spAutoFit/>
-          </a:bodyPr>
-          <a:lstStyle/>
-          <a:p>
-            <a:r>
-              <a:rPr lang="pt-BR" dirty="0"/>
-              <a:t>N</a:t>
-            </a:r>
-          </a:p>
-        </p:txBody>
-      </p:sp>
-      <p:sp>
-        <p:nvSpPr>
-          <p:cNvPr id="42" name="CaixaDeTexto 41">
-            <a:extLst>
-              <a:ext uri="{FF2B5EF4-FFF2-40B4-BE49-F238E27FC236}">
-                <a16:creationId xmlns:a16="http://schemas.microsoft.com/office/drawing/2014/main" id="{0B3999CC-C262-EF20-322E-845F60C54B47}"/>
-              </a:ext>
-            </a:extLst>
-          </p:cNvPr>
-          <p:cNvSpPr txBox="1"/>
-          <p:nvPr/>
-        </p:nvSpPr>
-        <p:spPr>
-          <a:xfrm>
-            <a:off x="5722523" y="2371595"/>
-            <a:ext cx="1931832" cy="369332"/>
-          </a:xfrm>
-          <a:prstGeom prst="rect">
-            <a:avLst/>
-          </a:prstGeom>
-          <a:noFill/>
-        </p:spPr>
-        <p:txBody>
-          <a:bodyPr wrap="square">
-            <a:spAutoFit/>
-          </a:bodyPr>
-          <a:lstStyle/>
-          <a:p>
-            <a:r>
-              <a:rPr lang="pt-BR" dirty="0"/>
-              <a:t>N</a:t>
-            </a:r>
-          </a:p>
-        </p:txBody>
-      </p:sp>
-      <p:sp>
-        <p:nvSpPr>
-          <p:cNvPr id="43" name="CaixaDeTexto 42">
-            <a:extLst>
-              <a:ext uri="{FF2B5EF4-FFF2-40B4-BE49-F238E27FC236}">
-                <a16:creationId xmlns:a16="http://schemas.microsoft.com/office/drawing/2014/main" id="{0B3999CC-C262-EF20-322E-845F60C54B47}"/>
-              </a:ext>
-            </a:extLst>
-          </p:cNvPr>
-          <p:cNvSpPr txBox="1"/>
-          <p:nvPr/>
-        </p:nvSpPr>
-        <p:spPr>
-          <a:xfrm>
-            <a:off x="6865603" y="2411639"/>
-            <a:ext cx="1931832" cy="369332"/>
-          </a:xfrm>
-          <a:prstGeom prst="rect">
-            <a:avLst/>
-          </a:prstGeom>
-          <a:noFill/>
-        </p:spPr>
-        <p:txBody>
-          <a:bodyPr wrap="square">
-            <a:spAutoFit/>
-          </a:bodyPr>
-          <a:lstStyle/>
-          <a:p>
-            <a:r>
-              <a:rPr lang="pt-BR" dirty="0" smtClean="0"/>
-              <a:t>1</a:t>
-            </a:r>
-            <a:endParaRPr lang="pt-BR" dirty="0"/>
-          </a:p>
-        </p:txBody>
-      </p:sp>
-      <p:sp>
-        <p:nvSpPr>
-          <p:cNvPr id="44" name="CaixaDeTexto 43">
-            <a:extLst>
-              <a:ext uri="{FF2B5EF4-FFF2-40B4-BE49-F238E27FC236}">
-                <a16:creationId xmlns:a16="http://schemas.microsoft.com/office/drawing/2014/main" id="{0B3999CC-C262-EF20-322E-845F60C54B47}"/>
-              </a:ext>
-            </a:extLst>
-          </p:cNvPr>
-          <p:cNvSpPr txBox="1"/>
-          <p:nvPr/>
-        </p:nvSpPr>
-        <p:spPr>
-          <a:xfrm>
-            <a:off x="10101298" y="1026641"/>
-            <a:ext cx="1931832" cy="369332"/>
-          </a:xfrm>
-          <a:prstGeom prst="rect">
-            <a:avLst/>
-          </a:prstGeom>
-          <a:noFill/>
-        </p:spPr>
-        <p:txBody>
-          <a:bodyPr wrap="square">
-            <a:spAutoFit/>
-          </a:bodyPr>
-          <a:lstStyle/>
-          <a:p>
-            <a:r>
-              <a:rPr lang="pt-BR" dirty="0" smtClean="0"/>
-              <a:t>1</a:t>
-            </a:r>
-            <a:endParaRPr lang="pt-BR" dirty="0"/>
-          </a:p>
-        </p:txBody>
-      </p:sp>
-      <p:sp>
-        <p:nvSpPr>
-          <p:cNvPr id="45" name="CaixaDeTexto 44">
-            <a:extLst>
-              <a:ext uri="{FF2B5EF4-FFF2-40B4-BE49-F238E27FC236}">
-                <a16:creationId xmlns:a16="http://schemas.microsoft.com/office/drawing/2014/main" id="{0B3999CC-C262-EF20-322E-845F60C54B47}"/>
-              </a:ext>
-            </a:extLst>
-          </p:cNvPr>
-          <p:cNvSpPr txBox="1"/>
-          <p:nvPr/>
-        </p:nvSpPr>
-        <p:spPr>
-          <a:xfrm>
-            <a:off x="9353767" y="2253914"/>
-            <a:ext cx="1931832" cy="369332"/>
-          </a:xfrm>
-          <a:prstGeom prst="rect">
-            <a:avLst/>
-          </a:prstGeom>
-          <a:noFill/>
-        </p:spPr>
-        <p:txBody>
-          <a:bodyPr wrap="square">
-            <a:spAutoFit/>
-          </a:bodyPr>
-          <a:lstStyle/>
-          <a:p>
-            <a:r>
-              <a:rPr lang="pt-BR" dirty="0"/>
-              <a:t>N</a:t>
-            </a:r>
-          </a:p>
-        </p:txBody>
-      </p:sp>
-      <p:sp>
-        <p:nvSpPr>
-          <p:cNvPr id="46" name="CaixaDeTexto 45">
-            <a:extLst>
-              <a:ext uri="{FF2B5EF4-FFF2-40B4-BE49-F238E27FC236}">
-                <a16:creationId xmlns:a16="http://schemas.microsoft.com/office/drawing/2014/main" id="{0B3999CC-C262-EF20-322E-845F60C54B47}"/>
-              </a:ext>
-            </a:extLst>
-          </p:cNvPr>
-          <p:cNvSpPr txBox="1"/>
-          <p:nvPr/>
-        </p:nvSpPr>
-        <p:spPr>
-          <a:xfrm>
-            <a:off x="10800354" y="4925030"/>
-            <a:ext cx="1931832" cy="369332"/>
-          </a:xfrm>
-          <a:prstGeom prst="rect">
-            <a:avLst/>
-          </a:prstGeom>
-          <a:noFill/>
-        </p:spPr>
-        <p:txBody>
-          <a:bodyPr wrap="square">
-            <a:spAutoFit/>
-          </a:bodyPr>
-          <a:lstStyle/>
-          <a:p>
-            <a:r>
-              <a:rPr lang="pt-BR" dirty="0" smtClean="0"/>
-              <a:t>1</a:t>
-            </a:r>
-            <a:endParaRPr lang="pt-BR" dirty="0"/>
-          </a:p>
-        </p:txBody>
-      </p:sp>
-      <p:sp>
-        <p:nvSpPr>
-          <p:cNvPr id="47" name="CaixaDeTexto 46">
-            <a:extLst>
-              <a:ext uri="{FF2B5EF4-FFF2-40B4-BE49-F238E27FC236}">
-                <a16:creationId xmlns:a16="http://schemas.microsoft.com/office/drawing/2014/main" id="{0B3999CC-C262-EF20-322E-845F60C54B47}"/>
-              </a:ext>
-            </a:extLst>
-          </p:cNvPr>
-          <p:cNvSpPr txBox="1"/>
-          <p:nvPr/>
-        </p:nvSpPr>
-        <p:spPr>
-          <a:xfrm>
-            <a:off x="9583893" y="6067252"/>
-            <a:ext cx="1931832" cy="369332"/>
-          </a:xfrm>
-          <a:prstGeom prst="rect">
-            <a:avLst/>
-          </a:prstGeom>
-          <a:noFill/>
-        </p:spPr>
-        <p:txBody>
-          <a:bodyPr wrap="square">
-            <a:spAutoFit/>
-          </a:bodyPr>
-          <a:lstStyle/>
-          <a:p>
-            <a:r>
-              <a:rPr lang="pt-BR" dirty="0"/>
-              <a:t>N</a:t>
-            </a:r>
-          </a:p>
-        </p:txBody>
-      </p:sp>
     </p:spTree>
     <p:extLst>
       <p:ext uri="{BB962C8B-B14F-4D97-AF65-F5344CB8AC3E}">
@@ -10018,991 +10581,6 @@
 </file>
 
 <file path=ppt/slides/slide14.xml><?xml version="1.0" encoding="utf-8"?>
-<p:sld xmlns:a="http://schemas.openxmlformats.org/drawingml/2006/main" xmlns:r="http://schemas.openxmlformats.org/officeDocument/2006/relationships" xmlns:p="http://schemas.openxmlformats.org/presentationml/2006/main">
-  <p:cSld>
-    <p:spTree>
-      <p:nvGrpSpPr>
-        <p:cNvPr id="1" name=""/>
-        <p:cNvGrpSpPr/>
-        <p:nvPr/>
-      </p:nvGrpSpPr>
-      <p:grpSpPr>
-        <a:xfrm>
-          <a:off x="0" y="0"/>
-          <a:ext cx="0" cy="0"/>
-          <a:chOff x="0" y="0"/>
-          <a:chExt cx="0" cy="0"/>
-        </a:xfrm>
-      </p:grpSpPr>
-      <p:sp>
-        <p:nvSpPr>
-          <p:cNvPr id="8" name="AutoShape 8" descr="data:image/jpeg;base64,/9j/4AAQSkZJRgABAQAAAQABAAD/2wCEAAkGBxAHDw8TBxEPEhAQEBUQERUOEhAPEBIQFxEWFxURFRUYHSggGB0lGxcVITEhJSkrLi4uGB8zODMsNygzLisBCgoKDQ0ODg0NDisZFRkrLS03KysrKysrKysrKzcrKysrKzcrLSsrKysrKysrKysrKysrKysrKysrKysrKysrK//AABEIAOEA4QMBIgACEQEDEQH/xAAbAAEAAwEBAQEAAAAAAAAAAAAABAUGAwECB//EADoQAQACAQEEBQoFAwQDAAAAAAABAgMEBRExURIhMkFxBhMUImGBkaGxwUJSYqLRM3LhgpLw8TRDU//EABYBAQEBAAAAAAAAAAAAAAAAAAABAv/EABYRAQEBAAAAAAAAAAAAAAAAAAABEf/aAAwDAQACEQMRAD8A/cQAAAAAAAAAAAAAAAAAAAAAAAAAAAAAAAAAAAAAAAAAAAAAAAAAAAAAAAAAAAAAAAAAAAAABB1u1cOj6stt9vy09a3+PeptT5S3t/41K1jnf1p+EA04xGXa+oy9rJaP7d1foj21eS3ayZJ8b2/kTW/GAjVZK9nJkjwvb+XfFtXUYuzlv/q3W+oa3Ay2n8pMlP69a2j2erP8LjR7aw6rdEW6NuV+r4TwkVYgAAAAAAAAAAAAAAAAAAh7T2hXZ9N9+u09mvfM/wAA66vV00delqJ3R3c5nlEd7L7R25k1W+MO+lPZ2p8Z+0IGs1V9ZabZ53z3cojlEOAgAqAAAAAALHZ+2Mui3Rv6VPy27vCe5qtBtDHr678M9ccaz2oYR0wZrae0WwzMWjhMCv0EVux9q12hG626MkR1x3TH5oWSKAAAAAAAAAAAAAA4a3VV0dLXy8I7u+Z7ohiNZqray83zcZ4R3RHdEJ/lDr/S8nRpPqY53Rym3fP2/wC1SIAKgAADpjw3yf062n+2sz9Acx1vp74+3S8eNbQ5AAAAA6YctsFotindas74ltdl6+Nfji0dVo6rRyn+GGTtka6dBliZ7E+reP08/dxFbceRO/g9RQAAAAAAAAABB2zq/Q8NrV7U+rX+6e/3Rvn3JzMeVmfpXx0jhWOlPjPVH0+YKEBWQAB102ntqbRXFG+flEc5c2p2Zo40lIie3brtPt5e5FfGj2Vj026bx07c7R1e6E8EUQ9Xs7Hqu1HRt+avVPv5pgDI63R20dt2ThPCY4TCO1+s00auk1v7p5T3SyV6TjmYvxid0+MKj5AVAAGv8m9X6Rh6Nu1jno/6fw/ePctmQ8ms/ms8RPDJWa++OuPpPxa9GgAAAAAAAAABiNt5PO6jLPK3R+Ebm3YDWT0suSeeS0/ukSuICoAAlbLx+dzY4nh0t/wjf9msZfYtujnpv798ftlqEqwARQABmtu4+hmmY/FWLe/h9mlZ7yhtvy19lI+srCqoBWQAHbSZPM5Mdvy3rPzb9+dS/Q8U9KtZ5xE/JFj6AFAAAAAAAAGA1cdHJkjlktH7pb9h9s4/NajLH6ul8ev7iVCAVAAH3hyThtW1eNZifg2GLJGasWpwtG+GMWeyNo+i+pm7Ez1T+Wf4RY0Y8rMWjfXrieG7rh6igAPJndxZLXZ/Scl7RwmerwjqhY7Y2nF4nHp53x+K0d/6YUyxKAKgABL9CxR0a1jlER8mC02Pzt6Vj8Vor8ZfoCLAAUAAAAAAAAZbyrwdDLS8cL13T41/xMfBqVdt7S+lYLdHtU9evu4x8N4MWArIAA9rE2ndWJmZ7o65WGz9lW1W62X1afut4R91/ptLTSxuw1iPbxmfGUXGZ0+sy6Kd1JmOdbR1fDuWOPb3/wBMf+232mFtn01NR/WrE+PH4oN9iYrdmbx4TE/WAcL7fj/14/jb/Cv1W0cur6rTuifw06on7ytq7DxR2pvPjMR9ITdPo8em/o1iJ58Z+MgyV6TjndeJieUxMS+Wyz4K6iN2asTHt7vCe5R6/Y84t9tNvtXvj8UeHM0xUgKgACz8ncHntRWe6kTefpHzlslL5L6XzOKb245J6v7Y4fPf8l0jQAAAAAAAAAAADF7b0PoWWejHqX9avs51938K5u9paKuvxzW/VPGs8rc2Iz4bae01zRutWd0wqVzXOyNmec3X1MdXGtZ7/wBU+xG2RovS778nYrx9s91WmQAEUAAAAABUbX2Z53ffTx63G0R+L2x7fqoG2Z/bmi81PnMUerafWjlbn71RUpWztJOuyVpXhPXaeVY4z/zmj1rN5iKRMzM7oiOMzybLYuzvQKev27ddp5cqx4KJ9KRjiIpG6IjdEcoh9AigAAAAAAAAAAACt2xsuNoV303RkrHqz3T+mfYsgFTo9N6HStO+O17bd8u6ZkxxfijXxzTjwQfAAAAAAAAD4zYoz1mt+Fo3OtKTfspOPFFPEFZsXY0aL18+62Tu5Vj2e1bgoAAAAAAAAAAAAAAAAAA5XwRbh1ONsExw60sBBmsxxiXie83AgvYiZ4Qm7noIlcNp9ni6008R2ut2AeRG7g9AAAAAAAAAAAAAAAAAAAAAAAAAAAAAAAAAAAAAAAAAAAAAAAAAAAAAAAAAAAAAAAAAAAAAAAAAAAAAAAAAAAAAAAAAAAAAAAAAAAAAH//Z"/>
-          <p:cNvSpPr>
-            <a:spLocks noChangeAspect="1" noChangeArrowheads="1"/>
-          </p:cNvSpPr>
-          <p:nvPr/>
-        </p:nvSpPr>
-        <p:spPr bwMode="auto">
-          <a:xfrm>
-            <a:off x="155575" y="-144463"/>
-            <a:ext cx="304800" cy="304801"/>
-          </a:xfrm>
-          <a:prstGeom prst="rect">
-            <a:avLst/>
-          </a:prstGeom>
-          <a:noFill/>
-          <a:extLst>
-            <a:ext uri="{909E8E84-426E-40DD-AFC4-6F175D3DCCD1}">
-              <a14:hiddenFill xmlns:a14="http://schemas.microsoft.com/office/drawing/2010/main">
-                <a:solidFill>
-                  <a:srgbClr val="FFFFFF"/>
-                </a:solidFill>
-              </a14:hiddenFill>
-            </a:ext>
-          </a:extLst>
-        </p:spPr>
-        <p:txBody>
-          <a:bodyPr vert="horz" wrap="square" lIns="91440" tIns="45720" rIns="91440" bIns="45720" numCol="1" anchor="t" anchorCtr="0" compatLnSpc="1">
-            <a:prstTxWarp prst="textNoShape">
-              <a:avLst/>
-            </a:prstTxWarp>
-          </a:bodyPr>
-          <a:lstStyle/>
-          <a:p>
-            <a:endParaRPr lang="pt-BR"/>
-          </a:p>
-        </p:txBody>
-      </p:sp>
-      <p:pic>
-        <p:nvPicPr>
-          <p:cNvPr id="9" name="Imagem 8"/>
-          <p:cNvPicPr>
-            <a:picLocks noChangeAspect="1"/>
-          </p:cNvPicPr>
-          <p:nvPr/>
-        </p:nvPicPr>
-        <p:blipFill>
-          <a:blip r:embed="rId2"/>
-          <a:stretch>
-            <a:fillRect/>
-          </a:stretch>
-        </p:blipFill>
-        <p:spPr>
-          <a:xfrm>
-            <a:off x="259853" y="1774358"/>
-            <a:ext cx="1328107" cy="1047865"/>
-          </a:xfrm>
-          <a:prstGeom prst="rect">
-            <a:avLst/>
-          </a:prstGeom>
-        </p:spPr>
-      </p:pic>
-      <p:sp>
-        <p:nvSpPr>
-          <p:cNvPr id="10" name="Retângulo 9"/>
-          <p:cNvSpPr/>
-          <p:nvPr/>
-        </p:nvSpPr>
-        <p:spPr>
-          <a:xfrm>
-            <a:off x="1783943" y="1202108"/>
-            <a:ext cx="2427111" cy="2607733"/>
-          </a:xfrm>
-          <a:prstGeom prst="rect">
-            <a:avLst/>
-          </a:prstGeom>
-        </p:spPr>
-        <p:style>
-          <a:lnRef idx="2">
-            <a:schemeClr val="dk1"/>
-          </a:lnRef>
-          <a:fillRef idx="1">
-            <a:schemeClr val="lt1"/>
-          </a:fillRef>
-          <a:effectRef idx="0">
-            <a:schemeClr val="dk1"/>
-          </a:effectRef>
-          <a:fontRef idx="minor">
-            <a:schemeClr val="dk1"/>
-          </a:fontRef>
-        </p:style>
-        <p:txBody>
-          <a:bodyPr rtlCol="0" anchor="ctr"/>
-          <a:lstStyle/>
-          <a:p>
-            <a:pPr algn="ctr"/>
-            <a:endParaRPr lang="pt-BR"/>
-          </a:p>
-        </p:txBody>
-      </p:sp>
-      <p:cxnSp>
-        <p:nvCxnSpPr>
-          <p:cNvPr id="13" name="Conector de Seta Reta 12"/>
-          <p:cNvCxnSpPr/>
-          <p:nvPr/>
-        </p:nvCxnSpPr>
-        <p:spPr>
-          <a:xfrm>
-            <a:off x="1083734" y="2201334"/>
-            <a:ext cx="970844" cy="96956"/>
-          </a:xfrm>
-          <a:prstGeom prst="straightConnector1">
-            <a:avLst/>
-          </a:prstGeom>
-          <a:ln>
-            <a:tailEnd type="triangle"/>
-          </a:ln>
-        </p:spPr>
-        <p:style>
-          <a:lnRef idx="1">
-            <a:schemeClr val="accent1"/>
-          </a:lnRef>
-          <a:fillRef idx="0">
-            <a:schemeClr val="accent1"/>
-          </a:fillRef>
-          <a:effectRef idx="0">
-            <a:schemeClr val="accent1"/>
-          </a:effectRef>
-          <a:fontRef idx="minor">
-            <a:schemeClr val="tx1"/>
-          </a:fontRef>
-        </p:style>
-      </p:cxnSp>
-      <p:sp>
-        <p:nvSpPr>
-          <p:cNvPr id="14" name="CaixaDeTexto 13"/>
-          <p:cNvSpPr txBox="1"/>
-          <p:nvPr/>
-        </p:nvSpPr>
-        <p:spPr>
-          <a:xfrm>
-            <a:off x="1938804" y="2363158"/>
-            <a:ext cx="1900099" cy="369332"/>
-          </a:xfrm>
-          <a:prstGeom prst="rect">
-            <a:avLst/>
-          </a:prstGeom>
-          <a:noFill/>
-        </p:spPr>
-        <p:txBody>
-          <a:bodyPr wrap="square" rtlCol="0">
-            <a:spAutoFit/>
-          </a:bodyPr>
-          <a:lstStyle/>
-          <a:p>
-            <a:r>
-              <a:rPr lang="pt-BR" dirty="0" smtClean="0"/>
-              <a:t>FRONT END</a:t>
-            </a:r>
-            <a:endParaRPr lang="pt-BR" dirty="0"/>
-          </a:p>
-        </p:txBody>
-      </p:sp>
-      <p:sp>
-        <p:nvSpPr>
-          <p:cNvPr id="15" name="Retângulo 14"/>
-          <p:cNvSpPr/>
-          <p:nvPr/>
-        </p:nvSpPr>
-        <p:spPr>
-          <a:xfrm>
-            <a:off x="4907705" y="1074447"/>
-            <a:ext cx="6505361" cy="3812321"/>
-          </a:xfrm>
-          <a:prstGeom prst="rect">
-            <a:avLst/>
-          </a:prstGeom>
-        </p:spPr>
-        <p:style>
-          <a:lnRef idx="2">
-            <a:schemeClr val="accent1">
-              <a:shade val="50000"/>
-            </a:schemeClr>
-          </a:lnRef>
-          <a:fillRef idx="1">
-            <a:schemeClr val="accent1"/>
-          </a:fillRef>
-          <a:effectRef idx="0">
-            <a:schemeClr val="accent1"/>
-          </a:effectRef>
-          <a:fontRef idx="minor">
-            <a:schemeClr val="lt1"/>
-          </a:fontRef>
-        </p:style>
-        <p:txBody>
-          <a:bodyPr rtlCol="0" anchor="ctr"/>
-          <a:lstStyle/>
-          <a:p>
-            <a:pPr algn="ctr"/>
-            <a:endParaRPr lang="pt-BR" dirty="0"/>
-          </a:p>
-        </p:txBody>
-      </p:sp>
-      <p:sp>
-        <p:nvSpPr>
-          <p:cNvPr id="16" name="Elipse 15"/>
-          <p:cNvSpPr/>
-          <p:nvPr/>
-        </p:nvSpPr>
-        <p:spPr>
-          <a:xfrm>
-            <a:off x="3535290" y="1745499"/>
-            <a:ext cx="1661250" cy="1510709"/>
-          </a:xfrm>
-          <a:prstGeom prst="ellipse">
-            <a:avLst/>
-          </a:prstGeom>
-        </p:spPr>
-        <p:style>
-          <a:lnRef idx="2">
-            <a:schemeClr val="accent1">
-              <a:shade val="50000"/>
-            </a:schemeClr>
-          </a:lnRef>
-          <a:fillRef idx="1">
-            <a:schemeClr val="accent1"/>
-          </a:fillRef>
-          <a:effectRef idx="0">
-            <a:schemeClr val="accent1"/>
-          </a:effectRef>
-          <a:fontRef idx="minor">
-            <a:schemeClr val="lt1"/>
-          </a:fontRef>
-        </p:style>
-        <p:txBody>
-          <a:bodyPr rtlCol="0" anchor="ctr"/>
-          <a:lstStyle/>
-          <a:p>
-            <a:pPr algn="ctr"/>
-            <a:r>
-              <a:rPr lang="pt-BR" dirty="0" err="1" smtClean="0"/>
-              <a:t>Endpoint</a:t>
-            </a:r>
-            <a:endParaRPr lang="pt-BR" dirty="0"/>
-          </a:p>
-        </p:txBody>
-      </p:sp>
-      <p:sp>
-        <p:nvSpPr>
-          <p:cNvPr id="17" name="CaixaDeTexto 16"/>
-          <p:cNvSpPr txBox="1"/>
-          <p:nvPr/>
-        </p:nvSpPr>
-        <p:spPr>
-          <a:xfrm>
-            <a:off x="2023237" y="1628161"/>
-            <a:ext cx="1220984" cy="369332"/>
-          </a:xfrm>
-          <a:prstGeom prst="rect">
-            <a:avLst/>
-          </a:prstGeom>
-          <a:noFill/>
-        </p:spPr>
-        <p:txBody>
-          <a:bodyPr wrap="square" rtlCol="0">
-            <a:spAutoFit/>
-          </a:bodyPr>
-          <a:lstStyle/>
-          <a:p>
-            <a:r>
-              <a:rPr lang="pt-BR" dirty="0" smtClean="0"/>
-              <a:t>Categoria</a:t>
-            </a:r>
-            <a:endParaRPr lang="pt-BR" dirty="0"/>
-          </a:p>
-        </p:txBody>
-      </p:sp>
-      <p:sp>
-        <p:nvSpPr>
-          <p:cNvPr id="19" name="Retângulo 18"/>
-          <p:cNvSpPr/>
-          <p:nvPr/>
-        </p:nvSpPr>
-        <p:spPr>
-          <a:xfrm>
-            <a:off x="3900695" y="1956544"/>
-            <a:ext cx="1007089" cy="279621"/>
-          </a:xfrm>
-          <a:prstGeom prst="rect">
-            <a:avLst/>
-          </a:prstGeom>
-        </p:spPr>
-        <p:style>
-          <a:lnRef idx="1">
-            <a:schemeClr val="accent6"/>
-          </a:lnRef>
-          <a:fillRef idx="2">
-            <a:schemeClr val="accent6"/>
-          </a:fillRef>
-          <a:effectRef idx="1">
-            <a:schemeClr val="accent6"/>
-          </a:effectRef>
-          <a:fontRef idx="minor">
-            <a:schemeClr val="dk1"/>
-          </a:fontRef>
-        </p:style>
-        <p:txBody>
-          <a:bodyPr rtlCol="0" anchor="ctr"/>
-          <a:lstStyle/>
-          <a:p>
-            <a:pPr algn="ctr"/>
-            <a:r>
-              <a:rPr lang="pt-BR" dirty="0" smtClean="0"/>
-              <a:t>POST</a:t>
-            </a:r>
-            <a:endParaRPr lang="pt-BR" dirty="0"/>
-          </a:p>
-        </p:txBody>
-      </p:sp>
-      <p:sp>
-        <p:nvSpPr>
-          <p:cNvPr id="20" name="Retângulo Arredondado 19"/>
-          <p:cNvSpPr/>
-          <p:nvPr/>
-        </p:nvSpPr>
-        <p:spPr>
-          <a:xfrm>
-            <a:off x="3095234" y="5136726"/>
-            <a:ext cx="756356" cy="1580445"/>
-          </a:xfrm>
-          <a:prstGeom prst="roundRect">
-            <a:avLst/>
-          </a:prstGeom>
-        </p:spPr>
-        <p:style>
-          <a:lnRef idx="2">
-            <a:schemeClr val="accent1">
-              <a:shade val="50000"/>
-            </a:schemeClr>
-          </a:lnRef>
-          <a:fillRef idx="1">
-            <a:schemeClr val="accent1"/>
-          </a:fillRef>
-          <a:effectRef idx="0">
-            <a:schemeClr val="accent1"/>
-          </a:effectRef>
-          <a:fontRef idx="minor">
-            <a:schemeClr val="lt1"/>
-          </a:fontRef>
-        </p:style>
-        <p:txBody>
-          <a:bodyPr rtlCol="0" anchor="ctr"/>
-          <a:lstStyle/>
-          <a:p>
-            <a:pPr algn="ctr"/>
-            <a:r>
-              <a:rPr lang="pt-BR" dirty="0" smtClean="0"/>
-              <a:t>DB</a:t>
-            </a:r>
-            <a:endParaRPr lang="pt-BR" dirty="0"/>
-          </a:p>
-        </p:txBody>
-      </p:sp>
-      <p:sp>
-        <p:nvSpPr>
-          <p:cNvPr id="21" name="CaixaDeTexto 20"/>
-          <p:cNvSpPr txBox="1"/>
-          <p:nvPr/>
-        </p:nvSpPr>
-        <p:spPr>
-          <a:xfrm>
-            <a:off x="10272891" y="6347839"/>
-            <a:ext cx="1572424" cy="369332"/>
-          </a:xfrm>
-          <a:prstGeom prst="rect">
-            <a:avLst/>
-          </a:prstGeom>
-          <a:noFill/>
-        </p:spPr>
-        <p:txBody>
-          <a:bodyPr wrap="square" rtlCol="0">
-            <a:spAutoFit/>
-          </a:bodyPr>
-          <a:lstStyle/>
-          <a:p>
-            <a:r>
-              <a:rPr lang="pt-BR" dirty="0" smtClean="0"/>
-              <a:t>SQL Server</a:t>
-            </a:r>
-            <a:endParaRPr lang="pt-BR" dirty="0"/>
-          </a:p>
-        </p:txBody>
-      </p:sp>
-      <p:sp>
-        <p:nvSpPr>
-          <p:cNvPr id="28" name="CaixaDeTexto 27"/>
-          <p:cNvSpPr txBox="1"/>
-          <p:nvPr/>
-        </p:nvSpPr>
-        <p:spPr>
-          <a:xfrm>
-            <a:off x="5915378" y="714659"/>
-            <a:ext cx="4222043" cy="369332"/>
-          </a:xfrm>
-          <a:prstGeom prst="rect">
-            <a:avLst/>
-          </a:prstGeom>
-          <a:noFill/>
-        </p:spPr>
-        <p:txBody>
-          <a:bodyPr wrap="square" rtlCol="0">
-            <a:spAutoFit/>
-          </a:bodyPr>
-          <a:lstStyle/>
-          <a:p>
-            <a:r>
-              <a:rPr lang="pt-BR" dirty="0" err="1" smtClean="0"/>
-              <a:t>BackEnd</a:t>
-            </a:r>
-            <a:r>
-              <a:rPr lang="pt-BR" dirty="0" smtClean="0"/>
-              <a:t> [Asp.NET Core]</a:t>
-            </a:r>
-            <a:endParaRPr lang="pt-BR" dirty="0"/>
-          </a:p>
-        </p:txBody>
-      </p:sp>
-      <p:sp>
-        <p:nvSpPr>
-          <p:cNvPr id="31" name="Retângulo 30"/>
-          <p:cNvSpPr/>
-          <p:nvPr/>
-        </p:nvSpPr>
-        <p:spPr>
-          <a:xfrm>
-            <a:off x="5426415" y="1486530"/>
-            <a:ext cx="2257777" cy="1826319"/>
-          </a:xfrm>
-          <a:prstGeom prst="rect">
-            <a:avLst/>
-          </a:prstGeom>
-        </p:spPr>
-        <p:style>
-          <a:lnRef idx="2">
-            <a:schemeClr val="accent2">
-              <a:shade val="50000"/>
-            </a:schemeClr>
-          </a:lnRef>
-          <a:fillRef idx="1">
-            <a:schemeClr val="accent2"/>
-          </a:fillRef>
-          <a:effectRef idx="0">
-            <a:schemeClr val="accent2"/>
-          </a:effectRef>
-          <a:fontRef idx="minor">
-            <a:schemeClr val="lt1"/>
-          </a:fontRef>
-        </p:style>
-        <p:txBody>
-          <a:bodyPr rtlCol="0" anchor="ctr"/>
-          <a:lstStyle/>
-          <a:p>
-            <a:pPr algn="ctr"/>
-            <a:endParaRPr lang="pt-BR"/>
-          </a:p>
-        </p:txBody>
-      </p:sp>
-      <p:sp>
-        <p:nvSpPr>
-          <p:cNvPr id="32" name="CaixaDeTexto 31"/>
-          <p:cNvSpPr txBox="1"/>
-          <p:nvPr/>
-        </p:nvSpPr>
-        <p:spPr>
-          <a:xfrm>
-            <a:off x="5432653" y="1622957"/>
-            <a:ext cx="2257777" cy="369332"/>
-          </a:xfrm>
-          <a:prstGeom prst="rect">
-            <a:avLst/>
-          </a:prstGeom>
-          <a:noFill/>
-        </p:spPr>
-        <p:txBody>
-          <a:bodyPr wrap="square" rtlCol="0">
-            <a:spAutoFit/>
-          </a:bodyPr>
-          <a:lstStyle/>
-          <a:p>
-            <a:r>
-              <a:rPr lang="pt-BR" dirty="0" err="1" smtClean="0"/>
-              <a:t>CategoriaController</a:t>
-            </a:r>
-            <a:endParaRPr lang="pt-BR" dirty="0"/>
-          </a:p>
-        </p:txBody>
-      </p:sp>
-      <p:sp>
-        <p:nvSpPr>
-          <p:cNvPr id="33" name="Retângulo 32"/>
-          <p:cNvSpPr/>
-          <p:nvPr/>
-        </p:nvSpPr>
-        <p:spPr>
-          <a:xfrm>
-            <a:off x="5893191" y="1967127"/>
-            <a:ext cx="1608667" cy="1249055"/>
-          </a:xfrm>
-          <a:prstGeom prst="rect">
-            <a:avLst/>
-          </a:prstGeom>
-        </p:spPr>
-        <p:style>
-          <a:lnRef idx="2">
-            <a:schemeClr val="accent2">
-              <a:shade val="50000"/>
-            </a:schemeClr>
-          </a:lnRef>
-          <a:fillRef idx="1">
-            <a:schemeClr val="accent2"/>
-          </a:fillRef>
-          <a:effectRef idx="0">
-            <a:schemeClr val="accent2"/>
-          </a:effectRef>
-          <a:fontRef idx="minor">
-            <a:schemeClr val="lt1"/>
-          </a:fontRef>
-        </p:style>
-        <p:txBody>
-          <a:bodyPr rtlCol="0" anchor="ctr"/>
-          <a:lstStyle/>
-          <a:p>
-            <a:pPr algn="ctr"/>
-            <a:endParaRPr lang="pt-BR"/>
-          </a:p>
-        </p:txBody>
-      </p:sp>
-      <p:sp>
-        <p:nvSpPr>
-          <p:cNvPr id="34" name="CaixaDeTexto 33"/>
-          <p:cNvSpPr txBox="1"/>
-          <p:nvPr/>
-        </p:nvSpPr>
-        <p:spPr>
-          <a:xfrm>
-            <a:off x="6127811" y="2044300"/>
-            <a:ext cx="1367591" cy="307777"/>
-          </a:xfrm>
-          <a:prstGeom prst="rect">
-            <a:avLst/>
-          </a:prstGeom>
-          <a:noFill/>
-        </p:spPr>
-        <p:txBody>
-          <a:bodyPr wrap="square" rtlCol="0">
-            <a:spAutoFit/>
-          </a:bodyPr>
-          <a:lstStyle/>
-          <a:p>
-            <a:r>
-              <a:rPr lang="pt-BR" sz="1400" dirty="0" err="1" smtClean="0"/>
-              <a:t>CriarCategoria</a:t>
-            </a:r>
-            <a:endParaRPr lang="pt-BR" sz="1400" dirty="0"/>
-          </a:p>
-        </p:txBody>
-      </p:sp>
-      <p:sp>
-        <p:nvSpPr>
-          <p:cNvPr id="36" name="Fluxograma: Dados 35"/>
-          <p:cNvSpPr/>
-          <p:nvPr/>
-        </p:nvSpPr>
-        <p:spPr>
-          <a:xfrm>
-            <a:off x="3535290" y="5246556"/>
-            <a:ext cx="2015065" cy="1122244"/>
-          </a:xfrm>
-          <a:prstGeom prst="flowChartInputOutput">
-            <a:avLst/>
-          </a:prstGeom>
-        </p:spPr>
-        <p:style>
-          <a:lnRef idx="2">
-            <a:schemeClr val="accent1">
-              <a:shade val="50000"/>
-            </a:schemeClr>
-          </a:lnRef>
-          <a:fillRef idx="1">
-            <a:schemeClr val="accent1"/>
-          </a:fillRef>
-          <a:effectRef idx="0">
-            <a:schemeClr val="accent1"/>
-          </a:effectRef>
-          <a:fontRef idx="minor">
-            <a:schemeClr val="lt1"/>
-          </a:fontRef>
-        </p:style>
-        <p:txBody>
-          <a:bodyPr rtlCol="0" anchor="ctr"/>
-          <a:lstStyle/>
-          <a:p>
-            <a:pPr algn="ctr"/>
-            <a:r>
-              <a:rPr lang="pt-BR" dirty="0" smtClean="0"/>
-              <a:t>Pacote SQL | EF </a:t>
-            </a:r>
-            <a:endParaRPr lang="pt-BR" dirty="0"/>
-          </a:p>
-        </p:txBody>
-      </p:sp>
-      <p:sp>
-        <p:nvSpPr>
-          <p:cNvPr id="41" name="CaixaDeTexto 40"/>
-          <p:cNvSpPr txBox="1"/>
-          <p:nvPr/>
-        </p:nvSpPr>
-        <p:spPr>
-          <a:xfrm>
-            <a:off x="3724083" y="6368800"/>
-            <a:ext cx="2944914" cy="369332"/>
-          </a:xfrm>
-          <a:prstGeom prst="rect">
-            <a:avLst/>
-          </a:prstGeom>
-          <a:noFill/>
-        </p:spPr>
-        <p:txBody>
-          <a:bodyPr wrap="square" rtlCol="0">
-            <a:spAutoFit/>
-          </a:bodyPr>
-          <a:lstStyle/>
-          <a:p>
-            <a:r>
-              <a:rPr lang="pt-BR" dirty="0" err="1" smtClean="0"/>
-              <a:t>Entity</a:t>
-            </a:r>
-            <a:r>
-              <a:rPr lang="pt-BR" dirty="0" smtClean="0"/>
-              <a:t> framework</a:t>
-            </a:r>
-            <a:endParaRPr lang="pt-BR" dirty="0"/>
-          </a:p>
-        </p:txBody>
-      </p:sp>
-      <p:sp>
-        <p:nvSpPr>
-          <p:cNvPr id="43" name="Retângulo 42"/>
-          <p:cNvSpPr/>
-          <p:nvPr/>
-        </p:nvSpPr>
-        <p:spPr>
-          <a:xfrm>
-            <a:off x="8600054" y="1447278"/>
-            <a:ext cx="2094387" cy="750910"/>
-          </a:xfrm>
-          <a:prstGeom prst="rect">
-            <a:avLst/>
-          </a:prstGeom>
-        </p:spPr>
-        <p:style>
-          <a:lnRef idx="2">
-            <a:schemeClr val="accent2">
-              <a:shade val="50000"/>
-            </a:schemeClr>
-          </a:lnRef>
-          <a:fillRef idx="1">
-            <a:schemeClr val="accent2"/>
-          </a:fillRef>
-          <a:effectRef idx="0">
-            <a:schemeClr val="accent2"/>
-          </a:effectRef>
-          <a:fontRef idx="minor">
-            <a:schemeClr val="lt1"/>
-          </a:fontRef>
-        </p:style>
-        <p:txBody>
-          <a:bodyPr rtlCol="0" anchor="ctr"/>
-          <a:lstStyle/>
-          <a:p>
-            <a:pPr algn="ctr"/>
-            <a:r>
-              <a:rPr lang="pt-BR"/>
-              <a:t>appsettings.json</a:t>
-            </a:r>
-          </a:p>
-        </p:txBody>
-      </p:sp>
-      <p:sp>
-        <p:nvSpPr>
-          <p:cNvPr id="45" name="Retângulo 44"/>
-          <p:cNvSpPr/>
-          <p:nvPr/>
-        </p:nvSpPr>
-        <p:spPr>
-          <a:xfrm>
-            <a:off x="8518358" y="2492291"/>
-            <a:ext cx="2996309" cy="1826319"/>
-          </a:xfrm>
-          <a:prstGeom prst="rect">
-            <a:avLst/>
-          </a:prstGeom>
-        </p:spPr>
-        <p:style>
-          <a:lnRef idx="2">
-            <a:schemeClr val="accent2">
-              <a:shade val="50000"/>
-            </a:schemeClr>
-          </a:lnRef>
-          <a:fillRef idx="1">
-            <a:schemeClr val="accent2"/>
-          </a:fillRef>
-          <a:effectRef idx="0">
-            <a:schemeClr val="accent2"/>
-          </a:effectRef>
-          <a:fontRef idx="minor">
-            <a:schemeClr val="lt1"/>
-          </a:fontRef>
-        </p:style>
-        <p:txBody>
-          <a:bodyPr rtlCol="0" anchor="ctr"/>
-          <a:lstStyle/>
-          <a:p>
-            <a:pPr algn="ctr"/>
-            <a:endParaRPr lang="pt-BR"/>
-          </a:p>
-        </p:txBody>
-      </p:sp>
-      <p:sp>
-        <p:nvSpPr>
-          <p:cNvPr id="46" name="CaixaDeTexto 45"/>
-          <p:cNvSpPr txBox="1"/>
-          <p:nvPr/>
-        </p:nvSpPr>
-        <p:spPr>
-          <a:xfrm>
-            <a:off x="8578370" y="2437765"/>
-            <a:ext cx="1367591" cy="307777"/>
-          </a:xfrm>
-          <a:prstGeom prst="rect">
-            <a:avLst/>
-          </a:prstGeom>
-          <a:noFill/>
-        </p:spPr>
-        <p:txBody>
-          <a:bodyPr wrap="square" rtlCol="0">
-            <a:spAutoFit/>
-          </a:bodyPr>
-          <a:lstStyle/>
-          <a:p>
-            <a:r>
-              <a:rPr lang="pt-BR" sz="1400" dirty="0" err="1" smtClean="0"/>
-              <a:t>Repositorio</a:t>
-            </a:r>
-            <a:endParaRPr lang="pt-BR" sz="1400" dirty="0"/>
-          </a:p>
-        </p:txBody>
-      </p:sp>
-      <p:cxnSp>
-        <p:nvCxnSpPr>
-          <p:cNvPr id="47" name="Conector de Seta Reta 46"/>
-          <p:cNvCxnSpPr/>
-          <p:nvPr/>
-        </p:nvCxnSpPr>
-        <p:spPr>
-          <a:xfrm>
-            <a:off x="7399033" y="2389287"/>
-            <a:ext cx="1301527" cy="1238978"/>
-          </a:xfrm>
-          <a:prstGeom prst="straightConnector1">
-            <a:avLst/>
-          </a:prstGeom>
-          <a:ln>
-            <a:solidFill>
-              <a:schemeClr val="bg1"/>
-            </a:solidFill>
-            <a:tailEnd type="triangle"/>
-          </a:ln>
-        </p:spPr>
-        <p:style>
-          <a:lnRef idx="1">
-            <a:schemeClr val="accent1"/>
-          </a:lnRef>
-          <a:fillRef idx="0">
-            <a:schemeClr val="accent1"/>
-          </a:fillRef>
-          <a:effectRef idx="0">
-            <a:schemeClr val="accent1"/>
-          </a:effectRef>
-          <a:fontRef idx="minor">
-            <a:schemeClr val="tx1"/>
-          </a:fontRef>
-        </p:style>
-      </p:cxnSp>
-      <p:cxnSp>
-        <p:nvCxnSpPr>
-          <p:cNvPr id="49" name="Conector de Seta Reta 48"/>
-          <p:cNvCxnSpPr/>
-          <p:nvPr/>
-        </p:nvCxnSpPr>
-        <p:spPr>
-          <a:xfrm flipH="1">
-            <a:off x="5550355" y="4099316"/>
-            <a:ext cx="3350550" cy="1432668"/>
-          </a:xfrm>
-          <a:prstGeom prst="straightConnector1">
-            <a:avLst/>
-          </a:prstGeom>
-          <a:ln w="57150">
-            <a:solidFill>
-              <a:schemeClr val="tx1"/>
-            </a:solidFill>
-            <a:tailEnd type="triangle"/>
-          </a:ln>
-        </p:spPr>
-        <p:style>
-          <a:lnRef idx="1">
-            <a:schemeClr val="accent1"/>
-          </a:lnRef>
-          <a:fillRef idx="0">
-            <a:schemeClr val="accent1"/>
-          </a:fillRef>
-          <a:effectRef idx="0">
-            <a:schemeClr val="accent1"/>
-          </a:effectRef>
-          <a:fontRef idx="minor">
-            <a:schemeClr val="tx1"/>
-          </a:fontRef>
-        </p:style>
-      </p:cxnSp>
-      <p:sp>
-        <p:nvSpPr>
-          <p:cNvPr id="51" name="Retângulo 50"/>
-          <p:cNvSpPr/>
-          <p:nvPr/>
-        </p:nvSpPr>
-        <p:spPr>
-          <a:xfrm>
-            <a:off x="8824034" y="2909437"/>
-            <a:ext cx="1728101" cy="544663"/>
-          </a:xfrm>
-          <a:prstGeom prst="rect">
-            <a:avLst/>
-          </a:prstGeom>
-        </p:spPr>
-        <p:style>
-          <a:lnRef idx="2">
-            <a:schemeClr val="accent2">
-              <a:shade val="50000"/>
-            </a:schemeClr>
-          </a:lnRef>
-          <a:fillRef idx="1">
-            <a:schemeClr val="accent2"/>
-          </a:fillRef>
-          <a:effectRef idx="0">
-            <a:schemeClr val="accent2"/>
-          </a:effectRef>
-          <a:fontRef idx="minor">
-            <a:schemeClr val="lt1"/>
-          </a:fontRef>
-        </p:style>
-        <p:txBody>
-          <a:bodyPr rtlCol="0" anchor="ctr"/>
-          <a:lstStyle/>
-          <a:p>
-            <a:pPr algn="ctr"/>
-            <a:r>
-              <a:rPr lang="pt-BR" dirty="0" err="1" smtClean="0"/>
-              <a:t>Context.cs</a:t>
-            </a:r>
-            <a:endParaRPr lang="pt-BR" dirty="0"/>
-          </a:p>
-        </p:txBody>
-      </p:sp>
-      <p:cxnSp>
-        <p:nvCxnSpPr>
-          <p:cNvPr id="52" name="Conector de Seta Reta 51"/>
-          <p:cNvCxnSpPr/>
-          <p:nvPr/>
-        </p:nvCxnSpPr>
-        <p:spPr>
-          <a:xfrm flipH="1" flipV="1">
-            <a:off x="9798756" y="2110294"/>
-            <a:ext cx="36577" cy="696644"/>
-          </a:xfrm>
-          <a:prstGeom prst="straightConnector1">
-            <a:avLst/>
-          </a:prstGeom>
-          <a:ln>
-            <a:solidFill>
-              <a:schemeClr val="bg1"/>
-            </a:solidFill>
-            <a:tailEnd type="triangle"/>
-          </a:ln>
-        </p:spPr>
-        <p:style>
-          <a:lnRef idx="1">
-            <a:schemeClr val="accent1"/>
-          </a:lnRef>
-          <a:fillRef idx="0">
-            <a:schemeClr val="accent1"/>
-          </a:fillRef>
-          <a:effectRef idx="0">
-            <a:schemeClr val="accent1"/>
-          </a:effectRef>
-          <a:fontRef idx="minor">
-            <a:schemeClr val="tx1"/>
-          </a:fontRef>
-        </p:style>
-      </p:cxnSp>
-      <p:sp>
-        <p:nvSpPr>
-          <p:cNvPr id="55" name="Retângulo 54"/>
-          <p:cNvSpPr/>
-          <p:nvPr/>
-        </p:nvSpPr>
-        <p:spPr>
-          <a:xfrm>
-            <a:off x="8824034" y="3619444"/>
-            <a:ext cx="2369521" cy="544663"/>
-          </a:xfrm>
-          <a:prstGeom prst="rect">
-            <a:avLst/>
-          </a:prstGeom>
-        </p:spPr>
-        <p:style>
-          <a:lnRef idx="2">
-            <a:schemeClr val="accent2">
-              <a:shade val="50000"/>
-            </a:schemeClr>
-          </a:lnRef>
-          <a:fillRef idx="1">
-            <a:schemeClr val="accent2"/>
-          </a:fillRef>
-          <a:effectRef idx="0">
-            <a:schemeClr val="accent2"/>
-          </a:effectRef>
-          <a:fontRef idx="minor">
-            <a:schemeClr val="lt1"/>
-          </a:fontRef>
-        </p:style>
-        <p:txBody>
-          <a:bodyPr rtlCol="0" anchor="ctr"/>
-          <a:lstStyle/>
-          <a:p>
-            <a:pPr algn="ctr"/>
-            <a:r>
-              <a:rPr lang="pt-BR" dirty="0" err="1" smtClean="0"/>
-              <a:t>CategoriaRepositorio</a:t>
-            </a:r>
-            <a:endParaRPr lang="pt-BR" dirty="0"/>
-          </a:p>
-        </p:txBody>
-      </p:sp>
-    </p:spTree>
-    <p:extLst>
-      <p:ext uri="{BB962C8B-B14F-4D97-AF65-F5344CB8AC3E}">
-        <p14:creationId xmlns:p14="http://schemas.microsoft.com/office/powerpoint/2010/main" val="1446495121"/>
-      </p:ext>
-    </p:extLst>
-  </p:cSld>
-  <p:clrMapOvr>
-    <a:masterClrMapping/>
-  </p:clrMapOvr>
-</p:sld>
-</file>
-
-<file path=ppt/slides/slide15.xml><?xml version="1.0" encoding="utf-8"?>
 <p:sld xmlns:a="http://schemas.openxmlformats.org/drawingml/2006/main" xmlns:r="http://schemas.openxmlformats.org/officeDocument/2006/relationships" xmlns:p="http://schemas.openxmlformats.org/presentationml/2006/main">
   <p:cSld>
     <p:bg>
@@ -11193,7 +10771,663 @@
             <p:ph sz="half" idx="2"/>
             <p:extLst>
               <p:ext uri="{D42A27DB-BD31-4B8C-83A1-F6EECF244321}">
-                <p14:modId xmlns:p14="http://schemas.microsoft.com/office/powerpoint/2010/main" val="937165206"/>
+                <p14:modId xmlns:p14="http://schemas.microsoft.com/office/powerpoint/2010/main" val="820317859"/>
+              </p:ext>
+            </p:extLst>
+          </p:nvPr>
+        </p:nvGraphicFramePr>
+        <p:xfrm>
+          <a:off x="566670" y="2250628"/>
+          <a:ext cx="10071279" cy="2595880"/>
+        </p:xfrm>
+        <a:graphic>
+          <a:graphicData uri="http://schemas.openxmlformats.org/drawingml/2006/table">
+            <a:tbl>
+              <a:tblPr firstRow="1" bandRow="1">
+                <a:tableStyleId>{5C22544A-7EE6-4342-B048-85BDC9FD1C3A}</a:tableStyleId>
+              </a:tblPr>
+              <a:tblGrid>
+                <a:gridCol w="3357093">
+                  <a:extLst>
+                    <a:ext uri="{9D8B030D-6E8A-4147-A177-3AD203B41FA5}">
+                      <a16:colId xmlns:a16="http://schemas.microsoft.com/office/drawing/2014/main" val="1759235190"/>
+                    </a:ext>
+                  </a:extLst>
+                </a:gridCol>
+                <a:gridCol w="3357093">
+                  <a:extLst>
+                    <a:ext uri="{9D8B030D-6E8A-4147-A177-3AD203B41FA5}">
+                      <a16:colId xmlns:a16="http://schemas.microsoft.com/office/drawing/2014/main" val="2611790632"/>
+                    </a:ext>
+                  </a:extLst>
+                </a:gridCol>
+                <a:gridCol w="3357093">
+                  <a:extLst>
+                    <a:ext uri="{9D8B030D-6E8A-4147-A177-3AD203B41FA5}">
+                      <a16:colId xmlns:a16="http://schemas.microsoft.com/office/drawing/2014/main" val="2783851260"/>
+                    </a:ext>
+                  </a:extLst>
+                </a:gridCol>
+              </a:tblGrid>
+              <a:tr h="370840">
+                <a:tc>
+                  <a:txBody>
+                    <a:bodyPr/>
+                    <a:lstStyle/>
+                    <a:p>
+                      <a:r>
+                        <a:rPr lang="pt-BR" dirty="0"/>
+                        <a:t>Campo</a:t>
+                      </a:r>
+                    </a:p>
+                  </a:txBody>
+                  <a:tcPr/>
+                </a:tc>
+                <a:tc>
+                  <a:txBody>
+                    <a:bodyPr/>
+                    <a:lstStyle/>
+                    <a:p>
+                      <a:r>
+                        <a:rPr lang="pt-BR" dirty="0"/>
+                        <a:t>Tipo de Dados</a:t>
+                      </a:r>
+                    </a:p>
+                  </a:txBody>
+                  <a:tcPr/>
+                </a:tc>
+                <a:tc>
+                  <a:txBody>
+                    <a:bodyPr/>
+                    <a:lstStyle/>
+                    <a:p>
+                      <a:r>
+                        <a:rPr lang="pt-BR" dirty="0"/>
+                        <a:t>OBS</a:t>
+                      </a:r>
+                    </a:p>
+                  </a:txBody>
+                  <a:tcPr/>
+                </a:tc>
+                <a:extLst>
+                  <a:ext uri="{0D108BD9-81ED-4DB2-BD59-A6C34878D82A}">
+                    <a16:rowId xmlns:a16="http://schemas.microsoft.com/office/drawing/2014/main" val="996086151"/>
+                  </a:ext>
+                </a:extLst>
+              </a:tr>
+              <a:tr h="370840">
+                <a:tc>
+                  <a:txBody>
+                    <a:bodyPr/>
+                    <a:lstStyle/>
+                    <a:p>
+                      <a:r>
+                        <a:rPr lang="pt-BR" dirty="0" err="1" smtClean="0"/>
+                        <a:t>IdProd</a:t>
+                      </a:r>
+                      <a:endParaRPr lang="pt-BR" dirty="0"/>
+                    </a:p>
+                  </a:txBody>
+                  <a:tcPr/>
+                </a:tc>
+                <a:tc>
+                  <a:txBody>
+                    <a:bodyPr/>
+                    <a:lstStyle/>
+                    <a:p>
+                      <a:r>
+                        <a:rPr lang="pt-BR" dirty="0" err="1"/>
+                        <a:t>Int</a:t>
+                      </a:r>
+                      <a:endParaRPr lang="pt-BR" dirty="0"/>
+                    </a:p>
+                  </a:txBody>
+                  <a:tcPr/>
+                </a:tc>
+                <a:tc>
+                  <a:txBody>
+                    <a:bodyPr/>
+                    <a:lstStyle/>
+                    <a:p>
+                      <a:r>
+                        <a:rPr lang="pt-BR" dirty="0"/>
+                        <a:t>Chave Primária</a:t>
+                      </a:r>
+                    </a:p>
+                  </a:txBody>
+                  <a:tcPr/>
+                </a:tc>
+                <a:extLst>
+                  <a:ext uri="{0D108BD9-81ED-4DB2-BD59-A6C34878D82A}">
+                    <a16:rowId xmlns:a16="http://schemas.microsoft.com/office/drawing/2014/main" val="1004326904"/>
+                  </a:ext>
+                </a:extLst>
+              </a:tr>
+              <a:tr h="370840">
+                <a:tc>
+                  <a:txBody>
+                    <a:bodyPr/>
+                    <a:lstStyle/>
+                    <a:p>
+                      <a:r>
+                        <a:rPr lang="pt-BR" dirty="0" err="1" smtClean="0"/>
+                        <a:t>DescProd</a:t>
+                      </a:r>
+                      <a:endParaRPr lang="pt-BR" dirty="0"/>
+                    </a:p>
+                  </a:txBody>
+                  <a:tcPr/>
+                </a:tc>
+                <a:tc>
+                  <a:txBody>
+                    <a:bodyPr/>
+                    <a:lstStyle/>
+                    <a:p>
+                      <a:r>
+                        <a:rPr lang="pt-BR" dirty="0" err="1"/>
+                        <a:t>Varchar</a:t>
+                      </a:r>
+                      <a:r>
+                        <a:rPr lang="pt-BR" dirty="0"/>
+                        <a:t>(100)</a:t>
+                      </a:r>
+                    </a:p>
+                  </a:txBody>
+                  <a:tcPr/>
+                </a:tc>
+                <a:tc>
+                  <a:txBody>
+                    <a:bodyPr/>
+                    <a:lstStyle/>
+                    <a:p>
+                      <a:endParaRPr lang="pt-BR" dirty="0"/>
+                    </a:p>
+                  </a:txBody>
+                  <a:tcPr/>
+                </a:tc>
+                <a:extLst>
+                  <a:ext uri="{0D108BD9-81ED-4DB2-BD59-A6C34878D82A}">
+                    <a16:rowId xmlns:a16="http://schemas.microsoft.com/office/drawing/2014/main" val="1354368322"/>
+                  </a:ext>
+                </a:extLst>
+              </a:tr>
+              <a:tr h="370840">
+                <a:tc>
+                  <a:txBody>
+                    <a:bodyPr/>
+                    <a:lstStyle/>
+                    <a:p>
+                      <a:r>
+                        <a:rPr lang="pt-BR" dirty="0" err="1" smtClean="0"/>
+                        <a:t>UnidadeMedida</a:t>
+                      </a:r>
+                      <a:endParaRPr lang="pt-BR" dirty="0"/>
+                    </a:p>
+                  </a:txBody>
+                  <a:tcPr/>
+                </a:tc>
+                <a:tc>
+                  <a:txBody>
+                    <a:bodyPr/>
+                    <a:lstStyle/>
+                    <a:p>
+                      <a:r>
+                        <a:rPr lang="pt-BR" dirty="0" err="1" smtClean="0"/>
+                        <a:t>Varchar</a:t>
+                      </a:r>
+                      <a:r>
+                        <a:rPr lang="pt-BR" dirty="0" smtClean="0"/>
+                        <a:t>(100)</a:t>
+                      </a:r>
+                      <a:endParaRPr lang="pt-BR" dirty="0"/>
+                    </a:p>
+                  </a:txBody>
+                  <a:tcPr/>
+                </a:tc>
+                <a:tc>
+                  <a:txBody>
+                    <a:bodyPr/>
+                    <a:lstStyle/>
+                    <a:p>
+                      <a:endParaRPr lang="pt-BR" dirty="0"/>
+                    </a:p>
+                  </a:txBody>
+                  <a:tcPr/>
+                </a:tc>
+                <a:extLst>
+                  <a:ext uri="{0D108BD9-81ED-4DB2-BD59-A6C34878D82A}">
+                    <a16:rowId xmlns:a16="http://schemas.microsoft.com/office/drawing/2014/main" val="275426533"/>
+                  </a:ext>
+                </a:extLst>
+              </a:tr>
+              <a:tr h="370840">
+                <a:tc>
+                  <a:txBody>
+                    <a:bodyPr/>
+                    <a:lstStyle/>
+                    <a:p>
+                      <a:r>
+                        <a:rPr lang="pt-BR" dirty="0" err="1" smtClean="0"/>
+                        <a:t>Estoque</a:t>
+                      </a:r>
+                      <a:r>
+                        <a:rPr lang="pt-BR" baseline="0" dirty="0" err="1" smtClean="0"/>
+                        <a:t>Atual</a:t>
+                      </a:r>
+                      <a:endParaRPr lang="pt-BR" dirty="0"/>
+                    </a:p>
+                  </a:txBody>
+                  <a:tcPr/>
+                </a:tc>
+                <a:tc>
+                  <a:txBody>
+                    <a:bodyPr/>
+                    <a:lstStyle/>
+                    <a:p>
+                      <a:r>
+                        <a:rPr lang="pt-BR" dirty="0" err="1" smtClean="0"/>
+                        <a:t>double</a:t>
+                      </a:r>
+                      <a:endParaRPr lang="pt-BR" dirty="0"/>
+                    </a:p>
+                  </a:txBody>
+                  <a:tcPr/>
+                </a:tc>
+                <a:tc>
+                  <a:txBody>
+                    <a:bodyPr/>
+                    <a:lstStyle/>
+                    <a:p>
+                      <a:r>
+                        <a:rPr lang="pt-BR" dirty="0" smtClean="0"/>
+                        <a:t>Somente Leitura</a:t>
+                      </a:r>
+                      <a:endParaRPr lang="pt-BR" dirty="0"/>
+                    </a:p>
+                  </a:txBody>
+                  <a:tcPr/>
+                </a:tc>
+                <a:extLst>
+                  <a:ext uri="{0D108BD9-81ED-4DB2-BD59-A6C34878D82A}">
+                    <a16:rowId xmlns:a16="http://schemas.microsoft.com/office/drawing/2014/main" val="2790910923"/>
+                  </a:ext>
+                </a:extLst>
+              </a:tr>
+              <a:tr h="370840">
+                <a:tc>
+                  <a:txBody>
+                    <a:bodyPr/>
+                    <a:lstStyle/>
+                    <a:p>
+                      <a:r>
+                        <a:rPr lang="pt-BR" dirty="0" err="1" smtClean="0"/>
+                        <a:t>IdCat</a:t>
+                      </a:r>
+                      <a:endParaRPr lang="pt-BR" dirty="0"/>
+                    </a:p>
+                  </a:txBody>
+                  <a:tcPr/>
+                </a:tc>
+                <a:tc>
+                  <a:txBody>
+                    <a:bodyPr/>
+                    <a:lstStyle/>
+                    <a:p>
+                      <a:r>
+                        <a:rPr lang="pt-BR" dirty="0" err="1" smtClean="0"/>
+                        <a:t>Int</a:t>
+                      </a:r>
+                      <a:endParaRPr lang="pt-BR" dirty="0"/>
+                    </a:p>
+                  </a:txBody>
+                  <a:tcPr/>
+                </a:tc>
+                <a:tc>
+                  <a:txBody>
+                    <a:bodyPr/>
+                    <a:lstStyle/>
+                    <a:p>
+                      <a:r>
+                        <a:rPr lang="pt-BR" dirty="0" err="1" smtClean="0"/>
+                        <a:t>Fk</a:t>
+                      </a:r>
+                      <a:endParaRPr lang="pt-BR" dirty="0"/>
+                    </a:p>
+                  </a:txBody>
+                  <a:tcPr/>
+                </a:tc>
+                <a:extLst>
+                  <a:ext uri="{0D108BD9-81ED-4DB2-BD59-A6C34878D82A}">
+                    <a16:rowId xmlns:a16="http://schemas.microsoft.com/office/drawing/2014/main" val="1116382274"/>
+                  </a:ext>
+                </a:extLst>
+              </a:tr>
+              <a:tr h="370840">
+                <a:tc>
+                  <a:txBody>
+                    <a:bodyPr/>
+                    <a:lstStyle/>
+                    <a:p>
+                      <a:r>
+                        <a:rPr lang="pt-BR" dirty="0" err="1" smtClean="0"/>
+                        <a:t>EPermanente</a:t>
+                      </a:r>
+                      <a:endParaRPr lang="pt-BR" dirty="0"/>
+                    </a:p>
+                  </a:txBody>
+                  <a:tcPr/>
+                </a:tc>
+                <a:tc>
+                  <a:txBody>
+                    <a:bodyPr/>
+                    <a:lstStyle/>
+                    <a:p>
+                      <a:r>
+                        <a:rPr lang="pt-BR" dirty="0" err="1" smtClean="0"/>
+                        <a:t>bool</a:t>
+                      </a:r>
+                      <a:endParaRPr lang="pt-BR" dirty="0"/>
+                    </a:p>
+                  </a:txBody>
+                  <a:tcPr/>
+                </a:tc>
+                <a:tc>
+                  <a:txBody>
+                    <a:bodyPr/>
+                    <a:lstStyle/>
+                    <a:p>
+                      <a:endParaRPr lang="pt-BR" dirty="0"/>
+                    </a:p>
+                  </a:txBody>
+                  <a:tcPr/>
+                </a:tc>
+                <a:extLst>
+                  <a:ext uri="{0D108BD9-81ED-4DB2-BD59-A6C34878D82A}">
+                    <a16:rowId xmlns:a16="http://schemas.microsoft.com/office/drawing/2014/main" val="1072235614"/>
+                  </a:ext>
+                </a:extLst>
+              </a:tr>
+            </a:tbl>
+          </a:graphicData>
+        </a:graphic>
+      </p:graphicFrame>
+      <p:sp>
+        <p:nvSpPr>
+          <p:cNvPr id="11" name="Título 1">
+            <a:extLst>
+              <a:ext uri="{FF2B5EF4-FFF2-40B4-BE49-F238E27FC236}">
+                <a16:creationId xmlns:a16="http://schemas.microsoft.com/office/drawing/2014/main" id="{0229AC0A-F8EF-158B-5D49-B06E1612EEDE}"/>
+              </a:ext>
+            </a:extLst>
+          </p:cNvPr>
+          <p:cNvSpPr txBox="1">
+            <a:spLocks/>
+          </p:cNvSpPr>
+          <p:nvPr/>
+        </p:nvSpPr>
+        <p:spPr>
+          <a:xfrm>
+            <a:off x="468503" y="763524"/>
+            <a:ext cx="10517176" cy="1527048"/>
+          </a:xfrm>
+          <a:prstGeom prst="rect">
+            <a:avLst/>
+          </a:prstGeom>
+        </p:spPr>
+        <p:txBody>
+          <a:bodyPr vert="horz" lIns="91440" tIns="45720" rIns="91440" bIns="45720" rtlCol="0" anchor="b">
+            <a:normAutofit/>
+          </a:bodyPr>
+          <a:lstStyle>
+            <a:lvl1pPr algn="l" defTabSz="914400" rtl="0" eaLnBrk="1" latinLnBrk="0" hangingPunct="1">
+              <a:lnSpc>
+                <a:spcPct val="90000"/>
+              </a:lnSpc>
+              <a:spcBef>
+                <a:spcPct val="0"/>
+              </a:spcBef>
+              <a:buNone/>
+              <a:defRPr sz="3600" b="1" kern="1200">
+                <a:solidFill>
+                  <a:schemeClr val="tx1"/>
+                </a:solidFill>
+                <a:latin typeface="+mj-lt"/>
+                <a:ea typeface="+mj-ea"/>
+                <a:cs typeface="+mj-cs"/>
+              </a:defRPr>
+            </a:lvl1pPr>
+          </a:lstStyle>
+          <a:p>
+            <a:pPr>
+              <a:spcBef>
+                <a:spcPts val="2500"/>
+              </a:spcBef>
+            </a:pPr>
+            <a:r>
+              <a:rPr lang="pt-BR" sz="1600" dirty="0">
+                <a:latin typeface="Arial" panose="020B0604020202020204" pitchFamily="34" charset="0"/>
+                <a:cs typeface="Arial" panose="020B0604020202020204" pitchFamily="34" charset="0"/>
+              </a:rPr>
+              <a:t>Tabela Produto</a:t>
+            </a:r>
+          </a:p>
+        </p:txBody>
+      </p:sp>
+    </p:spTree>
+    <p:extLst>
+      <p:ext uri="{BB962C8B-B14F-4D97-AF65-F5344CB8AC3E}">
+        <p14:creationId xmlns:p14="http://schemas.microsoft.com/office/powerpoint/2010/main" val="700592422"/>
+      </p:ext>
+    </p:extLst>
+  </p:cSld>
+  <p:clrMapOvr>
+    <a:masterClrMapping/>
+  </p:clrMapOvr>
+  <p:transition>
+    <p:fade/>
+  </p:transition>
+  <p:timing>
+    <p:tnLst>
+      <p:par>
+        <p:cTn id="1" dur="indefinite" restart="never" nodeType="tmRoot"/>
+      </p:par>
+    </p:tnLst>
+  </p:timing>
+</p:sld>
+</file>
+
+<file path=ppt/slides/slide15.xml><?xml version="1.0" encoding="utf-8"?>
+<p:sld xmlns:a="http://schemas.openxmlformats.org/drawingml/2006/main" xmlns:r="http://schemas.openxmlformats.org/officeDocument/2006/relationships" xmlns:p="http://schemas.openxmlformats.org/presentationml/2006/main">
+  <p:cSld>
+    <p:bg>
+      <p:bgPr>
+        <a:solidFill>
+          <a:schemeClr val="bg1"/>
+        </a:solidFill>
+        <a:effectLst/>
+      </p:bgPr>
+    </p:bg>
+    <p:spTree>
+      <p:nvGrpSpPr>
+        <p:cNvPr id="1" name="">
+          <a:extLst>
+            <a:ext uri="{FF2B5EF4-FFF2-40B4-BE49-F238E27FC236}">
+              <a16:creationId xmlns:a16="http://schemas.microsoft.com/office/drawing/2014/main" id="{ABC8E265-4279-B925-FBC6-668AF72F0DCF}"/>
+            </a:ext>
+          </a:extLst>
+        </p:cNvPr>
+        <p:cNvGrpSpPr/>
+        <p:nvPr/>
+      </p:nvGrpSpPr>
+      <p:grpSpPr>
+        <a:xfrm>
+          <a:off x="0" y="0"/>
+          <a:ext cx="0" cy="0"/>
+          <a:chOff x="0" y="0"/>
+          <a:chExt cx="0" cy="0"/>
+        </a:xfrm>
+      </p:grpSpPr>
+      <p:sp useBgFill="1">
+        <p:nvSpPr>
+          <p:cNvPr id="10" name="Rectangle 9">
+            <a:extLst>
+              <a:ext uri="{FF2B5EF4-FFF2-40B4-BE49-F238E27FC236}">
+                <a16:creationId xmlns:a16="http://schemas.microsoft.com/office/drawing/2014/main" id="{8450EF29-A29A-9417-2B09-074C04064425}"/>
+              </a:ext>
+              <a:ext uri="{C183D7F6-B498-43B3-948B-1728B52AA6E4}">
+                <adec:decorative xmlns:adec="http://schemas.microsoft.com/office/drawing/2017/decorative" xmlns="" val="1"/>
+              </a:ext>
+            </a:extLst>
+          </p:cNvPr>
+          <p:cNvSpPr>
+            <a:spLocks noGrp="1" noRot="1" noChangeAspect="1" noMove="1" noResize="1" noEditPoints="1" noAdjustHandles="1" noChangeArrowheads="1" noChangeShapeType="1" noTextEdit="1"/>
+          </p:cNvSpPr>
+          <p:nvPr>
+            <p:extLst>
+              <p:ext uri="{386F3935-93C4-4BCD-93E2-E3B085C9AB24}">
+                <p16:designElem xmlns:p16="http://schemas.microsoft.com/office/powerpoint/2015/main" val="1"/>
+              </p:ext>
+            </p:extLst>
+          </p:nvPr>
+        </p:nvSpPr>
+        <p:spPr>
+          <a:xfrm>
+            <a:off x="0" y="0"/>
+            <a:ext cx="12192000" cy="6858000"/>
+          </a:xfrm>
+          <a:prstGeom prst="rect">
+            <a:avLst/>
+          </a:prstGeom>
+          <a:ln w="12700" cap="flat" cmpd="sng" algn="ctr">
+            <a:noFill/>
+            <a:prstDash val="solid"/>
+            <a:miter lim="800000"/>
+          </a:ln>
+          <a:effectLst/>
+          <a:extLst>
+            <a:ext uri="{91240B29-F687-4F45-9708-019B960494DF}">
+              <a14:hiddenLine xmlns:a14="http://schemas.microsoft.com/office/drawing/2010/main" w="12700" cap="flat" cmpd="sng" algn="ctr">
+                <a:solidFill>
+                  <a:schemeClr val="accent1">
+                    <a:shade val="15000"/>
+                  </a:schemeClr>
+                </a:solidFill>
+                <a:prstDash val="solid"/>
+                <a:miter lim="800000"/>
+              </a14:hiddenLine>
+            </a:ext>
+          </a:extLst>
+        </p:spPr>
+        <p:style>
+          <a:lnRef idx="2">
+            <a:schemeClr val="accent1">
+              <a:shade val="15000"/>
+            </a:schemeClr>
+          </a:lnRef>
+          <a:fillRef idx="1">
+            <a:schemeClr val="accent1"/>
+          </a:fillRef>
+          <a:effectRef idx="0">
+            <a:schemeClr val="accent1"/>
+          </a:effectRef>
+          <a:fontRef idx="minor">
+            <a:schemeClr val="lt1"/>
+          </a:fontRef>
+        </p:style>
+        <p:txBody>
+          <a:bodyPr rtlCol="0" anchor="ctr"/>
+          <a:lstStyle/>
+          <a:p>
+            <a:pPr algn="ctr"/>
+            <a:endParaRPr lang="en-US"/>
+          </a:p>
+        </p:txBody>
+      </p:sp>
+      <p:sp>
+        <p:nvSpPr>
+          <p:cNvPr id="2" name="Título 1">
+            <a:extLst>
+              <a:ext uri="{FF2B5EF4-FFF2-40B4-BE49-F238E27FC236}">
+                <a16:creationId xmlns:a16="http://schemas.microsoft.com/office/drawing/2014/main" id="{4088EF13-93E0-2A25-DAC4-430EED1B9C18}"/>
+              </a:ext>
+            </a:extLst>
+          </p:cNvPr>
+          <p:cNvSpPr>
+            <a:spLocks noGrp="1"/>
+          </p:cNvSpPr>
+          <p:nvPr>
+            <p:ph type="title"/>
+          </p:nvPr>
+        </p:nvSpPr>
+        <p:spPr>
+          <a:xfrm>
+            <a:off x="468503" y="0"/>
+            <a:ext cx="10517176" cy="1527048"/>
+          </a:xfrm>
+        </p:spPr>
+        <p:txBody>
+          <a:bodyPr vert="horz" lIns="91440" tIns="45720" rIns="91440" bIns="45720" rtlCol="0" anchor="b">
+            <a:normAutofit/>
+          </a:bodyPr>
+          <a:lstStyle/>
+          <a:p>
+            <a:pPr>
+              <a:spcBef>
+                <a:spcPts val="2500"/>
+              </a:spcBef>
+            </a:pPr>
+            <a:r>
+              <a:rPr lang="pt-BR" dirty="0">
+                <a:latin typeface="Arial" panose="020B0604020202020204" pitchFamily="34" charset="0"/>
+                <a:cs typeface="Arial" panose="020B0604020202020204" pitchFamily="34" charset="0"/>
+              </a:rPr>
+              <a:t>DICIONÁRIO DE </a:t>
+            </a:r>
+            <a:r>
+              <a:rPr lang="pt-BR" dirty="0" smtClean="0">
+                <a:latin typeface="Arial" panose="020B0604020202020204" pitchFamily="34" charset="0"/>
+                <a:cs typeface="Arial" panose="020B0604020202020204" pitchFamily="34" charset="0"/>
+              </a:rPr>
+              <a:t>DADOS </a:t>
+            </a:r>
+            <a:r>
+              <a:rPr lang="pt-BR" dirty="0">
+                <a:latin typeface="Arial" panose="020B0604020202020204" pitchFamily="34" charset="0"/>
+                <a:cs typeface="Arial" panose="020B0604020202020204" pitchFamily="34" charset="0"/>
+              </a:rPr>
+              <a:t>[</a:t>
+            </a:r>
+            <a:r>
+              <a:rPr lang="pt-BR" dirty="0" smtClean="0">
+                <a:latin typeface="Arial" panose="020B0604020202020204" pitchFamily="34" charset="0"/>
+                <a:cs typeface="Arial" panose="020B0604020202020204" pitchFamily="34" charset="0"/>
+              </a:rPr>
+              <a:t>R01]</a:t>
+            </a:r>
+            <a:endParaRPr lang="pt-BR" sz="3600" dirty="0">
+              <a:latin typeface="Arial" panose="020B0604020202020204" pitchFamily="34" charset="0"/>
+              <a:cs typeface="Arial" panose="020B0604020202020204" pitchFamily="34" charset="0"/>
+            </a:endParaRPr>
+          </a:p>
+        </p:txBody>
+      </p:sp>
+      <p:graphicFrame>
+        <p:nvGraphicFramePr>
+          <p:cNvPr id="9" name="Espaço Reservado para Conteúdo 8">
+            <a:extLst>
+              <a:ext uri="{FF2B5EF4-FFF2-40B4-BE49-F238E27FC236}">
+                <a16:creationId xmlns:a16="http://schemas.microsoft.com/office/drawing/2014/main" id="{AE6A2ECC-39B2-D582-178A-3B96D8FBBBF5}"/>
+              </a:ext>
+            </a:extLst>
+          </p:cNvPr>
+          <p:cNvGraphicFramePr>
+            <a:graphicFrameLocks noGrp="1"/>
+          </p:cNvGraphicFramePr>
+          <p:nvPr>
+            <p:ph sz="half" idx="2"/>
+            <p:extLst>
+              <p:ext uri="{D42A27DB-BD31-4B8C-83A1-F6EECF244321}">
+                <p14:modId xmlns:p14="http://schemas.microsoft.com/office/powerpoint/2010/main" val="947003117"/>
               </p:ext>
             </p:extLst>
           </p:nvPr>
@@ -11285,7 +11519,7 @@
                     <a:p>
                       <a:r>
                         <a:rPr lang="pt-BR" dirty="0" err="1" smtClean="0"/>
-                        <a:t>Codigo</a:t>
+                        <a:t>IdCat</a:t>
                       </a:r>
                       <a:endParaRPr lang="pt-BR" dirty="0"/>
                     </a:p>
@@ -11850,14 +12084,14 @@
             <p:ph sz="half" idx="2"/>
             <p:extLst>
               <p:ext uri="{D42A27DB-BD31-4B8C-83A1-F6EECF244321}">
-                <p14:modId xmlns:p14="http://schemas.microsoft.com/office/powerpoint/2010/main" val="3798478168"/>
+                <p14:modId xmlns:p14="http://schemas.microsoft.com/office/powerpoint/2010/main" val="1842666900"/>
               </p:ext>
             </p:extLst>
           </p:nvPr>
         </p:nvGraphicFramePr>
         <p:xfrm>
           <a:off x="566670" y="2250628"/>
-          <a:ext cx="10071279" cy="2966720"/>
+          <a:ext cx="10071279" cy="3337560"/>
         </p:xfrm>
         <a:graphic>
           <a:graphicData uri="http://schemas.openxmlformats.org/drawingml/2006/table">
@@ -11941,9 +12175,10 @@
                     <a:lstStyle/>
                     <a:p>
                       <a:r>
-                        <a:rPr lang="pt-BR" dirty="0"/>
-                        <a:t>Código</a:t>
+                        <a:rPr lang="pt-BR" dirty="0" err="1" smtClean="0"/>
+                        <a:t>IdFornecedor</a:t>
                       </a:r>
+                      <a:endParaRPr lang="pt-BR" dirty="0"/>
                     </a:p>
                   </a:txBody>
                   <a:tcPr/>
@@ -11989,7 +12224,7 @@
                     <a:p>
                       <a:r>
                         <a:rPr lang="pt-BR" dirty="0" err="1" smtClean="0"/>
-                        <a:t>Descricao</a:t>
+                        <a:t>NomeForn</a:t>
                       </a:r>
                       <a:endParaRPr lang="pt-BR" dirty="0"/>
                     </a:p>
@@ -12002,13 +12237,14 @@
                     <a:lstStyle/>
                     <a:p>
                       <a:r>
-                        <a:rPr lang="pt-BR" dirty="0" err="1"/>
+                        <a:rPr lang="pt-BR" dirty="0" err="1" smtClean="0"/>
                         <a:t>Varchar</a:t>
                       </a:r>
                       <a:r>
-                        <a:rPr lang="pt-BR" dirty="0"/>
+                        <a:rPr lang="pt-BR" dirty="0" smtClean="0"/>
                         <a:t>(100)</a:t>
                       </a:r>
+                      <a:endParaRPr lang="pt-BR" dirty="0"/>
                     </a:p>
                   </a:txBody>
                   <a:tcPr/>
@@ -12037,7 +12273,11 @@
                     <a:p>
                       <a:r>
                         <a:rPr lang="pt-BR" dirty="0" err="1" smtClean="0"/>
-                        <a:t>UnidadeMedida</a:t>
+                        <a:t>Endereço</a:t>
+                      </a:r>
+                      <a:r>
+                        <a:rPr lang="pt-BR" baseline="0" dirty="0" err="1" smtClean="0"/>
+                        <a:t>Forn</a:t>
                       </a:r>
                       <a:endParaRPr lang="pt-BR" dirty="0"/>
                     </a:p>
@@ -12085,12 +12325,8 @@
                     <a:lstStyle/>
                     <a:p>
                       <a:r>
-                        <a:rPr lang="pt-BR" dirty="0" err="1" smtClean="0"/>
-                        <a:t>Estoque</a:t>
-                      </a:r>
-                      <a:r>
-                        <a:rPr lang="pt-BR" baseline="0" dirty="0" err="1" smtClean="0"/>
-                        <a:t>Atual</a:t>
+                        <a:rPr lang="pt-BR" dirty="0" smtClean="0"/>
+                        <a:t>Bairro</a:t>
                       </a:r>
                       <a:endParaRPr lang="pt-BR" dirty="0"/>
                     </a:p>
@@ -12104,7 +12340,11 @@
                     <a:p>
                       <a:r>
                         <a:rPr lang="pt-BR" dirty="0" err="1" smtClean="0"/>
-                        <a:t>double</a:t>
+                        <a:t>Varchar</a:t>
+                      </a:r>
+                      <a:r>
+                        <a:rPr lang="pt-BR" dirty="0" smtClean="0"/>
+                        <a:t>(100)</a:t>
                       </a:r>
                       <a:endParaRPr lang="pt-BR" dirty="0"/>
                     </a:p>
@@ -12116,10 +12356,6 @@
                     <a:bodyPr/>
                     <a:lstStyle/>
                     <a:p>
-                      <a:r>
-                        <a:rPr lang="pt-BR" dirty="0" smtClean="0"/>
-                        <a:t>Somente Leitura</a:t>
-                      </a:r>
                       <a:endParaRPr lang="pt-BR" dirty="0"/>
                     </a:p>
                   </a:txBody>
@@ -12138,8 +12374,8 @@
                     <a:lstStyle/>
                     <a:p>
                       <a:r>
-                        <a:rPr lang="pt-BR" dirty="0" err="1" smtClean="0"/>
-                        <a:t>Epermanente</a:t>
+                        <a:rPr lang="pt-BR" dirty="0" smtClean="0"/>
+                        <a:t>Cidade</a:t>
                       </a:r>
                       <a:endParaRPr lang="pt-BR" dirty="0"/>
                     </a:p>
@@ -12153,7 +12389,11 @@
                     <a:p>
                       <a:r>
                         <a:rPr lang="pt-BR" dirty="0" err="1" smtClean="0"/>
-                        <a:t>Boolean</a:t>
+                        <a:t>Varchar</a:t>
+                      </a:r>
+                      <a:r>
+                        <a:rPr lang="pt-BR" dirty="0" smtClean="0"/>
+                        <a:t>(100)</a:t>
                       </a:r>
                       <a:endParaRPr lang="pt-BR" dirty="0"/>
                     </a:p>
@@ -12183,8 +12423,8 @@
                     <a:lstStyle/>
                     <a:p>
                       <a:r>
-                        <a:rPr lang="pt-BR" dirty="0" err="1" smtClean="0"/>
-                        <a:t>CodigoCategoria</a:t>
+                        <a:rPr lang="pt-BR" dirty="0" smtClean="0"/>
+                        <a:t>Estado</a:t>
                       </a:r>
                       <a:endParaRPr lang="pt-BR" dirty="0"/>
                     </a:p>
@@ -12198,7 +12438,11 @@
                     <a:p>
                       <a:r>
                         <a:rPr lang="pt-BR" dirty="0" err="1" smtClean="0"/>
-                        <a:t>Int</a:t>
+                        <a:t>Varchar</a:t>
+                      </a:r>
+                      <a:r>
+                        <a:rPr lang="pt-BR" dirty="0" smtClean="0"/>
+                        <a:t>(100)</a:t>
                       </a:r>
                       <a:endParaRPr lang="pt-BR" dirty="0"/>
                     </a:p>
@@ -12210,10 +12454,6 @@
                     <a:bodyPr/>
                     <a:lstStyle/>
                     <a:p>
-                      <a:r>
-                        <a:rPr lang="pt-BR" dirty="0" smtClean="0"/>
-                        <a:t>Chave Estrangeira</a:t>
-                      </a:r>
                       <a:endParaRPr lang="pt-BR" dirty="0"/>
                     </a:p>
                   </a:txBody>
@@ -12231,6 +12471,10 @@
                     <a:bodyPr/>
                     <a:lstStyle/>
                     <a:p>
+                      <a:r>
+                        <a:rPr lang="pt-BR" dirty="0" smtClean="0"/>
+                        <a:t>Telefone</a:t>
+                      </a:r>
                       <a:endParaRPr lang="pt-BR" dirty="0"/>
                     </a:p>
                   </a:txBody>
@@ -12241,6 +12485,14 @@
                     <a:bodyPr/>
                     <a:lstStyle/>
                     <a:p>
+                      <a:r>
+                        <a:rPr lang="pt-BR" dirty="0" err="1" smtClean="0"/>
+                        <a:t>Varchar</a:t>
+                      </a:r>
+                      <a:r>
+                        <a:rPr lang="pt-BR" dirty="0" smtClean="0"/>
+                        <a:t>(100)</a:t>
+                      </a:r>
                       <a:endParaRPr lang="pt-BR" dirty="0"/>
                     </a:p>
                   </a:txBody>
@@ -12259,6 +12511,55 @@
                 <a:extLst>
                   <a:ext uri="{0D108BD9-81ED-4DB2-BD59-A6C34878D82A}">
                     <a16:rowId xmlns:a16="http://schemas.microsoft.com/office/drawing/2014/main" val="1116382274"/>
+                  </a:ext>
+                </a:extLst>
+              </a:tr>
+              <a:tr h="370840">
+                <a:tc>
+                  <a:txBody>
+                    <a:bodyPr/>
+                    <a:lstStyle/>
+                    <a:p>
+                      <a:r>
+                        <a:rPr lang="pt-BR" dirty="0" smtClean="0"/>
+                        <a:t>CNPJ</a:t>
+                      </a:r>
+                      <a:endParaRPr lang="pt-BR" dirty="0"/>
+                    </a:p>
+                  </a:txBody>
+                  <a:tcPr/>
+                </a:tc>
+                <a:tc>
+                  <a:txBody>
+                    <a:bodyPr/>
+                    <a:lstStyle/>
+                    <a:p>
+                      <a:r>
+                        <a:rPr lang="pt-BR" dirty="0" err="1" smtClean="0"/>
+                        <a:t>Varchar</a:t>
+                      </a:r>
+                      <a:r>
+                        <a:rPr lang="pt-BR" dirty="0" smtClean="0"/>
+                        <a:t>(100)</a:t>
+                      </a:r>
+                      <a:endParaRPr lang="pt-BR" dirty="0"/>
+                    </a:p>
+                  </a:txBody>
+                  <a:tcPr/>
+                </a:tc>
+                <a:tc>
+                  <a:txBody>
+                    <a:bodyPr/>
+                    <a:lstStyle/>
+                    <a:p>
+                      <a:endParaRPr lang="pt-BR" dirty="0"/>
+                    </a:p>
+                  </a:txBody>
+                  <a:tcPr/>
+                </a:tc>
+                <a:extLst>
+                  <a:ext uri="{0D108BD9-81ED-4DB2-BD59-A6C34878D82A}">
+                    <a16:rowId xmlns:a16="http://schemas.microsoft.com/office/drawing/2014/main" val="508721869"/>
                   </a:ext>
                 </a:extLst>
               </a:tr>
@@ -12323,15 +12624,26 @@
                 <a:latin typeface="Arial" panose="020B0604020202020204" pitchFamily="34" charset="0"/>
                 <a:cs typeface="Arial" panose="020B0604020202020204" pitchFamily="34" charset="0"/>
               </a:rPr>
-              <a:t>Tabela Produto</a:t>
-            </a:r>
+              <a:t>Tabela </a:t>
+            </a:r>
+            <a:r>
+              <a:rPr lang="pt-BR" sz="1600" dirty="0" smtClean="0">
+                <a:latin typeface="Arial" panose="020B0604020202020204" pitchFamily="34" charset="0"/>
+                <a:cs typeface="Arial" panose="020B0604020202020204" pitchFamily="34" charset="0"/>
+              </a:rPr>
+              <a:t>Fornecedor</a:t>
+            </a:r>
+            <a:endParaRPr lang="pt-BR" sz="1600" dirty="0">
+              <a:latin typeface="Arial" panose="020B0604020202020204" pitchFamily="34" charset="0"/>
+              <a:cs typeface="Arial" panose="020B0604020202020204" pitchFamily="34" charset="0"/>
+            </a:endParaRPr>
           </a:p>
         </p:txBody>
       </p:sp>
     </p:spTree>
     <p:extLst>
       <p:ext uri="{BB962C8B-B14F-4D97-AF65-F5344CB8AC3E}">
-        <p14:creationId xmlns:p14="http://schemas.microsoft.com/office/powerpoint/2010/main" val="700592422"/>
+        <p14:creationId xmlns:p14="http://schemas.microsoft.com/office/powerpoint/2010/main" val="2956476802"/>
       </p:ext>
     </p:extLst>
   </p:cSld>
@@ -12542,14 +12854,14 @@
             <p:ph sz="half" idx="2"/>
             <p:extLst>
               <p:ext uri="{D42A27DB-BD31-4B8C-83A1-F6EECF244321}">
-                <p14:modId xmlns:p14="http://schemas.microsoft.com/office/powerpoint/2010/main" val="1304435578"/>
+                <p14:modId xmlns:p14="http://schemas.microsoft.com/office/powerpoint/2010/main" val="2290442535"/>
               </p:ext>
             </p:extLst>
           </p:nvPr>
         </p:nvGraphicFramePr>
         <p:xfrm>
           <a:off x="566670" y="2250628"/>
-          <a:ext cx="10071279" cy="3014510"/>
+          <a:ext cx="10071279" cy="3337560"/>
         </p:xfrm>
         <a:graphic>
           <a:graphicData uri="http://schemas.openxmlformats.org/drawingml/2006/table">
@@ -12633,9 +12945,10 @@
                     <a:lstStyle/>
                     <a:p>
                       <a:r>
-                        <a:rPr lang="pt-BR" dirty="0"/>
-                        <a:t>Código</a:t>
+                        <a:rPr lang="pt-BR" dirty="0" err="1" smtClean="0"/>
+                        <a:t>IdSecretaria</a:t>
                       </a:r>
+                      <a:endParaRPr lang="pt-BR" dirty="0"/>
                     </a:p>
                   </a:txBody>
                   <a:tcPr/>
@@ -12681,7 +12994,7 @@
                     <a:p>
                       <a:r>
                         <a:rPr lang="pt-BR" dirty="0" err="1" smtClean="0"/>
-                        <a:t>DataEntrada</a:t>
+                        <a:t>NomeSec</a:t>
                       </a:r>
                       <a:endParaRPr lang="pt-BR" dirty="0"/>
                     </a:p>
@@ -12695,7 +13008,11 @@
                     <a:p>
                       <a:r>
                         <a:rPr lang="pt-BR" dirty="0" err="1" smtClean="0"/>
-                        <a:t>datetime</a:t>
+                        <a:t>Varchar</a:t>
+                      </a:r>
+                      <a:r>
+                        <a:rPr lang="pt-BR" dirty="0" smtClean="0"/>
+                        <a:t>(100)</a:t>
                       </a:r>
                       <a:endParaRPr lang="pt-BR" dirty="0"/>
                     </a:p>
@@ -12718,7 +13035,7 @@
                   </a:ext>
                 </a:extLst>
               </a:tr>
-              <a:tr h="418630">
+              <a:tr h="370840">
                 <a:tc>
                   <a:txBody>
                     <a:bodyPr/>
@@ -12726,7 +13043,11 @@
                     <a:p>
                       <a:r>
                         <a:rPr lang="pt-BR" dirty="0" err="1" smtClean="0"/>
-                        <a:t>CodigoFornecedor</a:t>
+                        <a:t>Endereço</a:t>
+                      </a:r>
+                      <a:r>
+                        <a:rPr lang="pt-BR" baseline="0" dirty="0" err="1" smtClean="0"/>
+                        <a:t>Sec</a:t>
                       </a:r>
                       <a:endParaRPr lang="pt-BR" dirty="0"/>
                     </a:p>
@@ -12740,7 +13061,11 @@
                     <a:p>
                       <a:r>
                         <a:rPr lang="pt-BR" dirty="0" err="1" smtClean="0"/>
-                        <a:t>int</a:t>
+                        <a:t>Varchar</a:t>
+                      </a:r>
+                      <a:r>
+                        <a:rPr lang="pt-BR" dirty="0" smtClean="0"/>
+                        <a:t>(100)</a:t>
                       </a:r>
                       <a:endParaRPr lang="pt-BR" dirty="0"/>
                     </a:p>
@@ -12770,8 +13095,8 @@
                     <a:lstStyle/>
                     <a:p>
                       <a:r>
-                        <a:rPr lang="pt-BR" dirty="0" err="1" smtClean="0"/>
-                        <a:t>Observacao</a:t>
+                        <a:rPr lang="pt-BR" dirty="0" smtClean="0"/>
+                        <a:t>Bairro</a:t>
                       </a:r>
                       <a:endParaRPr lang="pt-BR" dirty="0"/>
                     </a:p>
@@ -12789,7 +13114,7 @@
                       </a:r>
                       <a:r>
                         <a:rPr lang="pt-BR" dirty="0" smtClean="0"/>
-                        <a:t>(1000)</a:t>
+                        <a:t>(100)</a:t>
                       </a:r>
                       <a:endParaRPr lang="pt-BR" dirty="0"/>
                     </a:p>
@@ -12818,6 +13143,10 @@
                     <a:bodyPr/>
                     <a:lstStyle/>
                     <a:p>
+                      <a:r>
+                        <a:rPr lang="pt-BR" dirty="0" smtClean="0"/>
+                        <a:t>Cidade</a:t>
+                      </a:r>
                       <a:endParaRPr lang="pt-BR" dirty="0"/>
                     </a:p>
                   </a:txBody>
@@ -12828,6 +13157,716 @@
                     <a:bodyPr/>
                     <a:lstStyle/>
                     <a:p>
+                      <a:r>
+                        <a:rPr lang="pt-BR" dirty="0" err="1" smtClean="0"/>
+                        <a:t>Varchar</a:t>
+                      </a:r>
+                      <a:r>
+                        <a:rPr lang="pt-BR" dirty="0" smtClean="0"/>
+                        <a:t>(100)</a:t>
+                      </a:r>
+                      <a:endParaRPr lang="pt-BR" dirty="0"/>
+                    </a:p>
+                  </a:txBody>
+                  <a:tcPr/>
+                </a:tc>
+                <a:tc>
+                  <a:txBody>
+                    <a:bodyPr/>
+                    <a:lstStyle/>
+                    <a:p>
+                      <a:endParaRPr lang="pt-BR" dirty="0"/>
+                    </a:p>
+                  </a:txBody>
+                  <a:tcPr/>
+                </a:tc>
+                <a:extLst>
+                  <a:ext uri="{0D108BD9-81ED-4DB2-BD59-A6C34878D82A}">
+                    <a16:rowId xmlns:a16="http://schemas.microsoft.com/office/drawing/2014/main" val="2767637003"/>
+                  </a:ext>
+                </a:extLst>
+              </a:tr>
+              <a:tr h="370840">
+                <a:tc>
+                  <a:txBody>
+                    <a:bodyPr/>
+                    <a:lstStyle/>
+                    <a:p>
+                      <a:r>
+                        <a:rPr lang="pt-BR" dirty="0" smtClean="0"/>
+                        <a:t>Estado</a:t>
+                      </a:r>
+                      <a:endParaRPr lang="pt-BR" dirty="0"/>
+                    </a:p>
+                  </a:txBody>
+                  <a:tcPr/>
+                </a:tc>
+                <a:tc>
+                  <a:txBody>
+                    <a:bodyPr/>
+                    <a:lstStyle/>
+                    <a:p>
+                      <a:r>
+                        <a:rPr lang="pt-BR" dirty="0" err="1" smtClean="0"/>
+                        <a:t>Varchar</a:t>
+                      </a:r>
+                      <a:r>
+                        <a:rPr lang="pt-BR" dirty="0" smtClean="0"/>
+                        <a:t>(100)</a:t>
+                      </a:r>
+                      <a:endParaRPr lang="pt-BR" dirty="0"/>
+                    </a:p>
+                  </a:txBody>
+                  <a:tcPr/>
+                </a:tc>
+                <a:tc>
+                  <a:txBody>
+                    <a:bodyPr/>
+                    <a:lstStyle/>
+                    <a:p>
+                      <a:endParaRPr lang="pt-BR" dirty="0"/>
+                    </a:p>
+                  </a:txBody>
+                  <a:tcPr/>
+                </a:tc>
+                <a:extLst>
+                  <a:ext uri="{0D108BD9-81ED-4DB2-BD59-A6C34878D82A}">
+                    <a16:rowId xmlns:a16="http://schemas.microsoft.com/office/drawing/2014/main" val="1929395480"/>
+                  </a:ext>
+                </a:extLst>
+              </a:tr>
+              <a:tr h="370840">
+                <a:tc>
+                  <a:txBody>
+                    <a:bodyPr/>
+                    <a:lstStyle/>
+                    <a:p>
+                      <a:r>
+                        <a:rPr lang="pt-BR" dirty="0" smtClean="0"/>
+                        <a:t>Telefone</a:t>
+                      </a:r>
+                      <a:endParaRPr lang="pt-BR" dirty="0"/>
+                    </a:p>
+                  </a:txBody>
+                  <a:tcPr/>
+                </a:tc>
+                <a:tc>
+                  <a:txBody>
+                    <a:bodyPr/>
+                    <a:lstStyle/>
+                    <a:p>
+                      <a:r>
+                        <a:rPr lang="pt-BR" dirty="0" err="1" smtClean="0"/>
+                        <a:t>Varchar</a:t>
+                      </a:r>
+                      <a:r>
+                        <a:rPr lang="pt-BR" dirty="0" smtClean="0"/>
+                        <a:t>(100)</a:t>
+                      </a:r>
+                      <a:endParaRPr lang="pt-BR" dirty="0"/>
+                    </a:p>
+                  </a:txBody>
+                  <a:tcPr/>
+                </a:tc>
+                <a:tc>
+                  <a:txBody>
+                    <a:bodyPr/>
+                    <a:lstStyle/>
+                    <a:p>
+                      <a:endParaRPr lang="pt-BR" dirty="0"/>
+                    </a:p>
+                  </a:txBody>
+                  <a:tcPr/>
+                </a:tc>
+                <a:extLst>
+                  <a:ext uri="{0D108BD9-81ED-4DB2-BD59-A6C34878D82A}">
+                    <a16:rowId xmlns:a16="http://schemas.microsoft.com/office/drawing/2014/main" val="2940149528"/>
+                  </a:ext>
+                </a:extLst>
+              </a:tr>
+              <a:tr h="370840">
+                <a:tc>
+                  <a:txBody>
+                    <a:bodyPr/>
+                    <a:lstStyle/>
+                    <a:p>
+                      <a:r>
+                        <a:rPr lang="pt-BR" dirty="0" smtClean="0"/>
+                        <a:t>CNPJ</a:t>
+                      </a:r>
+                      <a:endParaRPr lang="pt-BR" dirty="0"/>
+                    </a:p>
+                  </a:txBody>
+                  <a:tcPr/>
+                </a:tc>
+                <a:tc>
+                  <a:txBody>
+                    <a:bodyPr/>
+                    <a:lstStyle/>
+                    <a:p>
+                      <a:r>
+                        <a:rPr lang="pt-BR" dirty="0" err="1" smtClean="0"/>
+                        <a:t>Varchar</a:t>
+                      </a:r>
+                      <a:r>
+                        <a:rPr lang="pt-BR" dirty="0" smtClean="0"/>
+                        <a:t>(100)</a:t>
+                      </a:r>
+                      <a:endParaRPr lang="pt-BR" dirty="0"/>
+                    </a:p>
+                  </a:txBody>
+                  <a:tcPr/>
+                </a:tc>
+                <a:tc>
+                  <a:txBody>
+                    <a:bodyPr/>
+                    <a:lstStyle/>
+                    <a:p>
+                      <a:endParaRPr lang="pt-BR" dirty="0"/>
+                    </a:p>
+                  </a:txBody>
+                  <a:tcPr/>
+                </a:tc>
+                <a:extLst>
+                  <a:ext uri="{0D108BD9-81ED-4DB2-BD59-A6C34878D82A}">
+                    <a16:rowId xmlns:a16="http://schemas.microsoft.com/office/drawing/2014/main" val="1116382274"/>
+                  </a:ext>
+                </a:extLst>
+              </a:tr>
+            </a:tbl>
+          </a:graphicData>
+        </a:graphic>
+      </p:graphicFrame>
+      <p:sp>
+        <p:nvSpPr>
+          <p:cNvPr id="11" name="Título 1">
+            <a:extLst>
+              <a:ext uri="{FF2B5EF4-FFF2-40B4-BE49-F238E27FC236}">
+                <a16:creationId xmlns:a16="http://schemas.microsoft.com/office/drawing/2014/main" id="{0229AC0A-F8EF-158B-5D49-B06E1612EEDE}"/>
+              </a:ext>
+            </a:extLst>
+          </p:cNvPr>
+          <p:cNvSpPr txBox="1">
+            <a:spLocks/>
+          </p:cNvSpPr>
+          <p:nvPr/>
+        </p:nvSpPr>
+        <p:spPr>
+          <a:xfrm>
+            <a:off x="468503" y="763524"/>
+            <a:ext cx="10517176" cy="1527048"/>
+          </a:xfrm>
+          <a:prstGeom prst="rect">
+            <a:avLst/>
+          </a:prstGeom>
+        </p:spPr>
+        <p:txBody>
+          <a:bodyPr vert="horz" lIns="91440" tIns="45720" rIns="91440" bIns="45720" rtlCol="0" anchor="b">
+            <a:normAutofit/>
+          </a:bodyPr>
+          <a:lstStyle>
+            <a:lvl1pPr algn="l" defTabSz="914400" rtl="0" eaLnBrk="1" latinLnBrk="0" hangingPunct="1">
+              <a:lnSpc>
+                <a:spcPct val="90000"/>
+              </a:lnSpc>
+              <a:spcBef>
+                <a:spcPct val="0"/>
+              </a:spcBef>
+              <a:buNone/>
+              <a:defRPr sz="3600" b="1" kern="1200">
+                <a:solidFill>
+                  <a:schemeClr val="tx1"/>
+                </a:solidFill>
+                <a:latin typeface="+mj-lt"/>
+                <a:ea typeface="+mj-ea"/>
+                <a:cs typeface="+mj-cs"/>
+              </a:defRPr>
+            </a:lvl1pPr>
+          </a:lstStyle>
+          <a:p>
+            <a:pPr>
+              <a:spcBef>
+                <a:spcPts val="2500"/>
+              </a:spcBef>
+            </a:pPr>
+            <a:r>
+              <a:rPr lang="pt-BR" sz="1600" dirty="0" smtClean="0">
+                <a:latin typeface="Arial" panose="020B0604020202020204" pitchFamily="34" charset="0"/>
+                <a:cs typeface="Arial" panose="020B0604020202020204" pitchFamily="34" charset="0"/>
+              </a:rPr>
+              <a:t>Tabela Secretaria </a:t>
+            </a:r>
+            <a:endParaRPr lang="pt-BR" sz="1600" dirty="0">
+              <a:latin typeface="Arial" panose="020B0604020202020204" pitchFamily="34" charset="0"/>
+              <a:cs typeface="Arial" panose="020B0604020202020204" pitchFamily="34" charset="0"/>
+            </a:endParaRPr>
+          </a:p>
+        </p:txBody>
+      </p:sp>
+    </p:spTree>
+    <p:extLst>
+      <p:ext uri="{BB962C8B-B14F-4D97-AF65-F5344CB8AC3E}">
+        <p14:creationId xmlns:p14="http://schemas.microsoft.com/office/powerpoint/2010/main" val="1781215740"/>
+      </p:ext>
+    </p:extLst>
+  </p:cSld>
+  <p:clrMapOvr>
+    <a:masterClrMapping/>
+  </p:clrMapOvr>
+  <p:transition>
+    <p:fade/>
+  </p:transition>
+  <p:timing>
+    <p:tnLst>
+      <p:par>
+        <p:cTn id="1" dur="indefinite" restart="never" nodeType="tmRoot"/>
+      </p:par>
+    </p:tnLst>
+  </p:timing>
+</p:sld>
+</file>
+
+<file path=ppt/slides/slide18.xml><?xml version="1.0" encoding="utf-8"?>
+<p:sld xmlns:a="http://schemas.openxmlformats.org/drawingml/2006/main" xmlns:r="http://schemas.openxmlformats.org/officeDocument/2006/relationships" xmlns:p="http://schemas.openxmlformats.org/presentationml/2006/main">
+  <p:cSld>
+    <p:bg>
+      <p:bgPr>
+        <a:solidFill>
+          <a:schemeClr val="bg1"/>
+        </a:solidFill>
+        <a:effectLst/>
+      </p:bgPr>
+    </p:bg>
+    <p:spTree>
+      <p:nvGrpSpPr>
+        <p:cNvPr id="1" name="">
+          <a:extLst>
+            <a:ext uri="{FF2B5EF4-FFF2-40B4-BE49-F238E27FC236}">
+              <a16:creationId xmlns:a16="http://schemas.microsoft.com/office/drawing/2014/main" id="{ABC8E265-4279-B925-FBC6-668AF72F0DCF}"/>
+            </a:ext>
+          </a:extLst>
+        </p:cNvPr>
+        <p:cNvGrpSpPr/>
+        <p:nvPr/>
+      </p:nvGrpSpPr>
+      <p:grpSpPr>
+        <a:xfrm>
+          <a:off x="0" y="0"/>
+          <a:ext cx="0" cy="0"/>
+          <a:chOff x="0" y="0"/>
+          <a:chExt cx="0" cy="0"/>
+        </a:xfrm>
+      </p:grpSpPr>
+      <p:sp useBgFill="1">
+        <p:nvSpPr>
+          <p:cNvPr id="10" name="Rectangle 9">
+            <a:extLst>
+              <a:ext uri="{FF2B5EF4-FFF2-40B4-BE49-F238E27FC236}">
+                <a16:creationId xmlns:a16="http://schemas.microsoft.com/office/drawing/2014/main" id="{8450EF29-A29A-9417-2B09-074C04064425}"/>
+              </a:ext>
+              <a:ext uri="{C183D7F6-B498-43B3-948B-1728B52AA6E4}">
+                <adec:decorative xmlns:adec="http://schemas.microsoft.com/office/drawing/2017/decorative" xmlns="" val="1"/>
+              </a:ext>
+            </a:extLst>
+          </p:cNvPr>
+          <p:cNvSpPr>
+            <a:spLocks noGrp="1" noRot="1" noChangeAspect="1" noMove="1" noResize="1" noEditPoints="1" noAdjustHandles="1" noChangeArrowheads="1" noChangeShapeType="1" noTextEdit="1"/>
+          </p:cNvSpPr>
+          <p:nvPr>
+            <p:extLst>
+              <p:ext uri="{386F3935-93C4-4BCD-93E2-E3B085C9AB24}">
+                <p16:designElem xmlns:p16="http://schemas.microsoft.com/office/powerpoint/2015/main" val="1"/>
+              </p:ext>
+            </p:extLst>
+          </p:nvPr>
+        </p:nvSpPr>
+        <p:spPr>
+          <a:xfrm>
+            <a:off x="0" y="0"/>
+            <a:ext cx="12192000" cy="6858000"/>
+          </a:xfrm>
+          <a:prstGeom prst="rect">
+            <a:avLst/>
+          </a:prstGeom>
+          <a:ln w="12700" cap="flat" cmpd="sng" algn="ctr">
+            <a:noFill/>
+            <a:prstDash val="solid"/>
+            <a:miter lim="800000"/>
+          </a:ln>
+          <a:effectLst/>
+          <a:extLst>
+            <a:ext uri="{91240B29-F687-4F45-9708-019B960494DF}">
+              <a14:hiddenLine xmlns:a14="http://schemas.microsoft.com/office/drawing/2010/main" w="12700" cap="flat" cmpd="sng" algn="ctr">
+                <a:solidFill>
+                  <a:schemeClr val="accent1">
+                    <a:shade val="15000"/>
+                  </a:schemeClr>
+                </a:solidFill>
+                <a:prstDash val="solid"/>
+                <a:miter lim="800000"/>
+              </a14:hiddenLine>
+            </a:ext>
+          </a:extLst>
+        </p:spPr>
+        <p:style>
+          <a:lnRef idx="2">
+            <a:schemeClr val="accent1">
+              <a:shade val="15000"/>
+            </a:schemeClr>
+          </a:lnRef>
+          <a:fillRef idx="1">
+            <a:schemeClr val="accent1"/>
+          </a:fillRef>
+          <a:effectRef idx="0">
+            <a:schemeClr val="accent1"/>
+          </a:effectRef>
+          <a:fontRef idx="minor">
+            <a:schemeClr val="lt1"/>
+          </a:fontRef>
+        </p:style>
+        <p:txBody>
+          <a:bodyPr rtlCol="0" anchor="ctr"/>
+          <a:lstStyle/>
+          <a:p>
+            <a:pPr algn="ctr"/>
+            <a:endParaRPr lang="en-US"/>
+          </a:p>
+        </p:txBody>
+      </p:sp>
+      <p:sp>
+        <p:nvSpPr>
+          <p:cNvPr id="2" name="Título 1">
+            <a:extLst>
+              <a:ext uri="{FF2B5EF4-FFF2-40B4-BE49-F238E27FC236}">
+                <a16:creationId xmlns:a16="http://schemas.microsoft.com/office/drawing/2014/main" id="{4088EF13-93E0-2A25-DAC4-430EED1B9C18}"/>
+              </a:ext>
+            </a:extLst>
+          </p:cNvPr>
+          <p:cNvSpPr>
+            <a:spLocks noGrp="1"/>
+          </p:cNvSpPr>
+          <p:nvPr>
+            <p:ph type="title"/>
+          </p:nvPr>
+        </p:nvSpPr>
+        <p:spPr>
+          <a:xfrm>
+            <a:off x="468503" y="0"/>
+            <a:ext cx="10517176" cy="1527048"/>
+          </a:xfrm>
+        </p:spPr>
+        <p:txBody>
+          <a:bodyPr vert="horz" lIns="91440" tIns="45720" rIns="91440" bIns="45720" rtlCol="0" anchor="b">
+            <a:normAutofit/>
+          </a:bodyPr>
+          <a:lstStyle/>
+          <a:p>
+            <a:pPr>
+              <a:spcBef>
+                <a:spcPts val="2500"/>
+              </a:spcBef>
+            </a:pPr>
+            <a:r>
+              <a:rPr lang="pt-BR" dirty="0">
+                <a:latin typeface="Arial" panose="020B0604020202020204" pitchFamily="34" charset="0"/>
+                <a:cs typeface="Arial" panose="020B0604020202020204" pitchFamily="34" charset="0"/>
+              </a:rPr>
+              <a:t>DICIONÁRIO DE </a:t>
+            </a:r>
+            <a:r>
+              <a:rPr lang="pt-BR" dirty="0" smtClean="0">
+                <a:latin typeface="Arial" panose="020B0604020202020204" pitchFamily="34" charset="0"/>
+                <a:cs typeface="Arial" panose="020B0604020202020204" pitchFamily="34" charset="0"/>
+              </a:rPr>
+              <a:t>DADOS </a:t>
+            </a:r>
+            <a:r>
+              <a:rPr lang="pt-BR" dirty="0">
+                <a:latin typeface="Arial" panose="020B0604020202020204" pitchFamily="34" charset="0"/>
+                <a:cs typeface="Arial" panose="020B0604020202020204" pitchFamily="34" charset="0"/>
+              </a:rPr>
+              <a:t>[</a:t>
+            </a:r>
+            <a:r>
+              <a:rPr lang="pt-BR" dirty="0" smtClean="0">
+                <a:latin typeface="Arial" panose="020B0604020202020204" pitchFamily="34" charset="0"/>
+                <a:cs typeface="Arial" panose="020B0604020202020204" pitchFamily="34" charset="0"/>
+              </a:rPr>
+              <a:t>R01]</a:t>
+            </a:r>
+            <a:endParaRPr lang="pt-BR" sz="3600" dirty="0">
+              <a:latin typeface="Arial" panose="020B0604020202020204" pitchFamily="34" charset="0"/>
+              <a:cs typeface="Arial" panose="020B0604020202020204" pitchFamily="34" charset="0"/>
+            </a:endParaRPr>
+          </a:p>
+        </p:txBody>
+      </p:sp>
+      <p:graphicFrame>
+        <p:nvGraphicFramePr>
+          <p:cNvPr id="9" name="Espaço Reservado para Conteúdo 8">
+            <a:extLst>
+              <a:ext uri="{FF2B5EF4-FFF2-40B4-BE49-F238E27FC236}">
+                <a16:creationId xmlns:a16="http://schemas.microsoft.com/office/drawing/2014/main" id="{AE6A2ECC-39B2-D582-178A-3B96D8FBBBF5}"/>
+              </a:ext>
+            </a:extLst>
+          </p:cNvPr>
+          <p:cNvGraphicFramePr>
+            <a:graphicFrameLocks noGrp="1"/>
+          </p:cNvGraphicFramePr>
+          <p:nvPr>
+            <p:ph sz="half" idx="2"/>
+            <p:extLst>
+              <p:ext uri="{D42A27DB-BD31-4B8C-83A1-F6EECF244321}">
+                <p14:modId xmlns:p14="http://schemas.microsoft.com/office/powerpoint/2010/main" val="72094410"/>
+              </p:ext>
+            </p:extLst>
+          </p:nvPr>
+        </p:nvGraphicFramePr>
+        <p:xfrm>
+          <a:off x="566670" y="2250628"/>
+          <a:ext cx="10071279" cy="2595880"/>
+        </p:xfrm>
+        <a:graphic>
+          <a:graphicData uri="http://schemas.openxmlformats.org/drawingml/2006/table">
+            <a:tbl>
+              <a:tblPr firstRow="1" bandRow="1">
+                <a:tableStyleId>{5C22544A-7EE6-4342-B048-85BDC9FD1C3A}</a:tableStyleId>
+              </a:tblPr>
+              <a:tblGrid>
+                <a:gridCol w="3357093">
+                  <a:extLst>
+                    <a:ext uri="{9D8B030D-6E8A-4147-A177-3AD203B41FA5}">
+                      <a16:colId xmlns:a16="http://schemas.microsoft.com/office/drawing/2014/main" val="1759235190"/>
+                    </a:ext>
+                  </a:extLst>
+                </a:gridCol>
+                <a:gridCol w="3357093">
+                  <a:extLst>
+                    <a:ext uri="{9D8B030D-6E8A-4147-A177-3AD203B41FA5}">
+                      <a16:colId xmlns:a16="http://schemas.microsoft.com/office/drawing/2014/main" val="2611790632"/>
+                    </a:ext>
+                  </a:extLst>
+                </a:gridCol>
+                <a:gridCol w="3357093">
+                  <a:extLst>
+                    <a:ext uri="{9D8B030D-6E8A-4147-A177-3AD203B41FA5}">
+                      <a16:colId xmlns:a16="http://schemas.microsoft.com/office/drawing/2014/main" val="2783851260"/>
+                    </a:ext>
+                  </a:extLst>
+                </a:gridCol>
+              </a:tblGrid>
+              <a:tr h="370840">
+                <a:tc>
+                  <a:txBody>
+                    <a:bodyPr/>
+                    <a:lstStyle/>
+                    <a:p>
+                      <a:r>
+                        <a:rPr lang="pt-BR" dirty="0"/>
+                        <a:t>Campo</a:t>
+                      </a:r>
+                    </a:p>
+                  </a:txBody>
+                  <a:tcPr/>
+                </a:tc>
+                <a:tc>
+                  <a:txBody>
+                    <a:bodyPr/>
+                    <a:lstStyle/>
+                    <a:p>
+                      <a:r>
+                        <a:rPr lang="pt-BR" dirty="0"/>
+                        <a:t>Tipo de Dados</a:t>
+                      </a:r>
+                    </a:p>
+                  </a:txBody>
+                  <a:tcPr/>
+                </a:tc>
+                <a:tc>
+                  <a:txBody>
+                    <a:bodyPr/>
+                    <a:lstStyle/>
+                    <a:p>
+                      <a:r>
+                        <a:rPr lang="pt-BR" dirty="0"/>
+                        <a:t>OBS</a:t>
+                      </a:r>
+                    </a:p>
+                  </a:txBody>
+                  <a:tcPr/>
+                </a:tc>
+                <a:extLst>
+                  <a:ext uri="{0D108BD9-81ED-4DB2-BD59-A6C34878D82A}">
+                    <a16:rowId xmlns:a16="http://schemas.microsoft.com/office/drawing/2014/main" val="996086151"/>
+                  </a:ext>
+                </a:extLst>
+              </a:tr>
+              <a:tr h="370840">
+                <a:tc>
+                  <a:txBody>
+                    <a:bodyPr/>
+                    <a:lstStyle/>
+                    <a:p>
+                      <a:r>
+                        <a:rPr lang="pt-BR" dirty="0" err="1" smtClean="0"/>
+                        <a:t>IdEntrada</a:t>
+                      </a:r>
+                      <a:endParaRPr lang="pt-BR" dirty="0"/>
+                    </a:p>
+                  </a:txBody>
+                  <a:tcPr/>
+                </a:tc>
+                <a:tc>
+                  <a:txBody>
+                    <a:bodyPr/>
+                    <a:lstStyle/>
+                    <a:p>
+                      <a:r>
+                        <a:rPr lang="pt-BR" dirty="0" err="1"/>
+                        <a:t>Int</a:t>
+                      </a:r>
+                      <a:endParaRPr lang="pt-BR" dirty="0"/>
+                    </a:p>
+                  </a:txBody>
+                  <a:tcPr/>
+                </a:tc>
+                <a:tc>
+                  <a:txBody>
+                    <a:bodyPr/>
+                    <a:lstStyle/>
+                    <a:p>
+                      <a:r>
+                        <a:rPr lang="pt-BR" dirty="0"/>
+                        <a:t>Chave Primária</a:t>
+                      </a:r>
+                    </a:p>
+                  </a:txBody>
+                  <a:tcPr/>
+                </a:tc>
+                <a:extLst>
+                  <a:ext uri="{0D108BD9-81ED-4DB2-BD59-A6C34878D82A}">
+                    <a16:rowId xmlns:a16="http://schemas.microsoft.com/office/drawing/2014/main" val="1004326904"/>
+                  </a:ext>
+                </a:extLst>
+              </a:tr>
+              <a:tr h="370840">
+                <a:tc>
+                  <a:txBody>
+                    <a:bodyPr/>
+                    <a:lstStyle/>
+                    <a:p>
+                      <a:r>
+                        <a:rPr lang="pt-BR" dirty="0" err="1" smtClean="0"/>
+                        <a:t>IdFornecedor</a:t>
+                      </a:r>
+                      <a:endParaRPr lang="pt-BR" dirty="0"/>
+                    </a:p>
+                  </a:txBody>
+                  <a:tcPr/>
+                </a:tc>
+                <a:tc>
+                  <a:txBody>
+                    <a:bodyPr/>
+                    <a:lstStyle/>
+                    <a:p>
+                      <a:r>
+                        <a:rPr lang="pt-BR" dirty="0" err="1" smtClean="0"/>
+                        <a:t>Int</a:t>
+                      </a:r>
+                      <a:endParaRPr lang="pt-BR" dirty="0"/>
+                    </a:p>
+                  </a:txBody>
+                  <a:tcPr/>
+                </a:tc>
+                <a:tc>
+                  <a:txBody>
+                    <a:bodyPr/>
+                    <a:lstStyle/>
+                    <a:p>
+                      <a:r>
+                        <a:rPr lang="pt-BR" dirty="0" smtClean="0"/>
+                        <a:t>Chave Estrangeira</a:t>
+                      </a:r>
+                      <a:endParaRPr lang="pt-BR" dirty="0"/>
+                    </a:p>
+                  </a:txBody>
+                  <a:tcPr/>
+                </a:tc>
+                <a:extLst>
+                  <a:ext uri="{0D108BD9-81ED-4DB2-BD59-A6C34878D82A}">
+                    <a16:rowId xmlns:a16="http://schemas.microsoft.com/office/drawing/2014/main" val="1354368322"/>
+                  </a:ext>
+                </a:extLst>
+              </a:tr>
+              <a:tr h="370840">
+                <a:tc>
+                  <a:txBody>
+                    <a:bodyPr/>
+                    <a:lstStyle/>
+                    <a:p>
+                      <a:r>
+                        <a:rPr lang="pt-BR" dirty="0" err="1" smtClean="0"/>
+                        <a:t>DataEntrada</a:t>
+                      </a:r>
+                      <a:endParaRPr lang="pt-BR" dirty="0"/>
+                    </a:p>
+                  </a:txBody>
+                  <a:tcPr/>
+                </a:tc>
+                <a:tc>
+                  <a:txBody>
+                    <a:bodyPr/>
+                    <a:lstStyle/>
+                    <a:p>
+                      <a:r>
+                        <a:rPr lang="pt-BR" dirty="0" err="1" smtClean="0"/>
+                        <a:t>DateTime</a:t>
+                      </a:r>
+                      <a:endParaRPr lang="pt-BR" dirty="0"/>
+                    </a:p>
+                  </a:txBody>
+                  <a:tcPr/>
+                </a:tc>
+                <a:tc>
+                  <a:txBody>
+                    <a:bodyPr/>
+                    <a:lstStyle/>
+                    <a:p>
+                      <a:endParaRPr lang="pt-BR" dirty="0"/>
+                    </a:p>
+                  </a:txBody>
+                  <a:tcPr/>
+                </a:tc>
+                <a:extLst>
+                  <a:ext uri="{0D108BD9-81ED-4DB2-BD59-A6C34878D82A}">
+                    <a16:rowId xmlns:a16="http://schemas.microsoft.com/office/drawing/2014/main" val="2790910923"/>
+                  </a:ext>
+                </a:extLst>
+              </a:tr>
+              <a:tr h="370840">
+                <a:tc>
+                  <a:txBody>
+                    <a:bodyPr/>
+                    <a:lstStyle/>
+                    <a:p>
+                      <a:r>
+                        <a:rPr lang="pt-BR" dirty="0" err="1" smtClean="0"/>
+                        <a:t>obs</a:t>
+                      </a:r>
+                      <a:endParaRPr lang="pt-BR" dirty="0"/>
+                    </a:p>
+                  </a:txBody>
+                  <a:tcPr/>
+                </a:tc>
+                <a:tc>
+                  <a:txBody>
+                    <a:bodyPr/>
+                    <a:lstStyle/>
+                    <a:p>
+                      <a:r>
+                        <a:rPr lang="pt-BR" dirty="0" err="1" smtClean="0"/>
+                        <a:t>int</a:t>
+                      </a:r>
                       <a:endParaRPr lang="pt-BR" dirty="0"/>
                     </a:p>
                   </a:txBody>
@@ -12980,18 +14019,11 @@
               </a:spcBef>
             </a:pPr>
             <a:r>
-              <a:rPr lang="pt-BR" sz="1600" dirty="0">
-                <a:latin typeface="Arial" panose="020B0604020202020204" pitchFamily="34" charset="0"/>
-                <a:cs typeface="Arial" panose="020B0604020202020204" pitchFamily="34" charset="0"/>
-              </a:rPr>
-              <a:t>Tabela </a:t>
-            </a:r>
-            <a:r>
               <a:rPr lang="pt-BR" sz="1600" dirty="0" smtClean="0">
                 <a:latin typeface="Arial" panose="020B0604020202020204" pitchFamily="34" charset="0"/>
                 <a:cs typeface="Arial" panose="020B0604020202020204" pitchFamily="34" charset="0"/>
               </a:rPr>
-              <a:t>Entrada</a:t>
+              <a:t>Tabela Entrada </a:t>
             </a:r>
             <a:endParaRPr lang="pt-BR" sz="1600" dirty="0">
               <a:latin typeface="Arial" panose="020B0604020202020204" pitchFamily="34" charset="0"/>
@@ -13003,7 +14035,7 @@
     </p:spTree>
     <p:extLst>
       <p:ext uri="{BB962C8B-B14F-4D97-AF65-F5344CB8AC3E}">
-        <p14:creationId xmlns:p14="http://schemas.microsoft.com/office/powerpoint/2010/main" val="1746059493"/>
+        <p14:creationId xmlns:p14="http://schemas.microsoft.com/office/powerpoint/2010/main" val="3031495936"/>
       </p:ext>
     </p:extLst>
   </p:cSld>
@@ -13023,7 +14055,7 @@
 </p:sld>
 </file>
 
-<file path=ppt/slides/slide18.xml><?xml version="1.0" encoding="utf-8"?>
+<file path=ppt/slides/slide19.xml><?xml version="1.0" encoding="utf-8"?>
 <p:sld xmlns:a="http://schemas.openxmlformats.org/drawingml/2006/main" xmlns:r="http://schemas.openxmlformats.org/officeDocument/2006/relationships" xmlns:p="http://schemas.openxmlformats.org/presentationml/2006/main">
   <p:cSld>
     <p:bg>
@@ -13214,14 +14246,14 @@
             <p:ph sz="half" idx="2"/>
             <p:extLst>
               <p:ext uri="{D42A27DB-BD31-4B8C-83A1-F6EECF244321}">
-                <p14:modId xmlns:p14="http://schemas.microsoft.com/office/powerpoint/2010/main" val="1308543067"/>
+                <p14:modId xmlns:p14="http://schemas.microsoft.com/office/powerpoint/2010/main" val="2261754477"/>
               </p:ext>
             </p:extLst>
           </p:nvPr>
         </p:nvGraphicFramePr>
         <p:xfrm>
           <a:off x="566670" y="2250628"/>
-          <a:ext cx="10071279" cy="2966720"/>
+          <a:ext cx="10071279" cy="2595880"/>
         </p:xfrm>
         <a:graphic>
           <a:graphicData uri="http://schemas.openxmlformats.org/drawingml/2006/table">
@@ -13305,9 +14337,10 @@
                     <a:lstStyle/>
                     <a:p>
                       <a:r>
-                        <a:rPr lang="pt-BR" dirty="0"/>
-                        <a:t>Código</a:t>
+                        <a:rPr lang="pt-BR" dirty="0" err="1" smtClean="0"/>
+                        <a:t>IdSaida</a:t>
                       </a:r>
+                      <a:endParaRPr lang="pt-BR" dirty="0"/>
                     </a:p>
                   </a:txBody>
                   <a:tcPr/>
@@ -13353,7 +14386,101 @@
                     <a:p>
                       <a:r>
                         <a:rPr lang="pt-BR" dirty="0" err="1" smtClean="0"/>
-                        <a:t>CodigoProduto</a:t>
+                        <a:t>IdSecretaria</a:t>
+                      </a:r>
+                      <a:endParaRPr lang="pt-BR" dirty="0"/>
+                    </a:p>
+                  </a:txBody>
+                  <a:tcPr/>
+                </a:tc>
+                <a:tc>
+                  <a:txBody>
+                    <a:bodyPr/>
+                    <a:lstStyle/>
+                    <a:p>
+                      <a:r>
+                        <a:rPr lang="pt-BR" dirty="0" err="1" smtClean="0"/>
+                        <a:t>Int</a:t>
+                      </a:r>
+                      <a:endParaRPr lang="pt-BR" dirty="0"/>
+                    </a:p>
+                  </a:txBody>
+                  <a:tcPr/>
+                </a:tc>
+                <a:tc>
+                  <a:txBody>
+                    <a:bodyPr/>
+                    <a:lstStyle/>
+                    <a:p>
+                      <a:r>
+                        <a:rPr lang="pt-BR" dirty="0" smtClean="0"/>
+                        <a:t>Chave</a:t>
+                      </a:r>
+                      <a:r>
+                        <a:rPr lang="pt-BR" baseline="0" dirty="0" smtClean="0"/>
+                        <a:t> Estrangeira</a:t>
+                      </a:r>
+                      <a:endParaRPr lang="pt-BR" dirty="0"/>
+                    </a:p>
+                  </a:txBody>
+                  <a:tcPr/>
+                </a:tc>
+                <a:extLst>
+                  <a:ext uri="{0D108BD9-81ED-4DB2-BD59-A6C34878D82A}">
+                    <a16:rowId xmlns:a16="http://schemas.microsoft.com/office/drawing/2014/main" val="1354368322"/>
+                  </a:ext>
+                </a:extLst>
+              </a:tr>
+              <a:tr h="370840">
+                <a:tc>
+                  <a:txBody>
+                    <a:bodyPr/>
+                    <a:lstStyle/>
+                    <a:p>
+                      <a:r>
+                        <a:rPr lang="pt-BR" dirty="0" err="1" smtClean="0"/>
+                        <a:t>DataSaida</a:t>
+                      </a:r>
+                      <a:endParaRPr lang="pt-BR" dirty="0"/>
+                    </a:p>
+                  </a:txBody>
+                  <a:tcPr/>
+                </a:tc>
+                <a:tc>
+                  <a:txBody>
+                    <a:bodyPr/>
+                    <a:lstStyle/>
+                    <a:p>
+                      <a:endParaRPr lang="pt-BR" dirty="0"/>
+                    </a:p>
+                  </a:txBody>
+                  <a:tcPr/>
+                </a:tc>
+                <a:tc>
+                  <a:txBody>
+                    <a:bodyPr/>
+                    <a:lstStyle/>
+                    <a:p>
+                      <a:endParaRPr lang="pt-BR" dirty="0"/>
+                    </a:p>
+                  </a:txBody>
+                  <a:tcPr/>
+                </a:tc>
+                <a:extLst>
+                  <a:ext uri="{0D108BD9-81ED-4DB2-BD59-A6C34878D82A}">
+                    <a16:rowId xmlns:a16="http://schemas.microsoft.com/office/drawing/2014/main" val="2790910923"/>
+                  </a:ext>
+                </a:extLst>
+              </a:tr>
+              <a:tr h="370840">
+                <a:tc>
+                  <a:txBody>
+                    <a:bodyPr/>
+                    <a:lstStyle/>
+                    <a:p>
+                      <a:r>
+                        <a:rPr lang="pt-BR" dirty="0" err="1" smtClean="0"/>
+                        <a:t>obs</a:t>
                       </a:r>
                       <a:endParaRPr lang="pt-BR" dirty="0"/>
                     </a:p>
@@ -13386,7 +14513,7 @@
                 </a:tc>
                 <a:extLst>
                   <a:ext uri="{0D108BD9-81ED-4DB2-BD59-A6C34878D82A}">
-                    <a16:rowId xmlns:a16="http://schemas.microsoft.com/office/drawing/2014/main" val="1354368322"/>
+                    <a16:rowId xmlns:a16="http://schemas.microsoft.com/office/drawing/2014/main" val="1929395480"/>
                   </a:ext>
                 </a:extLst>
               </a:tr>
@@ -13396,10 +14523,6 @@
                     <a:bodyPr/>
                     <a:lstStyle/>
                     <a:p>
-                      <a:r>
-                        <a:rPr lang="pt-BR" dirty="0" err="1" smtClean="0"/>
-                        <a:t>CodigoEntrada</a:t>
-                      </a:r>
                       <a:endParaRPr lang="pt-BR" dirty="0"/>
                     </a:p>
                   </a:txBody>
@@ -13410,145 +14533,6 @@
                     <a:bodyPr/>
                     <a:lstStyle/>
                     <a:p>
-                      <a:r>
-                        <a:rPr lang="pt-BR" dirty="0" err="1" smtClean="0"/>
-                        <a:t>int</a:t>
-                      </a:r>
-                      <a:endParaRPr lang="pt-BR" dirty="0"/>
-                    </a:p>
-                  </a:txBody>
-                  <a:tcPr/>
-                </a:tc>
-                <a:tc>
-                  <a:txBody>
-                    <a:bodyPr/>
-                    <a:lstStyle/>
-                    <a:p>
-                      <a:endParaRPr lang="pt-BR" dirty="0"/>
-                    </a:p>
-                  </a:txBody>
-                  <a:tcPr/>
-                </a:tc>
-                <a:extLst>
-                  <a:ext uri="{0D108BD9-81ED-4DB2-BD59-A6C34878D82A}">
-                    <a16:rowId xmlns:a16="http://schemas.microsoft.com/office/drawing/2014/main" val="275426533"/>
-                  </a:ext>
-                </a:extLst>
-              </a:tr>
-              <a:tr h="370840">
-                <a:tc>
-                  <a:txBody>
-                    <a:bodyPr/>
-                    <a:lstStyle/>
-                    <a:p>
-                      <a:r>
-                        <a:rPr lang="pt-BR" dirty="0" smtClean="0"/>
-                        <a:t>Quantidade</a:t>
-                      </a:r>
-                      <a:endParaRPr lang="pt-BR" dirty="0"/>
-                    </a:p>
-                  </a:txBody>
-                  <a:tcPr/>
-                </a:tc>
-                <a:tc>
-                  <a:txBody>
-                    <a:bodyPr/>
-                    <a:lstStyle/>
-                    <a:p>
-                      <a:r>
-                        <a:rPr lang="pt-BR" dirty="0" err="1" smtClean="0"/>
-                        <a:t>Int</a:t>
-                      </a:r>
-                      <a:endParaRPr lang="pt-BR" dirty="0"/>
-                    </a:p>
-                  </a:txBody>
-                  <a:tcPr/>
-                </a:tc>
-                <a:tc>
-                  <a:txBody>
-                    <a:bodyPr/>
-                    <a:lstStyle/>
-                    <a:p>
-                      <a:endParaRPr lang="pt-BR" dirty="0"/>
-                    </a:p>
-                  </a:txBody>
-                  <a:tcPr/>
-                </a:tc>
-                <a:extLst>
-                  <a:ext uri="{0D108BD9-81ED-4DB2-BD59-A6C34878D82A}">
-                    <a16:rowId xmlns:a16="http://schemas.microsoft.com/office/drawing/2014/main" val="2790910923"/>
-                  </a:ext>
-                </a:extLst>
-              </a:tr>
-              <a:tr h="370840">
-                <a:tc>
-                  <a:txBody>
-                    <a:bodyPr/>
-                    <a:lstStyle/>
-                    <a:p>
-                      <a:r>
-                        <a:rPr lang="pt-BR" dirty="0" err="1" smtClean="0"/>
-                        <a:t>Preco</a:t>
-                      </a:r>
-                      <a:endParaRPr lang="pt-BR" dirty="0"/>
-                    </a:p>
-                  </a:txBody>
-                  <a:tcPr/>
-                </a:tc>
-                <a:tc>
-                  <a:txBody>
-                    <a:bodyPr/>
-                    <a:lstStyle/>
-                    <a:p>
-                      <a:r>
-                        <a:rPr lang="pt-BR" dirty="0" smtClean="0"/>
-                        <a:t>Double</a:t>
-                      </a:r>
-                      <a:endParaRPr lang="pt-BR" dirty="0"/>
-                    </a:p>
-                  </a:txBody>
-                  <a:tcPr/>
-                </a:tc>
-                <a:tc>
-                  <a:txBody>
-                    <a:bodyPr/>
-                    <a:lstStyle/>
-                    <a:p>
-                      <a:endParaRPr lang="pt-BR" dirty="0"/>
-                    </a:p>
-                  </a:txBody>
-                  <a:tcPr/>
-                </a:tc>
-                <a:extLst>
-                  <a:ext uri="{0D108BD9-81ED-4DB2-BD59-A6C34878D82A}">
-                    <a16:rowId xmlns:a16="http://schemas.microsoft.com/office/drawing/2014/main" val="1929395480"/>
-                  </a:ext>
-                </a:extLst>
-              </a:tr>
-              <a:tr h="370840">
-                <a:tc>
-                  <a:txBody>
-                    <a:bodyPr/>
-                    <a:lstStyle/>
-                    <a:p>
-                      <a:r>
-                        <a:rPr lang="pt-BR" dirty="0" smtClean="0"/>
-                        <a:t>Total</a:t>
-                      </a:r>
-                      <a:endParaRPr lang="pt-BR" dirty="0"/>
-                    </a:p>
-                  </a:txBody>
-                  <a:tcPr/>
-                </a:tc>
-                <a:tc>
-                  <a:txBody>
-                    <a:bodyPr/>
-                    <a:lstStyle/>
-                    <a:p>
-                      <a:r>
-                        <a:rPr lang="pt-BR" dirty="0" smtClean="0"/>
-                        <a:t>Double</a:t>
-                      </a:r>
                       <a:endParaRPr lang="pt-BR" dirty="0"/>
                     </a:p>
                   </a:txBody>
@@ -13664,7 +14648,7 @@
               </a:spcBef>
             </a:pPr>
             <a:r>
-              <a:rPr lang="pt-BR" sz="1600" dirty="0">
+              <a:rPr lang="pt-BR" sz="1600" dirty="0" smtClean="0">
                 <a:latin typeface="Arial" panose="020B0604020202020204" pitchFamily="34" charset="0"/>
                 <a:cs typeface="Arial" panose="020B0604020202020204" pitchFamily="34" charset="0"/>
               </a:rPr>
@@ -13675,7 +14659,14 @@
                 <a:latin typeface="Arial" panose="020B0604020202020204" pitchFamily="34" charset="0"/>
                 <a:cs typeface="Arial" panose="020B0604020202020204" pitchFamily="34" charset="0"/>
               </a:rPr>
-              <a:t>ItensEntrada</a:t>
+              <a:t>Saida</a:t>
+            </a:r>
+            <a:r>
+              <a:rPr lang="pt-BR" sz="1600" dirty="0" smtClean="0">
+                <a:latin typeface="Arial" panose="020B0604020202020204" pitchFamily="34" charset="0"/>
+                <a:cs typeface="Arial" panose="020B0604020202020204" pitchFamily="34" charset="0"/>
+              </a:rPr>
+              <a:t> </a:t>
             </a:r>
             <a:endParaRPr lang="pt-BR" sz="1600" dirty="0">
               <a:latin typeface="Arial" panose="020B0604020202020204" pitchFamily="34" charset="0"/>
@@ -13687,7 +14678,7 @@
     </p:spTree>
     <p:extLst>
       <p:ext uri="{BB962C8B-B14F-4D97-AF65-F5344CB8AC3E}">
-        <p14:creationId xmlns:p14="http://schemas.microsoft.com/office/powerpoint/2010/main" val="698005730"/>
+        <p14:creationId xmlns:p14="http://schemas.microsoft.com/office/powerpoint/2010/main" val="709129036"/>
       </p:ext>
     </p:extLst>
   </p:cSld>
@@ -13704,166 +14695,6 @@
       </p:par>
     </p:tnLst>
   </p:timing>
-</p:sld>
-</file>
-
-<file path=ppt/slides/slide19.xml><?xml version="1.0" encoding="utf-8"?>
-<p:sld xmlns:a="http://schemas.openxmlformats.org/drawingml/2006/main" xmlns:r="http://schemas.openxmlformats.org/officeDocument/2006/relationships" xmlns:p="http://schemas.openxmlformats.org/presentationml/2006/main">
-  <p:cSld>
-    <p:bg>
-      <p:bgPr>
-        <a:solidFill>
-          <a:schemeClr val="bg1"/>
-        </a:solidFill>
-        <a:effectLst/>
-      </p:bgPr>
-    </p:bg>
-    <p:spTree>
-      <p:nvGrpSpPr>
-        <p:cNvPr id="1" name=""/>
-        <p:cNvGrpSpPr/>
-        <p:nvPr/>
-      </p:nvGrpSpPr>
-      <p:grpSpPr>
-        <a:xfrm>
-          <a:off x="0" y="0"/>
-          <a:ext cx="0" cy="0"/>
-          <a:chOff x="0" y="0"/>
-          <a:chExt cx="0" cy="0"/>
-        </a:xfrm>
-      </p:grpSpPr>
-      <p:sp useBgFill="1">
-        <p:nvSpPr>
-          <p:cNvPr id="10" name="Rectangle 9">
-            <a:extLst>
-              <a:ext uri="{FF2B5EF4-FFF2-40B4-BE49-F238E27FC236}">
-                <a16:creationId xmlns:a16="http://schemas.microsoft.com/office/drawing/2014/main" id="{5E8D3B17-7638-DFD3-18E4-8A6D611749CF}"/>
-              </a:ext>
-              <a:ext uri="{C183D7F6-B498-43B3-948B-1728B52AA6E4}">
-                <adec:decorative xmlns:adec="http://schemas.microsoft.com/office/drawing/2017/decorative" xmlns="" val="1"/>
-              </a:ext>
-            </a:extLst>
-          </p:cNvPr>
-          <p:cNvSpPr>
-            <a:spLocks noGrp="1" noRot="1" noChangeAspect="1" noMove="1" noResize="1" noEditPoints="1" noAdjustHandles="1" noChangeArrowheads="1" noChangeShapeType="1" noTextEdit="1"/>
-          </p:cNvSpPr>
-          <p:nvPr>
-            <p:extLst>
-              <p:ext uri="{386F3935-93C4-4BCD-93E2-E3B085C9AB24}">
-                <p16:designElem xmlns:p16="http://schemas.microsoft.com/office/powerpoint/2015/main" val="1"/>
-              </p:ext>
-            </p:extLst>
-          </p:nvPr>
-        </p:nvSpPr>
-        <p:spPr>
-          <a:xfrm>
-            <a:off x="0" y="0"/>
-            <a:ext cx="12192000" cy="6858000"/>
-          </a:xfrm>
-          <a:prstGeom prst="rect">
-            <a:avLst/>
-          </a:prstGeom>
-          <a:ln w="12700" cap="flat" cmpd="sng" algn="ctr">
-            <a:noFill/>
-            <a:prstDash val="solid"/>
-            <a:miter lim="800000"/>
-          </a:ln>
-          <a:effectLst/>
-          <a:extLst>
-            <a:ext uri="{91240B29-F687-4F45-9708-019B960494DF}">
-              <a14:hiddenLine xmlns:a14="http://schemas.microsoft.com/office/drawing/2010/main" w="12700" cap="flat" cmpd="sng" algn="ctr">
-                <a:solidFill>
-                  <a:schemeClr val="accent1">
-                    <a:shade val="15000"/>
-                  </a:schemeClr>
-                </a:solidFill>
-                <a:prstDash val="solid"/>
-                <a:miter lim="800000"/>
-              </a14:hiddenLine>
-            </a:ext>
-          </a:extLst>
-        </p:spPr>
-        <p:style>
-          <a:lnRef idx="2">
-            <a:schemeClr val="accent1">
-              <a:shade val="15000"/>
-            </a:schemeClr>
-          </a:lnRef>
-          <a:fillRef idx="1">
-            <a:schemeClr val="accent1"/>
-          </a:fillRef>
-          <a:effectRef idx="0">
-            <a:schemeClr val="accent1"/>
-          </a:effectRef>
-          <a:fontRef idx="minor">
-            <a:schemeClr val="lt1"/>
-          </a:fontRef>
-        </p:style>
-        <p:txBody>
-          <a:bodyPr rtlCol="0" anchor="ctr"/>
-          <a:lstStyle/>
-          <a:p>
-            <a:pPr algn="ctr"/>
-            <a:endParaRPr lang="en-US"/>
-          </a:p>
-        </p:txBody>
-      </p:sp>
-      <p:sp>
-        <p:nvSpPr>
-          <p:cNvPr id="2" name="Título 1">
-            <a:extLst>
-              <a:ext uri="{FF2B5EF4-FFF2-40B4-BE49-F238E27FC236}">
-                <a16:creationId xmlns:a16="http://schemas.microsoft.com/office/drawing/2014/main" id="{D4CDB794-FD66-B57C-5DB2-D14CF7301A4E}"/>
-              </a:ext>
-            </a:extLst>
-          </p:cNvPr>
-          <p:cNvSpPr>
-            <a:spLocks noGrp="1"/>
-          </p:cNvSpPr>
-          <p:nvPr>
-            <p:ph type="title"/>
-          </p:nvPr>
-        </p:nvSpPr>
-        <p:spPr>
-          <a:xfrm>
-            <a:off x="1022295" y="2665927"/>
-            <a:ext cx="5916168" cy="919938"/>
-          </a:xfrm>
-        </p:spPr>
-        <p:txBody>
-          <a:bodyPr vert="horz" lIns="91440" tIns="45720" rIns="91440" bIns="45720" rtlCol="0" anchor="b">
-            <a:normAutofit/>
-          </a:bodyPr>
-          <a:lstStyle/>
-          <a:p>
-            <a:r>
-              <a:rPr lang="en-US" dirty="0"/>
-              <a:t>Wireframe</a:t>
-            </a:r>
-            <a:endParaRPr lang="en-US" b="1" kern="1200" dirty="0">
-              <a:solidFill>
-                <a:schemeClr val="tx1"/>
-              </a:solidFill>
-              <a:latin typeface="+mj-lt"/>
-              <a:ea typeface="+mj-ea"/>
-              <a:cs typeface="+mj-cs"/>
-            </a:endParaRPr>
-          </a:p>
-        </p:txBody>
-      </p:sp>
-    </p:spTree>
-    <p:extLst>
-      <p:ext uri="{BB962C8B-B14F-4D97-AF65-F5344CB8AC3E}">
-        <p14:creationId xmlns:p14="http://schemas.microsoft.com/office/powerpoint/2010/main" val="827370966"/>
-      </p:ext>
-    </p:extLst>
-  </p:cSld>
-  <p:clrMapOvr>
-    <a:masterClrMapping/>
-  </p:clrMapOvr>
-  <p:transition>
-    <p:fade/>
-  </p:transition>
 </p:sld>
 </file>
 
@@ -14341,7 +15172,13 @@
     </p:bg>
     <p:spTree>
       <p:nvGrpSpPr>
-        <p:cNvPr id="1" name=""/>
+        <p:cNvPr id="1" name="">
+          <a:extLst>
+            <a:ext uri="{FF2B5EF4-FFF2-40B4-BE49-F238E27FC236}">
+              <a16:creationId xmlns:a16="http://schemas.microsoft.com/office/drawing/2014/main" id="{ABC8E265-4279-B925-FBC6-668AF72F0DCF}"/>
+            </a:ext>
+          </a:extLst>
+        </p:cNvPr>
         <p:cNvGrpSpPr/>
         <p:nvPr/>
       </p:nvGrpSpPr>
@@ -14358,7 +15195,7 @@
           <p:cNvPr id="10" name="Rectangle 9">
             <a:extLst>
               <a:ext uri="{FF2B5EF4-FFF2-40B4-BE49-F238E27FC236}">
-                <a16:creationId xmlns:a16="http://schemas.microsoft.com/office/drawing/2014/main" id="{5E8D3B17-7638-DFD3-18E4-8A6D611749CF}"/>
+                <a16:creationId xmlns:a16="http://schemas.microsoft.com/office/drawing/2014/main" id="{8450EF29-A29A-9417-2B09-074C04064425}"/>
               </a:ext>
               <a:ext uri="{C183D7F6-B498-43B3-948B-1728B52AA6E4}">
                 <adec:decorative xmlns:adec="http://schemas.microsoft.com/office/drawing/2017/decorative" xmlns="" val="1"/>
@@ -14429,43 +15266,12 @@
           </a:p>
         </p:txBody>
       </p:sp>
-      <p:pic>
-        <p:nvPicPr>
-          <p:cNvPr id="5" name="Espaço Reservado para Conteúdo 4" descr="Formulário web de login">
-            <a:extLst>
-              <a:ext uri="{FF2B5EF4-FFF2-40B4-BE49-F238E27FC236}">
-                <a16:creationId xmlns:a16="http://schemas.microsoft.com/office/drawing/2014/main" id="{9574661C-9C71-44C7-9C38-D5812FB73B79}"/>
-              </a:ext>
-            </a:extLst>
-          </p:cNvPr>
-          <p:cNvPicPr>
-            <a:picLocks noGrp="1" noChangeAspect="1"/>
-          </p:cNvPicPr>
-          <p:nvPr>
-            <p:ph sz="half" idx="1"/>
-          </p:nvPr>
-        </p:nvPicPr>
-        <p:blipFill>
-          <a:blip r:embed="rId3"/>
-          <a:srcRect l="27263" r="22617" b="1"/>
-          <a:stretch/>
-        </p:blipFill>
-        <p:spPr>
-          <a:xfrm>
-            <a:off x="1403817" y="1133346"/>
-            <a:ext cx="3748431" cy="5235252"/>
-          </a:xfrm>
-          <a:prstGeom prst="rect">
-            <a:avLst/>
-          </a:prstGeom>
-        </p:spPr>
-      </p:pic>
       <p:sp>
         <p:nvSpPr>
           <p:cNvPr id="2" name="Título 1">
             <a:extLst>
               <a:ext uri="{FF2B5EF4-FFF2-40B4-BE49-F238E27FC236}">
-                <a16:creationId xmlns:a16="http://schemas.microsoft.com/office/drawing/2014/main" id="{52C8C7F8-6A55-1DF8-3A33-F776C9F854B3}"/>
+                <a16:creationId xmlns:a16="http://schemas.microsoft.com/office/drawing/2014/main" id="{4088EF13-93E0-2A25-DAC4-430EED1B9C18}"/>
               </a:ext>
             </a:extLst>
           </p:cNvPr>
@@ -14478,8 +15284,8 @@
         </p:nvSpPr>
         <p:spPr>
           <a:xfrm>
-            <a:off x="5209415" y="218946"/>
-            <a:ext cx="5916168" cy="1527048"/>
+            <a:off x="468503" y="0"/>
+            <a:ext cx="10517176" cy="1527048"/>
           </a:xfrm>
         </p:spPr>
         <p:txBody>
@@ -14488,26 +15294,454 @@
           </a:bodyPr>
           <a:lstStyle/>
           <a:p>
-            <a:r>
-              <a:rPr lang="en-US" b="0" kern="1200" dirty="0">
-                <a:solidFill>
-                  <a:schemeClr val="tx1"/>
-                </a:solidFill>
-                <a:latin typeface="+mj-lt"/>
-                <a:ea typeface="+mj-ea"/>
-                <a:cs typeface="+mj-cs"/>
+            <a:pPr>
+              <a:spcBef>
+                <a:spcPts val="2500"/>
+              </a:spcBef>
+            </a:pPr>
+            <a:r>
+              <a:rPr lang="pt-BR" dirty="0">
+                <a:latin typeface="Arial" panose="020B0604020202020204" pitchFamily="34" charset="0"/>
+                <a:cs typeface="Arial" panose="020B0604020202020204" pitchFamily="34" charset="0"/>
               </a:rPr>
-              <a:t>Tela de Login</a:t>
-            </a:r>
-          </a:p>
-        </p:txBody>
-      </p:sp>
-      <p:sp>
-        <p:nvSpPr>
-          <p:cNvPr id="7" name="Título 1">
-            <a:extLst>
-              <a:ext uri="{FF2B5EF4-FFF2-40B4-BE49-F238E27FC236}">
-                <a16:creationId xmlns:a16="http://schemas.microsoft.com/office/drawing/2014/main" id="{F08859EF-E25E-52C0-C024-DE22738F8749}"/>
+              <a:t>DICIONÁRIO DE </a:t>
+            </a:r>
+            <a:r>
+              <a:rPr lang="pt-BR" dirty="0" smtClean="0">
+                <a:latin typeface="Arial" panose="020B0604020202020204" pitchFamily="34" charset="0"/>
+                <a:cs typeface="Arial" panose="020B0604020202020204" pitchFamily="34" charset="0"/>
+              </a:rPr>
+              <a:t>DADOS </a:t>
+            </a:r>
+            <a:r>
+              <a:rPr lang="pt-BR" dirty="0">
+                <a:latin typeface="Arial" panose="020B0604020202020204" pitchFamily="34" charset="0"/>
+                <a:cs typeface="Arial" panose="020B0604020202020204" pitchFamily="34" charset="0"/>
+              </a:rPr>
+              <a:t>[</a:t>
+            </a:r>
+            <a:r>
+              <a:rPr lang="pt-BR" dirty="0" smtClean="0">
+                <a:latin typeface="Arial" panose="020B0604020202020204" pitchFamily="34" charset="0"/>
+                <a:cs typeface="Arial" panose="020B0604020202020204" pitchFamily="34" charset="0"/>
+              </a:rPr>
+              <a:t>R01]</a:t>
+            </a:r>
+            <a:endParaRPr lang="pt-BR" sz="3600" dirty="0">
+              <a:latin typeface="Arial" panose="020B0604020202020204" pitchFamily="34" charset="0"/>
+              <a:cs typeface="Arial" panose="020B0604020202020204" pitchFamily="34" charset="0"/>
+            </a:endParaRPr>
+          </a:p>
+        </p:txBody>
+      </p:sp>
+      <p:graphicFrame>
+        <p:nvGraphicFramePr>
+          <p:cNvPr id="9" name="Espaço Reservado para Conteúdo 8">
+            <a:extLst>
+              <a:ext uri="{FF2B5EF4-FFF2-40B4-BE49-F238E27FC236}">
+                <a16:creationId xmlns:a16="http://schemas.microsoft.com/office/drawing/2014/main" id="{AE6A2ECC-39B2-D582-178A-3B96D8FBBBF5}"/>
+              </a:ext>
+            </a:extLst>
+          </p:cNvPr>
+          <p:cNvGraphicFramePr>
+            <a:graphicFrameLocks noGrp="1"/>
+          </p:cNvGraphicFramePr>
+          <p:nvPr>
+            <p:ph sz="half" idx="2"/>
+            <p:extLst>
+              <p:ext uri="{D42A27DB-BD31-4B8C-83A1-F6EECF244321}">
+                <p14:modId xmlns:p14="http://schemas.microsoft.com/office/powerpoint/2010/main" val="116724360"/>
+              </p:ext>
+            </p:extLst>
+          </p:nvPr>
+        </p:nvGraphicFramePr>
+        <p:xfrm>
+          <a:off x="566670" y="2250628"/>
+          <a:ext cx="10071279" cy="2595880"/>
+        </p:xfrm>
+        <a:graphic>
+          <a:graphicData uri="http://schemas.openxmlformats.org/drawingml/2006/table">
+            <a:tbl>
+              <a:tblPr firstRow="1" bandRow="1">
+                <a:tableStyleId>{5C22544A-7EE6-4342-B048-85BDC9FD1C3A}</a:tableStyleId>
+              </a:tblPr>
+              <a:tblGrid>
+                <a:gridCol w="3357093">
+                  <a:extLst>
+                    <a:ext uri="{9D8B030D-6E8A-4147-A177-3AD203B41FA5}">
+                      <a16:colId xmlns:a16="http://schemas.microsoft.com/office/drawing/2014/main" val="1759235190"/>
+                    </a:ext>
+                  </a:extLst>
+                </a:gridCol>
+                <a:gridCol w="3357093">
+                  <a:extLst>
+                    <a:ext uri="{9D8B030D-6E8A-4147-A177-3AD203B41FA5}">
+                      <a16:colId xmlns:a16="http://schemas.microsoft.com/office/drawing/2014/main" val="2611790632"/>
+                    </a:ext>
+                  </a:extLst>
+                </a:gridCol>
+                <a:gridCol w="3357093">
+                  <a:extLst>
+                    <a:ext uri="{9D8B030D-6E8A-4147-A177-3AD203B41FA5}">
+                      <a16:colId xmlns:a16="http://schemas.microsoft.com/office/drawing/2014/main" val="2783851260"/>
+                    </a:ext>
+                  </a:extLst>
+                </a:gridCol>
+              </a:tblGrid>
+              <a:tr h="370840">
+                <a:tc>
+                  <a:txBody>
+                    <a:bodyPr/>
+                    <a:lstStyle/>
+                    <a:p>
+                      <a:r>
+                        <a:rPr lang="pt-BR" dirty="0"/>
+                        <a:t>Campo</a:t>
+                      </a:r>
+                    </a:p>
+                  </a:txBody>
+                  <a:tcPr/>
+                </a:tc>
+                <a:tc>
+                  <a:txBody>
+                    <a:bodyPr/>
+                    <a:lstStyle/>
+                    <a:p>
+                      <a:r>
+                        <a:rPr lang="pt-BR" dirty="0"/>
+                        <a:t>Tipo de Dados</a:t>
+                      </a:r>
+                    </a:p>
+                  </a:txBody>
+                  <a:tcPr/>
+                </a:tc>
+                <a:tc>
+                  <a:txBody>
+                    <a:bodyPr/>
+                    <a:lstStyle/>
+                    <a:p>
+                      <a:r>
+                        <a:rPr lang="pt-BR" dirty="0"/>
+                        <a:t>OBS</a:t>
+                      </a:r>
+                    </a:p>
+                  </a:txBody>
+                  <a:tcPr/>
+                </a:tc>
+                <a:extLst>
+                  <a:ext uri="{0D108BD9-81ED-4DB2-BD59-A6C34878D82A}">
+                    <a16:rowId xmlns:a16="http://schemas.microsoft.com/office/drawing/2014/main" val="996086151"/>
+                  </a:ext>
+                </a:extLst>
+              </a:tr>
+              <a:tr h="370840">
+                <a:tc>
+                  <a:txBody>
+                    <a:bodyPr/>
+                    <a:lstStyle/>
+                    <a:p>
+                      <a:pPr marL="0" marR="0" lvl="0" indent="0" algn="l" defTabSz="914400" rtl="0" eaLnBrk="1" fontAlgn="auto" latinLnBrk="0" hangingPunct="1">
+                        <a:lnSpc>
+                          <a:spcPct val="100000"/>
+                        </a:lnSpc>
+                        <a:spcBef>
+                          <a:spcPts val="0"/>
+                        </a:spcBef>
+                        <a:spcAft>
+                          <a:spcPts val="0"/>
+                        </a:spcAft>
+                        <a:buClrTx/>
+                        <a:buSzTx/>
+                        <a:buFontTx/>
+                        <a:buNone/>
+                        <a:tabLst/>
+                        <a:defRPr/>
+                      </a:pPr>
+                      <a:r>
+                        <a:rPr lang="pt-BR" dirty="0" err="1" smtClean="0"/>
+                        <a:t>IdItenSaida</a:t>
+                      </a:r>
+                      <a:endParaRPr lang="pt-BR" dirty="0" smtClean="0"/>
+                    </a:p>
+                  </a:txBody>
+                  <a:tcPr/>
+                </a:tc>
+                <a:tc>
+                  <a:txBody>
+                    <a:bodyPr/>
+                    <a:lstStyle/>
+                    <a:p>
+                      <a:r>
+                        <a:rPr lang="pt-BR" dirty="0" err="1"/>
+                        <a:t>Int</a:t>
+                      </a:r>
+                      <a:endParaRPr lang="pt-BR" dirty="0"/>
+                    </a:p>
+                  </a:txBody>
+                  <a:tcPr/>
+                </a:tc>
+                <a:tc>
+                  <a:txBody>
+                    <a:bodyPr/>
+                    <a:lstStyle/>
+                    <a:p>
+                      <a:r>
+                        <a:rPr lang="pt-BR" dirty="0"/>
+                        <a:t>Chave Primária</a:t>
+                      </a:r>
+                    </a:p>
+                  </a:txBody>
+                  <a:tcPr/>
+                </a:tc>
+                <a:extLst>
+                  <a:ext uri="{0D108BD9-81ED-4DB2-BD59-A6C34878D82A}">
+                    <a16:rowId xmlns:a16="http://schemas.microsoft.com/office/drawing/2014/main" val="1004326904"/>
+                  </a:ext>
+                </a:extLst>
+              </a:tr>
+              <a:tr h="370840">
+                <a:tc>
+                  <a:txBody>
+                    <a:bodyPr/>
+                    <a:lstStyle/>
+                    <a:p>
+                      <a:r>
+                        <a:rPr lang="pt-BR" dirty="0" err="1" smtClean="0"/>
+                        <a:t>IdSaida</a:t>
+                      </a:r>
+                      <a:endParaRPr lang="pt-BR" dirty="0"/>
+                    </a:p>
+                  </a:txBody>
+                  <a:tcPr/>
+                </a:tc>
+                <a:tc>
+                  <a:txBody>
+                    <a:bodyPr/>
+                    <a:lstStyle/>
+                    <a:p>
+                      <a:r>
+                        <a:rPr lang="pt-BR" dirty="0" err="1" smtClean="0"/>
+                        <a:t>Int</a:t>
+                      </a:r>
+                      <a:endParaRPr lang="pt-BR" dirty="0"/>
+                    </a:p>
+                  </a:txBody>
+                  <a:tcPr/>
+                </a:tc>
+                <a:tc>
+                  <a:txBody>
+                    <a:bodyPr/>
+                    <a:lstStyle/>
+                    <a:p>
+                      <a:r>
+                        <a:rPr lang="pt-BR" dirty="0" smtClean="0"/>
+                        <a:t>Chave Estrangeira</a:t>
+                      </a:r>
+                      <a:endParaRPr lang="pt-BR" dirty="0"/>
+                    </a:p>
+                  </a:txBody>
+                  <a:tcPr/>
+                </a:tc>
+                <a:extLst>
+                  <a:ext uri="{0D108BD9-81ED-4DB2-BD59-A6C34878D82A}">
+                    <a16:rowId xmlns:a16="http://schemas.microsoft.com/office/drawing/2014/main" val="275426533"/>
+                  </a:ext>
+                </a:extLst>
+              </a:tr>
+              <a:tr h="370840">
+                <a:tc>
+                  <a:txBody>
+                    <a:bodyPr/>
+                    <a:lstStyle/>
+                    <a:p>
+                      <a:r>
+                        <a:rPr lang="pt-BR" dirty="0" err="1" smtClean="0"/>
+                        <a:t>IdProd</a:t>
+                      </a:r>
+                      <a:endParaRPr lang="pt-BR" dirty="0"/>
+                    </a:p>
+                  </a:txBody>
+                  <a:tcPr/>
+                </a:tc>
+                <a:tc>
+                  <a:txBody>
+                    <a:bodyPr/>
+                    <a:lstStyle/>
+                    <a:p>
+                      <a:r>
+                        <a:rPr lang="pt-BR" dirty="0" err="1" smtClean="0"/>
+                        <a:t>Int</a:t>
+                      </a:r>
+                      <a:endParaRPr lang="pt-BR" dirty="0"/>
+                    </a:p>
+                  </a:txBody>
+                  <a:tcPr/>
+                </a:tc>
+                <a:tc>
+                  <a:txBody>
+                    <a:bodyPr/>
+                    <a:lstStyle/>
+                    <a:p>
+                      <a:r>
+                        <a:rPr lang="pt-BR" dirty="0" err="1" smtClean="0"/>
+                        <a:t>Fk</a:t>
+                      </a:r>
+                      <a:endParaRPr lang="pt-BR" dirty="0"/>
+                    </a:p>
+                  </a:txBody>
+                  <a:tcPr/>
+                </a:tc>
+                <a:extLst>
+                  <a:ext uri="{0D108BD9-81ED-4DB2-BD59-A6C34878D82A}">
+                    <a16:rowId xmlns:a16="http://schemas.microsoft.com/office/drawing/2014/main" val="2790910923"/>
+                  </a:ext>
+                </a:extLst>
+              </a:tr>
+              <a:tr h="370840">
+                <a:tc>
+                  <a:txBody>
+                    <a:bodyPr/>
+                    <a:lstStyle/>
+                    <a:p>
+                      <a:r>
+                        <a:rPr lang="pt-BR" dirty="0" smtClean="0"/>
+                        <a:t>quantidade</a:t>
+                      </a:r>
+                      <a:endParaRPr lang="pt-BR" dirty="0"/>
+                    </a:p>
+                  </a:txBody>
+                  <a:tcPr/>
+                </a:tc>
+                <a:tc>
+                  <a:txBody>
+                    <a:bodyPr/>
+                    <a:lstStyle/>
+                    <a:p>
+                      <a:r>
+                        <a:rPr lang="pt-BR" dirty="0" err="1" smtClean="0"/>
+                        <a:t>int</a:t>
+                      </a:r>
+                      <a:endParaRPr lang="pt-BR" dirty="0"/>
+                    </a:p>
+                  </a:txBody>
+                  <a:tcPr/>
+                </a:tc>
+                <a:tc>
+                  <a:txBody>
+                    <a:bodyPr/>
+                    <a:lstStyle/>
+                    <a:p>
+                      <a:endParaRPr lang="pt-BR" dirty="0"/>
+                    </a:p>
+                  </a:txBody>
+                  <a:tcPr/>
+                </a:tc>
+                <a:extLst>
+                  <a:ext uri="{0D108BD9-81ED-4DB2-BD59-A6C34878D82A}">
+                    <a16:rowId xmlns:a16="http://schemas.microsoft.com/office/drawing/2014/main" val="1929395480"/>
+                  </a:ext>
+                </a:extLst>
+              </a:tr>
+              <a:tr h="370840">
+                <a:tc>
+                  <a:txBody>
+                    <a:bodyPr/>
+                    <a:lstStyle/>
+                    <a:p>
+                      <a:r>
+                        <a:rPr lang="pt-BR" dirty="0" err="1" smtClean="0"/>
+                        <a:t>preco</a:t>
+                      </a:r>
+                      <a:endParaRPr lang="pt-BR" dirty="0"/>
+                    </a:p>
+                  </a:txBody>
+                  <a:tcPr/>
+                </a:tc>
+                <a:tc>
+                  <a:txBody>
+                    <a:bodyPr/>
+                    <a:lstStyle/>
+                    <a:p>
+                      <a:r>
+                        <a:rPr lang="pt-BR" dirty="0" err="1" smtClean="0"/>
+                        <a:t>double</a:t>
+                      </a:r>
+                      <a:endParaRPr lang="pt-BR" dirty="0"/>
+                    </a:p>
+                  </a:txBody>
+                  <a:tcPr/>
+                </a:tc>
+                <a:tc>
+                  <a:txBody>
+                    <a:bodyPr/>
+                    <a:lstStyle/>
+                    <a:p>
+                      <a:endParaRPr lang="pt-BR" dirty="0"/>
+                    </a:p>
+                  </a:txBody>
+                  <a:tcPr/>
+                </a:tc>
+                <a:extLst>
+                  <a:ext uri="{0D108BD9-81ED-4DB2-BD59-A6C34878D82A}">
+                    <a16:rowId xmlns:a16="http://schemas.microsoft.com/office/drawing/2014/main" val="2940149528"/>
+                  </a:ext>
+                </a:extLst>
+              </a:tr>
+              <a:tr h="370840">
+                <a:tc>
+                  <a:txBody>
+                    <a:bodyPr/>
+                    <a:lstStyle/>
+                    <a:p>
+                      <a:r>
+                        <a:rPr lang="pt-BR" dirty="0" smtClean="0"/>
+                        <a:t>total</a:t>
+                      </a:r>
+                      <a:endParaRPr lang="pt-BR" dirty="0"/>
+                    </a:p>
+                  </a:txBody>
+                  <a:tcPr/>
+                </a:tc>
+                <a:tc>
+                  <a:txBody>
+                    <a:bodyPr/>
+                    <a:lstStyle/>
+                    <a:p>
+                      <a:r>
+                        <a:rPr lang="pt-BR" dirty="0" err="1" smtClean="0"/>
+                        <a:t>double</a:t>
+                      </a:r>
+                      <a:endParaRPr lang="pt-BR" dirty="0"/>
+                    </a:p>
+                  </a:txBody>
+                  <a:tcPr/>
+                </a:tc>
+                <a:tc>
+                  <a:txBody>
+                    <a:bodyPr/>
+                    <a:lstStyle/>
+                    <a:p>
+                      <a:endParaRPr lang="pt-BR" dirty="0"/>
+                    </a:p>
+                  </a:txBody>
+                  <a:tcPr/>
+                </a:tc>
+                <a:extLst>
+                  <a:ext uri="{0D108BD9-81ED-4DB2-BD59-A6C34878D82A}">
+                    <a16:rowId xmlns:a16="http://schemas.microsoft.com/office/drawing/2014/main" val="1116382274"/>
+                  </a:ext>
+                </a:extLst>
+              </a:tr>
+            </a:tbl>
+          </a:graphicData>
+        </a:graphic>
+      </p:graphicFrame>
+      <p:sp>
+        <p:nvSpPr>
+          <p:cNvPr id="11" name="Título 1">
+            <a:extLst>
+              <a:ext uri="{FF2B5EF4-FFF2-40B4-BE49-F238E27FC236}">
+                <a16:creationId xmlns:a16="http://schemas.microsoft.com/office/drawing/2014/main" id="{0229AC0A-F8EF-158B-5D49-B06E1612EEDE}"/>
               </a:ext>
             </a:extLst>
           </p:cNvPr>
@@ -14518,8 +15752,8 @@
         </p:nvSpPr>
         <p:spPr>
           <a:xfrm>
-            <a:off x="414841" y="-695454"/>
-            <a:ext cx="5916168" cy="1527048"/>
+            <a:off x="468503" y="763524"/>
+            <a:ext cx="10517176" cy="1527048"/>
           </a:xfrm>
           <a:prstGeom prst="rect">
             <a:avLst/>
@@ -14549,17 +15783,43 @@
             </a:lvl1pPr>
           </a:lstStyle>
           <a:p>
-            <a:r>
-              <a:rPr lang="en-US" dirty="0"/>
-              <a:t>Wireframe</a:t>
-            </a:r>
+            <a:pPr>
+              <a:spcBef>
+                <a:spcPts val="2500"/>
+              </a:spcBef>
+            </a:pPr>
+            <a:r>
+              <a:rPr lang="pt-BR" sz="1600" dirty="0" smtClean="0">
+                <a:latin typeface="Arial" panose="020B0604020202020204" pitchFamily="34" charset="0"/>
+                <a:cs typeface="Arial" panose="020B0604020202020204" pitchFamily="34" charset="0"/>
+              </a:rPr>
+              <a:t>Tabela </a:t>
+            </a:r>
+            <a:r>
+              <a:rPr lang="pt-BR" sz="1600" dirty="0" err="1" smtClean="0">
+                <a:latin typeface="Arial" panose="020B0604020202020204" pitchFamily="34" charset="0"/>
+                <a:cs typeface="Arial" panose="020B0604020202020204" pitchFamily="34" charset="0"/>
+              </a:rPr>
+              <a:t>ItenSaida</a:t>
+            </a:r>
+            <a:r>
+              <a:rPr lang="pt-BR" sz="1600" dirty="0" smtClean="0">
+                <a:latin typeface="Arial" panose="020B0604020202020204" pitchFamily="34" charset="0"/>
+                <a:cs typeface="Arial" panose="020B0604020202020204" pitchFamily="34" charset="0"/>
+              </a:rPr>
+              <a:t> </a:t>
+            </a:r>
+            <a:endParaRPr lang="pt-BR" sz="1600" dirty="0">
+              <a:latin typeface="Arial" panose="020B0604020202020204" pitchFamily="34" charset="0"/>
+              <a:cs typeface="Arial" panose="020B0604020202020204" pitchFamily="34" charset="0"/>
+            </a:endParaRPr>
           </a:p>
         </p:txBody>
       </p:sp>
     </p:spTree>
     <p:extLst>
       <p:ext uri="{BB962C8B-B14F-4D97-AF65-F5344CB8AC3E}">
-        <p14:creationId xmlns:p14="http://schemas.microsoft.com/office/powerpoint/2010/main" val="1037557683"/>
+        <p14:creationId xmlns:p14="http://schemas.microsoft.com/office/powerpoint/2010/main" val="944343776"/>
       </p:ext>
     </p:extLst>
   </p:cSld>
@@ -14569,6 +15829,13 @@
   <p:transition>
     <p:fade/>
   </p:transition>
+  <p:timing>
+    <p:tnLst>
+      <p:par>
+        <p:cTn id="1" dur="indefinite" restart="never" nodeType="tmRoot"/>
+      </p:par>
+    </p:tnLst>
+  </p:timing>
 </p:sld>
 </file>
 
@@ -14585,7 +15852,13 @@
     </p:bg>
     <p:spTree>
       <p:nvGrpSpPr>
-        <p:cNvPr id="1" name=""/>
+        <p:cNvPr id="1" name="">
+          <a:extLst>
+            <a:ext uri="{FF2B5EF4-FFF2-40B4-BE49-F238E27FC236}">
+              <a16:creationId xmlns:a16="http://schemas.microsoft.com/office/drawing/2014/main" id="{ABC8E265-4279-B925-FBC6-668AF72F0DCF}"/>
+            </a:ext>
+          </a:extLst>
+        </p:cNvPr>
         <p:cNvGrpSpPr/>
         <p:nvPr/>
       </p:nvGrpSpPr>
@@ -14602,7 +15875,7 @@
           <p:cNvPr id="10" name="Rectangle 9">
             <a:extLst>
               <a:ext uri="{FF2B5EF4-FFF2-40B4-BE49-F238E27FC236}">
-                <a16:creationId xmlns:a16="http://schemas.microsoft.com/office/drawing/2014/main" id="{5E8D3B17-7638-DFD3-18E4-8A6D611749CF}"/>
+                <a16:creationId xmlns:a16="http://schemas.microsoft.com/office/drawing/2014/main" id="{8450EF29-A29A-9417-2B09-074C04064425}"/>
               </a:ext>
               <a:ext uri="{C183D7F6-B498-43B3-948B-1728B52AA6E4}">
                 <adec:decorative xmlns:adec="http://schemas.microsoft.com/office/drawing/2017/decorative" xmlns="" val="1"/>
@@ -14678,7 +15951,7 @@
           <p:cNvPr id="2" name="Título 1">
             <a:extLst>
               <a:ext uri="{FF2B5EF4-FFF2-40B4-BE49-F238E27FC236}">
-                <a16:creationId xmlns:a16="http://schemas.microsoft.com/office/drawing/2014/main" id="{52C8C7F8-6A55-1DF8-3A33-F776C9F854B3}"/>
+                <a16:creationId xmlns:a16="http://schemas.microsoft.com/office/drawing/2014/main" id="{4088EF13-93E0-2A25-DAC4-430EED1B9C18}"/>
               </a:ext>
             </a:extLst>
           </p:cNvPr>
@@ -14691,8 +15964,8 @@
         </p:nvSpPr>
         <p:spPr>
           <a:xfrm>
-            <a:off x="2917771" y="-695454"/>
-            <a:ext cx="5916168" cy="1527048"/>
+            <a:off x="468503" y="0"/>
+            <a:ext cx="10517176" cy="1527048"/>
           </a:xfrm>
         </p:spPr>
         <p:txBody>
@@ -14701,89 +15974,454 @@
           </a:bodyPr>
           <a:lstStyle/>
           <a:p>
-            <a:r>
-              <a:rPr lang="en-US" b="0" kern="1200" dirty="0" err="1" smtClean="0">
-                <a:solidFill>
-                  <a:schemeClr val="tx1"/>
-                </a:solidFill>
-                <a:latin typeface="+mj-lt"/>
-                <a:ea typeface="+mj-ea"/>
-                <a:cs typeface="+mj-cs"/>
+            <a:pPr>
+              <a:spcBef>
+                <a:spcPts val="2500"/>
+              </a:spcBef>
+            </a:pPr>
+            <a:r>
+              <a:rPr lang="pt-BR" dirty="0">
+                <a:latin typeface="Arial" panose="020B0604020202020204" pitchFamily="34" charset="0"/>
+                <a:cs typeface="Arial" panose="020B0604020202020204" pitchFamily="34" charset="0"/>
               </a:rPr>
-              <a:t>Tela</a:t>
-            </a:r>
-            <a:r>
-              <a:rPr lang="en-US" b="0" kern="1200" dirty="0" smtClean="0">
-                <a:solidFill>
-                  <a:schemeClr val="tx1"/>
-                </a:solidFill>
-                <a:latin typeface="+mj-lt"/>
-                <a:ea typeface="+mj-ea"/>
-                <a:cs typeface="+mj-cs"/>
+              <a:t>DICIONÁRIO DE </a:t>
+            </a:r>
+            <a:r>
+              <a:rPr lang="pt-BR" dirty="0" smtClean="0">
+                <a:latin typeface="Arial" panose="020B0604020202020204" pitchFamily="34" charset="0"/>
+                <a:cs typeface="Arial" panose="020B0604020202020204" pitchFamily="34" charset="0"/>
               </a:rPr>
-              <a:t> </a:t>
-            </a:r>
-            <a:r>
-              <a:rPr lang="en-US" b="0" kern="1200" dirty="0" err="1" smtClean="0">
-                <a:solidFill>
-                  <a:schemeClr val="tx1"/>
-                </a:solidFill>
-                <a:latin typeface="+mj-lt"/>
-                <a:ea typeface="+mj-ea"/>
-                <a:cs typeface="+mj-cs"/>
+              <a:t>DADOS </a:t>
+            </a:r>
+            <a:r>
+              <a:rPr lang="pt-BR" dirty="0">
+                <a:latin typeface="Arial" panose="020B0604020202020204" pitchFamily="34" charset="0"/>
+                <a:cs typeface="Arial" panose="020B0604020202020204" pitchFamily="34" charset="0"/>
               </a:rPr>
-              <a:t>Categoria</a:t>
-            </a:r>
-            <a:r>
-              <a:rPr lang="en-US" b="0" kern="1200" dirty="0" smtClean="0">
-                <a:solidFill>
-                  <a:schemeClr val="tx1"/>
-                </a:solidFill>
-                <a:latin typeface="+mj-lt"/>
-                <a:ea typeface="+mj-ea"/>
-                <a:cs typeface="+mj-cs"/>
+              <a:t>[</a:t>
+            </a:r>
+            <a:r>
+              <a:rPr lang="pt-BR" dirty="0" smtClean="0">
+                <a:latin typeface="Arial" panose="020B0604020202020204" pitchFamily="34" charset="0"/>
+                <a:cs typeface="Arial" panose="020B0604020202020204" pitchFamily="34" charset="0"/>
               </a:rPr>
-              <a:t> (</a:t>
-            </a:r>
-            <a:r>
-              <a:rPr lang="en-US" b="0" kern="1200" dirty="0" err="1" smtClean="0">
-                <a:solidFill>
-                  <a:schemeClr val="tx1"/>
-                </a:solidFill>
-                <a:latin typeface="+mj-lt"/>
-                <a:ea typeface="+mj-ea"/>
-                <a:cs typeface="+mj-cs"/>
-              </a:rPr>
-              <a:t>lista</a:t>
-            </a:r>
-            <a:r>
-              <a:rPr lang="en-US" b="0" kern="1200" dirty="0" smtClean="0">
-                <a:solidFill>
-                  <a:schemeClr val="tx1"/>
-                </a:solidFill>
-                <a:latin typeface="+mj-lt"/>
-                <a:ea typeface="+mj-ea"/>
-                <a:cs typeface="+mj-cs"/>
-              </a:rPr>
-              <a:t>)</a:t>
-            </a:r>
-            <a:endParaRPr lang="en-US" b="0" kern="1200" dirty="0">
-              <a:solidFill>
-                <a:schemeClr val="tx1"/>
-              </a:solidFill>
-              <a:latin typeface="+mj-lt"/>
-              <a:ea typeface="+mj-ea"/>
-              <a:cs typeface="+mj-cs"/>
+              <a:t>R01]</a:t>
+            </a:r>
+            <a:endParaRPr lang="pt-BR" sz="3600" dirty="0">
+              <a:latin typeface="Arial" panose="020B0604020202020204" pitchFamily="34" charset="0"/>
+              <a:cs typeface="Arial" panose="020B0604020202020204" pitchFamily="34" charset="0"/>
             </a:endParaRPr>
           </a:p>
         </p:txBody>
       </p:sp>
-      <p:sp>
-        <p:nvSpPr>
-          <p:cNvPr id="7" name="Título 1">
-            <a:extLst>
-              <a:ext uri="{FF2B5EF4-FFF2-40B4-BE49-F238E27FC236}">
-                <a16:creationId xmlns:a16="http://schemas.microsoft.com/office/drawing/2014/main" id="{F08859EF-E25E-52C0-C024-DE22738F8749}"/>
+      <p:graphicFrame>
+        <p:nvGraphicFramePr>
+          <p:cNvPr id="9" name="Espaço Reservado para Conteúdo 8">
+            <a:extLst>
+              <a:ext uri="{FF2B5EF4-FFF2-40B4-BE49-F238E27FC236}">
+                <a16:creationId xmlns:a16="http://schemas.microsoft.com/office/drawing/2014/main" id="{AE6A2ECC-39B2-D582-178A-3B96D8FBBBF5}"/>
+              </a:ext>
+            </a:extLst>
+          </p:cNvPr>
+          <p:cNvGraphicFramePr>
+            <a:graphicFrameLocks noGrp="1"/>
+          </p:cNvGraphicFramePr>
+          <p:nvPr>
+            <p:ph sz="half" idx="2"/>
+            <p:extLst>
+              <p:ext uri="{D42A27DB-BD31-4B8C-83A1-F6EECF244321}">
+                <p14:modId xmlns:p14="http://schemas.microsoft.com/office/powerpoint/2010/main" val="1000538262"/>
+              </p:ext>
+            </p:extLst>
+          </p:nvPr>
+        </p:nvGraphicFramePr>
+        <p:xfrm>
+          <a:off x="566670" y="2250628"/>
+          <a:ext cx="10071279" cy="2595880"/>
+        </p:xfrm>
+        <a:graphic>
+          <a:graphicData uri="http://schemas.openxmlformats.org/drawingml/2006/table">
+            <a:tbl>
+              <a:tblPr firstRow="1" bandRow="1">
+                <a:tableStyleId>{5C22544A-7EE6-4342-B048-85BDC9FD1C3A}</a:tableStyleId>
+              </a:tblPr>
+              <a:tblGrid>
+                <a:gridCol w="3357093">
+                  <a:extLst>
+                    <a:ext uri="{9D8B030D-6E8A-4147-A177-3AD203B41FA5}">
+                      <a16:colId xmlns:a16="http://schemas.microsoft.com/office/drawing/2014/main" val="1759235190"/>
+                    </a:ext>
+                  </a:extLst>
+                </a:gridCol>
+                <a:gridCol w="3357093">
+                  <a:extLst>
+                    <a:ext uri="{9D8B030D-6E8A-4147-A177-3AD203B41FA5}">
+                      <a16:colId xmlns:a16="http://schemas.microsoft.com/office/drawing/2014/main" val="2611790632"/>
+                    </a:ext>
+                  </a:extLst>
+                </a:gridCol>
+                <a:gridCol w="3357093">
+                  <a:extLst>
+                    <a:ext uri="{9D8B030D-6E8A-4147-A177-3AD203B41FA5}">
+                      <a16:colId xmlns:a16="http://schemas.microsoft.com/office/drawing/2014/main" val="2783851260"/>
+                    </a:ext>
+                  </a:extLst>
+                </a:gridCol>
+              </a:tblGrid>
+              <a:tr h="370840">
+                <a:tc>
+                  <a:txBody>
+                    <a:bodyPr/>
+                    <a:lstStyle/>
+                    <a:p>
+                      <a:r>
+                        <a:rPr lang="pt-BR" dirty="0"/>
+                        <a:t>Campo</a:t>
+                      </a:r>
+                    </a:p>
+                  </a:txBody>
+                  <a:tcPr/>
+                </a:tc>
+                <a:tc>
+                  <a:txBody>
+                    <a:bodyPr/>
+                    <a:lstStyle/>
+                    <a:p>
+                      <a:r>
+                        <a:rPr lang="pt-BR" dirty="0"/>
+                        <a:t>Tipo de Dados</a:t>
+                      </a:r>
+                    </a:p>
+                  </a:txBody>
+                  <a:tcPr/>
+                </a:tc>
+                <a:tc>
+                  <a:txBody>
+                    <a:bodyPr/>
+                    <a:lstStyle/>
+                    <a:p>
+                      <a:r>
+                        <a:rPr lang="pt-BR" dirty="0"/>
+                        <a:t>OBS</a:t>
+                      </a:r>
+                    </a:p>
+                  </a:txBody>
+                  <a:tcPr/>
+                </a:tc>
+                <a:extLst>
+                  <a:ext uri="{0D108BD9-81ED-4DB2-BD59-A6C34878D82A}">
+                    <a16:rowId xmlns:a16="http://schemas.microsoft.com/office/drawing/2014/main" val="996086151"/>
+                  </a:ext>
+                </a:extLst>
+              </a:tr>
+              <a:tr h="370840">
+                <a:tc>
+                  <a:txBody>
+                    <a:bodyPr/>
+                    <a:lstStyle/>
+                    <a:p>
+                      <a:pPr marL="0" marR="0" lvl="0" indent="0" algn="l" defTabSz="914400" rtl="0" eaLnBrk="1" fontAlgn="auto" latinLnBrk="0" hangingPunct="1">
+                        <a:lnSpc>
+                          <a:spcPct val="100000"/>
+                        </a:lnSpc>
+                        <a:spcBef>
+                          <a:spcPts val="0"/>
+                        </a:spcBef>
+                        <a:spcAft>
+                          <a:spcPts val="0"/>
+                        </a:spcAft>
+                        <a:buClrTx/>
+                        <a:buSzTx/>
+                        <a:buFontTx/>
+                        <a:buNone/>
+                        <a:tabLst/>
+                        <a:defRPr/>
+                      </a:pPr>
+                      <a:r>
+                        <a:rPr lang="pt-BR" dirty="0" err="1" smtClean="0"/>
+                        <a:t>IdItenEntrada</a:t>
+                      </a:r>
+                      <a:endParaRPr lang="pt-BR" dirty="0" smtClean="0"/>
+                    </a:p>
+                  </a:txBody>
+                  <a:tcPr/>
+                </a:tc>
+                <a:tc>
+                  <a:txBody>
+                    <a:bodyPr/>
+                    <a:lstStyle/>
+                    <a:p>
+                      <a:r>
+                        <a:rPr lang="pt-BR" dirty="0" err="1"/>
+                        <a:t>Int</a:t>
+                      </a:r>
+                      <a:endParaRPr lang="pt-BR" dirty="0"/>
+                    </a:p>
+                  </a:txBody>
+                  <a:tcPr/>
+                </a:tc>
+                <a:tc>
+                  <a:txBody>
+                    <a:bodyPr/>
+                    <a:lstStyle/>
+                    <a:p>
+                      <a:r>
+                        <a:rPr lang="pt-BR" dirty="0"/>
+                        <a:t>Chave Primária</a:t>
+                      </a:r>
+                    </a:p>
+                  </a:txBody>
+                  <a:tcPr/>
+                </a:tc>
+                <a:extLst>
+                  <a:ext uri="{0D108BD9-81ED-4DB2-BD59-A6C34878D82A}">
+                    <a16:rowId xmlns:a16="http://schemas.microsoft.com/office/drawing/2014/main" val="1004326904"/>
+                  </a:ext>
+                </a:extLst>
+              </a:tr>
+              <a:tr h="370840">
+                <a:tc>
+                  <a:txBody>
+                    <a:bodyPr/>
+                    <a:lstStyle/>
+                    <a:p>
+                      <a:r>
+                        <a:rPr lang="pt-BR" dirty="0" err="1" smtClean="0"/>
+                        <a:t>IdEntrada</a:t>
+                      </a:r>
+                      <a:endParaRPr lang="pt-BR" dirty="0"/>
+                    </a:p>
+                  </a:txBody>
+                  <a:tcPr/>
+                </a:tc>
+                <a:tc>
+                  <a:txBody>
+                    <a:bodyPr/>
+                    <a:lstStyle/>
+                    <a:p>
+                      <a:r>
+                        <a:rPr lang="pt-BR" dirty="0" err="1" smtClean="0"/>
+                        <a:t>Int</a:t>
+                      </a:r>
+                      <a:endParaRPr lang="pt-BR" dirty="0"/>
+                    </a:p>
+                  </a:txBody>
+                  <a:tcPr/>
+                </a:tc>
+                <a:tc>
+                  <a:txBody>
+                    <a:bodyPr/>
+                    <a:lstStyle/>
+                    <a:p>
+                      <a:r>
+                        <a:rPr lang="pt-BR" dirty="0" smtClean="0"/>
+                        <a:t>Chave Estrangeira</a:t>
+                      </a:r>
+                      <a:endParaRPr lang="pt-BR" dirty="0"/>
+                    </a:p>
+                  </a:txBody>
+                  <a:tcPr/>
+                </a:tc>
+                <a:extLst>
+                  <a:ext uri="{0D108BD9-81ED-4DB2-BD59-A6C34878D82A}">
+                    <a16:rowId xmlns:a16="http://schemas.microsoft.com/office/drawing/2014/main" val="275426533"/>
+                  </a:ext>
+                </a:extLst>
+              </a:tr>
+              <a:tr h="370840">
+                <a:tc>
+                  <a:txBody>
+                    <a:bodyPr/>
+                    <a:lstStyle/>
+                    <a:p>
+                      <a:r>
+                        <a:rPr lang="pt-BR" dirty="0" err="1" smtClean="0"/>
+                        <a:t>IdProd</a:t>
+                      </a:r>
+                      <a:endParaRPr lang="pt-BR" dirty="0"/>
+                    </a:p>
+                  </a:txBody>
+                  <a:tcPr/>
+                </a:tc>
+                <a:tc>
+                  <a:txBody>
+                    <a:bodyPr/>
+                    <a:lstStyle/>
+                    <a:p>
+                      <a:r>
+                        <a:rPr lang="pt-BR" dirty="0" err="1" smtClean="0"/>
+                        <a:t>Int</a:t>
+                      </a:r>
+                      <a:endParaRPr lang="pt-BR" dirty="0"/>
+                    </a:p>
+                  </a:txBody>
+                  <a:tcPr/>
+                </a:tc>
+                <a:tc>
+                  <a:txBody>
+                    <a:bodyPr/>
+                    <a:lstStyle/>
+                    <a:p>
+                      <a:r>
+                        <a:rPr lang="pt-BR" dirty="0" err="1" smtClean="0"/>
+                        <a:t>Fk</a:t>
+                      </a:r>
+                      <a:endParaRPr lang="pt-BR" dirty="0"/>
+                    </a:p>
+                  </a:txBody>
+                  <a:tcPr/>
+                </a:tc>
+                <a:extLst>
+                  <a:ext uri="{0D108BD9-81ED-4DB2-BD59-A6C34878D82A}">
+                    <a16:rowId xmlns:a16="http://schemas.microsoft.com/office/drawing/2014/main" val="2790910923"/>
+                  </a:ext>
+                </a:extLst>
+              </a:tr>
+              <a:tr h="370840">
+                <a:tc>
+                  <a:txBody>
+                    <a:bodyPr/>
+                    <a:lstStyle/>
+                    <a:p>
+                      <a:r>
+                        <a:rPr lang="pt-BR" dirty="0" smtClean="0"/>
+                        <a:t>quantidade</a:t>
+                      </a:r>
+                      <a:endParaRPr lang="pt-BR" dirty="0"/>
+                    </a:p>
+                  </a:txBody>
+                  <a:tcPr/>
+                </a:tc>
+                <a:tc>
+                  <a:txBody>
+                    <a:bodyPr/>
+                    <a:lstStyle/>
+                    <a:p>
+                      <a:r>
+                        <a:rPr lang="pt-BR" dirty="0" err="1" smtClean="0"/>
+                        <a:t>int</a:t>
+                      </a:r>
+                      <a:endParaRPr lang="pt-BR" dirty="0"/>
+                    </a:p>
+                  </a:txBody>
+                  <a:tcPr/>
+                </a:tc>
+                <a:tc>
+                  <a:txBody>
+                    <a:bodyPr/>
+                    <a:lstStyle/>
+                    <a:p>
+                      <a:endParaRPr lang="pt-BR" dirty="0"/>
+                    </a:p>
+                  </a:txBody>
+                  <a:tcPr/>
+                </a:tc>
+                <a:extLst>
+                  <a:ext uri="{0D108BD9-81ED-4DB2-BD59-A6C34878D82A}">
+                    <a16:rowId xmlns:a16="http://schemas.microsoft.com/office/drawing/2014/main" val="1929395480"/>
+                  </a:ext>
+                </a:extLst>
+              </a:tr>
+              <a:tr h="370840">
+                <a:tc>
+                  <a:txBody>
+                    <a:bodyPr/>
+                    <a:lstStyle/>
+                    <a:p>
+                      <a:r>
+                        <a:rPr lang="pt-BR" dirty="0" err="1" smtClean="0"/>
+                        <a:t>preco</a:t>
+                      </a:r>
+                      <a:endParaRPr lang="pt-BR" dirty="0"/>
+                    </a:p>
+                  </a:txBody>
+                  <a:tcPr/>
+                </a:tc>
+                <a:tc>
+                  <a:txBody>
+                    <a:bodyPr/>
+                    <a:lstStyle/>
+                    <a:p>
+                      <a:r>
+                        <a:rPr lang="pt-BR" dirty="0" err="1" smtClean="0"/>
+                        <a:t>double</a:t>
+                      </a:r>
+                      <a:endParaRPr lang="pt-BR" dirty="0"/>
+                    </a:p>
+                  </a:txBody>
+                  <a:tcPr/>
+                </a:tc>
+                <a:tc>
+                  <a:txBody>
+                    <a:bodyPr/>
+                    <a:lstStyle/>
+                    <a:p>
+                      <a:endParaRPr lang="pt-BR" dirty="0"/>
+                    </a:p>
+                  </a:txBody>
+                  <a:tcPr/>
+                </a:tc>
+                <a:extLst>
+                  <a:ext uri="{0D108BD9-81ED-4DB2-BD59-A6C34878D82A}">
+                    <a16:rowId xmlns:a16="http://schemas.microsoft.com/office/drawing/2014/main" val="2940149528"/>
+                  </a:ext>
+                </a:extLst>
+              </a:tr>
+              <a:tr h="370840">
+                <a:tc>
+                  <a:txBody>
+                    <a:bodyPr/>
+                    <a:lstStyle/>
+                    <a:p>
+                      <a:r>
+                        <a:rPr lang="pt-BR" dirty="0" smtClean="0"/>
+                        <a:t>total</a:t>
+                      </a:r>
+                      <a:endParaRPr lang="pt-BR" dirty="0"/>
+                    </a:p>
+                  </a:txBody>
+                  <a:tcPr/>
+                </a:tc>
+                <a:tc>
+                  <a:txBody>
+                    <a:bodyPr/>
+                    <a:lstStyle/>
+                    <a:p>
+                      <a:r>
+                        <a:rPr lang="pt-BR" dirty="0" err="1" smtClean="0"/>
+                        <a:t>double</a:t>
+                      </a:r>
+                      <a:endParaRPr lang="pt-BR" dirty="0"/>
+                    </a:p>
+                  </a:txBody>
+                  <a:tcPr/>
+                </a:tc>
+                <a:tc>
+                  <a:txBody>
+                    <a:bodyPr/>
+                    <a:lstStyle/>
+                    <a:p>
+                      <a:endParaRPr lang="pt-BR" dirty="0"/>
+                    </a:p>
+                  </a:txBody>
+                  <a:tcPr/>
+                </a:tc>
+                <a:extLst>
+                  <a:ext uri="{0D108BD9-81ED-4DB2-BD59-A6C34878D82A}">
+                    <a16:rowId xmlns:a16="http://schemas.microsoft.com/office/drawing/2014/main" val="1116382274"/>
+                  </a:ext>
+                </a:extLst>
+              </a:tr>
+            </a:tbl>
+          </a:graphicData>
+        </a:graphic>
+      </p:graphicFrame>
+      <p:sp>
+        <p:nvSpPr>
+          <p:cNvPr id="11" name="Título 1">
+            <a:extLst>
+              <a:ext uri="{FF2B5EF4-FFF2-40B4-BE49-F238E27FC236}">
+                <a16:creationId xmlns:a16="http://schemas.microsoft.com/office/drawing/2014/main" id="{0229AC0A-F8EF-158B-5D49-B06E1612EEDE}"/>
               </a:ext>
             </a:extLst>
           </p:cNvPr>
@@ -14794,8 +16432,8 @@
         </p:nvSpPr>
         <p:spPr>
           <a:xfrm>
-            <a:off x="414841" y="-695454"/>
-            <a:ext cx="5916168" cy="1527048"/>
+            <a:off x="468503" y="763524"/>
+            <a:ext cx="10517176" cy="1527048"/>
           </a:xfrm>
           <a:prstGeom prst="rect">
             <a:avLst/>
@@ -14825,753 +16463,43 @@
             </a:lvl1pPr>
           </a:lstStyle>
           <a:p>
-            <a:r>
-              <a:rPr lang="en-US" dirty="0"/>
-              <a:t>Wireframe</a:t>
-            </a:r>
-          </a:p>
-        </p:txBody>
-      </p:sp>
-      <p:sp>
-        <p:nvSpPr>
-          <p:cNvPr id="4" name="Retângulo 3"/>
-          <p:cNvSpPr/>
-          <p:nvPr/>
-        </p:nvSpPr>
-        <p:spPr>
-          <a:xfrm>
-            <a:off x="999067" y="1224844"/>
-            <a:ext cx="10193866" cy="5317067"/>
-          </a:xfrm>
-          <a:prstGeom prst="rect">
-            <a:avLst/>
-          </a:prstGeom>
-        </p:spPr>
-        <p:style>
-          <a:lnRef idx="2">
-            <a:schemeClr val="accent1"/>
-          </a:lnRef>
-          <a:fillRef idx="1">
-            <a:schemeClr val="lt1"/>
-          </a:fillRef>
-          <a:effectRef idx="0">
-            <a:schemeClr val="accent1"/>
-          </a:effectRef>
-          <a:fontRef idx="minor">
-            <a:schemeClr val="dk1"/>
-          </a:fontRef>
-        </p:style>
-        <p:txBody>
-          <a:bodyPr rtlCol="0" anchor="ctr"/>
-          <a:lstStyle/>
-          <a:p>
-            <a:pPr algn="ctr"/>
-            <a:endParaRPr lang="pt-BR" dirty="0"/>
-          </a:p>
-        </p:txBody>
-      </p:sp>
-      <p:sp>
-        <p:nvSpPr>
-          <p:cNvPr id="8" name="Retângulo 7"/>
-          <p:cNvSpPr/>
-          <p:nvPr/>
-        </p:nvSpPr>
-        <p:spPr>
-          <a:xfrm>
-            <a:off x="1044222" y="1224844"/>
-            <a:ext cx="10193866" cy="389467"/>
-          </a:xfrm>
-          <a:prstGeom prst="rect">
-            <a:avLst/>
-          </a:prstGeom>
-        </p:spPr>
-        <p:style>
-          <a:lnRef idx="2">
-            <a:schemeClr val="accent6"/>
-          </a:lnRef>
-          <a:fillRef idx="1">
-            <a:schemeClr val="lt1"/>
-          </a:fillRef>
-          <a:effectRef idx="0">
-            <a:schemeClr val="accent6"/>
-          </a:effectRef>
-          <a:fontRef idx="minor">
-            <a:schemeClr val="dk1"/>
-          </a:fontRef>
-        </p:style>
-        <p:txBody>
-          <a:bodyPr rtlCol="0" anchor="ctr"/>
-          <a:lstStyle/>
-          <a:p>
-            <a:pPr algn="ctr"/>
-            <a:endParaRPr lang="pt-BR" dirty="0"/>
-          </a:p>
-        </p:txBody>
-      </p:sp>
-      <p:sp>
-        <p:nvSpPr>
-          <p:cNvPr id="6" name="Elipse 5"/>
-          <p:cNvSpPr/>
-          <p:nvPr/>
-        </p:nvSpPr>
-        <p:spPr>
-          <a:xfrm>
-            <a:off x="10820399" y="1319049"/>
-            <a:ext cx="293511" cy="302204"/>
-          </a:xfrm>
-          <a:prstGeom prst="ellipse">
-            <a:avLst/>
-          </a:prstGeom>
-        </p:spPr>
-        <p:style>
-          <a:lnRef idx="2">
-            <a:schemeClr val="accent3">
-              <a:shade val="50000"/>
-            </a:schemeClr>
-          </a:lnRef>
-          <a:fillRef idx="1">
-            <a:schemeClr val="accent3"/>
-          </a:fillRef>
-          <a:effectRef idx="0">
-            <a:schemeClr val="accent3"/>
-          </a:effectRef>
-          <a:fontRef idx="minor">
-            <a:schemeClr val="lt1"/>
-          </a:fontRef>
-        </p:style>
-        <p:txBody>
-          <a:bodyPr rtlCol="0" anchor="ctr"/>
-          <a:lstStyle/>
-          <a:p>
-            <a:pPr algn="ctr"/>
-            <a:r>
-              <a:rPr lang="pt-BR" dirty="0" smtClean="0"/>
-              <a:t>x</a:t>
-            </a:r>
-            <a:endParaRPr lang="pt-BR" dirty="0"/>
-          </a:p>
-        </p:txBody>
-      </p:sp>
-      <p:sp>
-        <p:nvSpPr>
-          <p:cNvPr id="11" name="Retângulo 10"/>
-          <p:cNvSpPr/>
-          <p:nvPr/>
-        </p:nvSpPr>
-        <p:spPr>
-          <a:xfrm>
-            <a:off x="1363860" y="2550550"/>
-            <a:ext cx="1735298" cy="389467"/>
-          </a:xfrm>
-          <a:prstGeom prst="rect">
-            <a:avLst/>
-          </a:prstGeom>
-          <a:solidFill>
-            <a:schemeClr val="bg1">
-              <a:lumMod val="85000"/>
-            </a:schemeClr>
-          </a:solidFill>
-        </p:spPr>
-        <p:style>
-          <a:lnRef idx="2">
-            <a:schemeClr val="accent6"/>
-          </a:lnRef>
-          <a:fillRef idx="1">
-            <a:schemeClr val="lt1"/>
-          </a:fillRef>
-          <a:effectRef idx="0">
-            <a:schemeClr val="accent6"/>
-          </a:effectRef>
-          <a:fontRef idx="minor">
-            <a:schemeClr val="dk1"/>
-          </a:fontRef>
-        </p:style>
-        <p:txBody>
-          <a:bodyPr rtlCol="0" anchor="ctr"/>
-          <a:lstStyle/>
-          <a:p>
-            <a:pPr algn="ctr"/>
-            <a:endParaRPr lang="pt-BR" dirty="0"/>
-          </a:p>
-        </p:txBody>
-      </p:sp>
-      <p:sp>
-        <p:nvSpPr>
-          <p:cNvPr id="12" name="Título 1">
-            <a:extLst>
-              <a:ext uri="{FF2B5EF4-FFF2-40B4-BE49-F238E27FC236}">
-                <a16:creationId xmlns:a16="http://schemas.microsoft.com/office/drawing/2014/main" id="{52C8C7F8-6A55-1DF8-3A33-F776C9F854B3}"/>
-              </a:ext>
-            </a:extLst>
-          </p:cNvPr>
-          <p:cNvSpPr txBox="1">
-            <a:spLocks/>
-          </p:cNvSpPr>
-          <p:nvPr/>
-        </p:nvSpPr>
-        <p:spPr>
-          <a:xfrm>
-            <a:off x="1363860" y="2562520"/>
-            <a:ext cx="5916168" cy="365528"/>
-          </a:xfrm>
-          <a:prstGeom prst="rect">
-            <a:avLst/>
-          </a:prstGeom>
-        </p:spPr>
-        <p:txBody>
-          <a:bodyPr vert="horz" lIns="91440" tIns="45720" rIns="91440" bIns="45720" rtlCol="0" anchor="b">
-            <a:normAutofit lnSpcReduction="10000"/>
-          </a:bodyPr>
-          <a:lstStyle>
-            <a:lvl1pPr algn="l" defTabSz="914400" rtl="0" eaLnBrk="1" latinLnBrk="0" hangingPunct="1">
-              <a:lnSpc>
-                <a:spcPct val="90000"/>
-              </a:lnSpc>
+            <a:pPr>
               <a:spcBef>
-                <a:spcPct val="0"/>
+                <a:spcPts val="2500"/>
               </a:spcBef>
-              <a:buNone/>
-              <a:defRPr sz="3600" b="1" kern="1200">
-                <a:solidFill>
-                  <a:schemeClr val="tx1"/>
-                </a:solidFill>
-                <a:latin typeface="+mj-lt"/>
-                <a:ea typeface="+mj-ea"/>
-                <a:cs typeface="+mj-cs"/>
-              </a:defRPr>
-            </a:lvl1pPr>
-          </a:lstStyle>
-          <a:p>
-            <a:r>
-              <a:rPr lang="en-US" sz="2000" b="0" dirty="0" err="1" smtClean="0"/>
-              <a:t>Código</a:t>
-            </a:r>
-            <a:endParaRPr lang="en-US" sz="2000" b="0" dirty="0"/>
-          </a:p>
-        </p:txBody>
-      </p:sp>
-      <p:sp>
-        <p:nvSpPr>
-          <p:cNvPr id="17" name="Retângulo Arredondado 16"/>
-          <p:cNvSpPr/>
-          <p:nvPr/>
-        </p:nvSpPr>
-        <p:spPr>
-          <a:xfrm>
-            <a:off x="1363860" y="1911172"/>
-            <a:ext cx="1190625" cy="314325"/>
-          </a:xfrm>
-          <a:prstGeom prst="roundRect">
-            <a:avLst/>
-          </a:prstGeom>
-        </p:spPr>
-        <p:style>
-          <a:lnRef idx="2">
-            <a:schemeClr val="accent1">
-              <a:shade val="50000"/>
-            </a:schemeClr>
-          </a:lnRef>
-          <a:fillRef idx="1">
-            <a:schemeClr val="accent1"/>
-          </a:fillRef>
-          <a:effectRef idx="0">
-            <a:schemeClr val="accent1"/>
-          </a:effectRef>
-          <a:fontRef idx="minor">
-            <a:schemeClr val="lt1"/>
-          </a:fontRef>
-        </p:style>
-        <p:txBody>
-          <a:bodyPr rtlCol="0" anchor="ctr"/>
-          <a:lstStyle/>
-          <a:p>
-            <a:pPr algn="ctr"/>
-            <a:r>
-              <a:rPr lang="pt-BR" dirty="0" smtClean="0"/>
-              <a:t>Novo</a:t>
-            </a:r>
-            <a:endParaRPr lang="pt-BR" dirty="0"/>
-          </a:p>
-        </p:txBody>
-      </p:sp>
-      <p:sp>
-        <p:nvSpPr>
-          <p:cNvPr id="19" name="Retângulo Arredondado 18"/>
-          <p:cNvSpPr/>
-          <p:nvPr/>
-        </p:nvSpPr>
-        <p:spPr>
-          <a:xfrm>
-            <a:off x="5140384" y="4822916"/>
-            <a:ext cx="1190625" cy="314325"/>
-          </a:xfrm>
-          <a:prstGeom prst="roundRect">
-            <a:avLst/>
-          </a:prstGeom>
-          <a:solidFill>
-            <a:srgbClr val="00B0F0"/>
-          </a:solidFill>
-        </p:spPr>
-        <p:style>
-          <a:lnRef idx="2">
-            <a:schemeClr val="accent1">
-              <a:shade val="50000"/>
-            </a:schemeClr>
-          </a:lnRef>
-          <a:fillRef idx="1">
-            <a:schemeClr val="accent1"/>
-          </a:fillRef>
-          <a:effectRef idx="0">
-            <a:schemeClr val="accent1"/>
-          </a:effectRef>
-          <a:fontRef idx="minor">
-            <a:schemeClr val="lt1"/>
-          </a:fontRef>
-        </p:style>
-        <p:txBody>
-          <a:bodyPr rtlCol="0" anchor="ctr"/>
-          <a:lstStyle/>
-          <a:p>
-            <a:pPr algn="ctr"/>
-            <a:r>
-              <a:rPr lang="pt-BR" dirty="0" smtClean="0"/>
-              <a:t>Voltar</a:t>
-            </a:r>
-            <a:endParaRPr lang="pt-BR" dirty="0"/>
-          </a:p>
-        </p:txBody>
-      </p:sp>
-      <p:sp>
-        <p:nvSpPr>
-          <p:cNvPr id="20" name="Retângulo 19"/>
-          <p:cNvSpPr/>
-          <p:nvPr/>
-        </p:nvSpPr>
-        <p:spPr>
-          <a:xfrm>
-            <a:off x="3099159" y="2554776"/>
-            <a:ext cx="4803064" cy="389467"/>
-          </a:xfrm>
-          <a:prstGeom prst="rect">
-            <a:avLst/>
-          </a:prstGeom>
-          <a:solidFill>
-            <a:schemeClr val="bg1">
-              <a:lumMod val="85000"/>
-            </a:schemeClr>
-          </a:solidFill>
-        </p:spPr>
-        <p:style>
-          <a:lnRef idx="2">
-            <a:schemeClr val="accent6"/>
-          </a:lnRef>
-          <a:fillRef idx="1">
-            <a:schemeClr val="lt1"/>
-          </a:fillRef>
-          <a:effectRef idx="0">
-            <a:schemeClr val="accent6"/>
-          </a:effectRef>
-          <a:fontRef idx="minor">
-            <a:schemeClr val="dk1"/>
-          </a:fontRef>
-        </p:style>
-        <p:txBody>
-          <a:bodyPr rtlCol="0" anchor="ctr"/>
-          <a:lstStyle/>
-          <a:p>
-            <a:r>
-              <a:rPr lang="pt-BR" dirty="0" smtClean="0"/>
-              <a:t>Descrição</a:t>
-            </a:r>
-            <a:endParaRPr lang="pt-BR" dirty="0"/>
-          </a:p>
-        </p:txBody>
-      </p:sp>
-      <p:sp>
-        <p:nvSpPr>
-          <p:cNvPr id="22" name="Retângulo 21"/>
-          <p:cNvSpPr/>
-          <p:nvPr/>
-        </p:nvSpPr>
-        <p:spPr>
-          <a:xfrm>
-            <a:off x="7902223" y="2553295"/>
-            <a:ext cx="1735298" cy="389467"/>
-          </a:xfrm>
-          <a:prstGeom prst="rect">
-            <a:avLst/>
-          </a:prstGeom>
-          <a:solidFill>
-            <a:schemeClr val="bg1">
-              <a:lumMod val="85000"/>
-            </a:schemeClr>
-          </a:solidFill>
-        </p:spPr>
-        <p:style>
-          <a:lnRef idx="2">
-            <a:schemeClr val="accent6"/>
-          </a:lnRef>
-          <a:fillRef idx="1">
-            <a:schemeClr val="lt1"/>
-          </a:fillRef>
-          <a:effectRef idx="0">
-            <a:schemeClr val="accent6"/>
-          </a:effectRef>
-          <a:fontRef idx="minor">
-            <a:schemeClr val="dk1"/>
-          </a:fontRef>
-        </p:style>
-        <p:txBody>
-          <a:bodyPr rtlCol="0" anchor="ctr"/>
-          <a:lstStyle/>
-          <a:p>
-            <a:pPr algn="ctr"/>
-            <a:r>
-              <a:rPr lang="pt-BR" dirty="0" smtClean="0"/>
-              <a:t>Opções</a:t>
-            </a:r>
-            <a:endParaRPr lang="pt-BR" dirty="0"/>
-          </a:p>
-        </p:txBody>
-      </p:sp>
-      <p:sp>
-        <p:nvSpPr>
-          <p:cNvPr id="23" name="Retângulo 22"/>
-          <p:cNvSpPr/>
-          <p:nvPr/>
-        </p:nvSpPr>
-        <p:spPr>
-          <a:xfrm>
-            <a:off x="1363860" y="2949412"/>
-            <a:ext cx="1735298" cy="389467"/>
-          </a:xfrm>
-          <a:prstGeom prst="rect">
-            <a:avLst/>
-          </a:prstGeom>
-        </p:spPr>
-        <p:style>
-          <a:lnRef idx="2">
-            <a:schemeClr val="dk1"/>
-          </a:lnRef>
-          <a:fillRef idx="1">
-            <a:schemeClr val="lt1"/>
-          </a:fillRef>
-          <a:effectRef idx="0">
-            <a:schemeClr val="dk1"/>
-          </a:effectRef>
-          <a:fontRef idx="minor">
-            <a:schemeClr val="dk1"/>
-          </a:fontRef>
-        </p:style>
-        <p:txBody>
-          <a:bodyPr rtlCol="0" anchor="ctr"/>
-          <a:lstStyle/>
-          <a:p>
-            <a:pPr algn="ctr"/>
-            <a:endParaRPr lang="pt-BR" dirty="0"/>
-          </a:p>
-        </p:txBody>
-      </p:sp>
-      <p:sp>
-        <p:nvSpPr>
-          <p:cNvPr id="24" name="Título 1">
-            <a:extLst>
-              <a:ext uri="{FF2B5EF4-FFF2-40B4-BE49-F238E27FC236}">
-                <a16:creationId xmlns:a16="http://schemas.microsoft.com/office/drawing/2014/main" id="{52C8C7F8-6A55-1DF8-3A33-F776C9F854B3}"/>
-              </a:ext>
-            </a:extLst>
-          </p:cNvPr>
-          <p:cNvSpPr txBox="1">
-            <a:spLocks/>
-          </p:cNvSpPr>
-          <p:nvPr/>
-        </p:nvSpPr>
-        <p:spPr>
-          <a:xfrm>
-            <a:off x="1363860" y="2961382"/>
-            <a:ext cx="5916168" cy="365528"/>
-          </a:xfrm>
-          <a:prstGeom prst="rect">
-            <a:avLst/>
-          </a:prstGeom>
-        </p:spPr>
-        <p:style>
-          <a:lnRef idx="2">
-            <a:schemeClr val="dk1"/>
-          </a:lnRef>
-          <a:fillRef idx="1">
-            <a:schemeClr val="lt1"/>
-          </a:fillRef>
-          <a:effectRef idx="0">
-            <a:schemeClr val="dk1"/>
-          </a:effectRef>
-          <a:fontRef idx="minor">
-            <a:schemeClr val="dk1"/>
-          </a:fontRef>
-        </p:style>
-        <p:txBody>
-          <a:bodyPr vert="horz" lIns="91440" tIns="45720" rIns="91440" bIns="45720" rtlCol="0" anchor="b">
-            <a:normAutofit lnSpcReduction="10000"/>
-          </a:bodyPr>
-          <a:lstStyle>
-            <a:lvl1pPr algn="l" defTabSz="914400" rtl="0" eaLnBrk="1" latinLnBrk="0" hangingPunct="1">
-              <a:lnSpc>
-                <a:spcPct val="90000"/>
-              </a:lnSpc>
-              <a:spcBef>
-                <a:spcPct val="0"/>
-              </a:spcBef>
-              <a:buNone/>
-              <a:defRPr sz="3600" b="1" kern="1200">
-                <a:solidFill>
-                  <a:schemeClr val="tx1"/>
-                </a:solidFill>
-                <a:latin typeface="+mj-lt"/>
-                <a:ea typeface="+mj-ea"/>
-                <a:cs typeface="+mj-cs"/>
-              </a:defRPr>
-            </a:lvl1pPr>
-          </a:lstStyle>
-          <a:p>
-            <a:r>
-              <a:rPr lang="en-US" sz="2000" b="0" dirty="0" smtClean="0"/>
-              <a:t>01</a:t>
-            </a:r>
-            <a:endParaRPr lang="en-US" sz="2000" b="0" dirty="0"/>
-          </a:p>
-        </p:txBody>
-      </p:sp>
-      <p:sp>
-        <p:nvSpPr>
-          <p:cNvPr id="25" name="Retângulo 24"/>
-          <p:cNvSpPr/>
-          <p:nvPr/>
-        </p:nvSpPr>
-        <p:spPr>
-          <a:xfrm>
-            <a:off x="3099159" y="2953638"/>
-            <a:ext cx="4803064" cy="389467"/>
-          </a:xfrm>
-          <a:prstGeom prst="rect">
-            <a:avLst/>
-          </a:prstGeom>
-        </p:spPr>
-        <p:style>
-          <a:lnRef idx="2">
-            <a:schemeClr val="dk1"/>
-          </a:lnRef>
-          <a:fillRef idx="1">
-            <a:schemeClr val="lt1"/>
-          </a:fillRef>
-          <a:effectRef idx="0">
-            <a:schemeClr val="dk1"/>
-          </a:effectRef>
-          <a:fontRef idx="minor">
-            <a:schemeClr val="dk1"/>
-          </a:fontRef>
-        </p:style>
-        <p:txBody>
-          <a:bodyPr rtlCol="0" anchor="ctr"/>
-          <a:lstStyle/>
-          <a:p>
-            <a:r>
-              <a:rPr lang="pt-BR" dirty="0" smtClean="0"/>
-              <a:t>Alimentos</a:t>
-            </a:r>
-            <a:endParaRPr lang="pt-BR" dirty="0"/>
-          </a:p>
-        </p:txBody>
-      </p:sp>
-      <p:sp>
-        <p:nvSpPr>
-          <p:cNvPr id="26" name="Retângulo 25"/>
-          <p:cNvSpPr/>
-          <p:nvPr/>
-        </p:nvSpPr>
-        <p:spPr>
-          <a:xfrm>
-            <a:off x="7902223" y="2941017"/>
-            <a:ext cx="1735298" cy="402088"/>
-          </a:xfrm>
-          <a:prstGeom prst="rect">
-            <a:avLst/>
-          </a:prstGeom>
-        </p:spPr>
-        <p:style>
-          <a:lnRef idx="2">
-            <a:schemeClr val="dk1"/>
-          </a:lnRef>
-          <a:fillRef idx="1">
-            <a:schemeClr val="lt1"/>
-          </a:fillRef>
-          <a:effectRef idx="0">
-            <a:schemeClr val="dk1"/>
-          </a:effectRef>
-          <a:fontRef idx="minor">
-            <a:schemeClr val="dk1"/>
-          </a:fontRef>
-        </p:style>
-        <p:txBody>
-          <a:bodyPr rtlCol="0" anchor="ctr"/>
-          <a:lstStyle/>
-          <a:p>
-            <a:pPr algn="ctr"/>
-            <a:endParaRPr lang="pt-BR" dirty="0"/>
-          </a:p>
-        </p:txBody>
-      </p:sp>
-      <p:sp>
-        <p:nvSpPr>
-          <p:cNvPr id="27" name="Título 1">
-            <a:extLst>
-              <a:ext uri="{FF2B5EF4-FFF2-40B4-BE49-F238E27FC236}">
-                <a16:creationId xmlns:a16="http://schemas.microsoft.com/office/drawing/2014/main" id="{52C8C7F8-6A55-1DF8-3A33-F776C9F854B3}"/>
-              </a:ext>
-            </a:extLst>
-          </p:cNvPr>
-          <p:cNvSpPr txBox="1">
-            <a:spLocks/>
-          </p:cNvSpPr>
-          <p:nvPr/>
-        </p:nvSpPr>
-        <p:spPr>
-          <a:xfrm>
-            <a:off x="1363860" y="3374388"/>
-            <a:ext cx="5916168" cy="405262"/>
-          </a:xfrm>
-          <a:prstGeom prst="rect">
-            <a:avLst/>
-          </a:prstGeom>
-        </p:spPr>
-        <p:style>
-          <a:lnRef idx="2">
-            <a:schemeClr val="dk1"/>
-          </a:lnRef>
-          <a:fillRef idx="1">
-            <a:schemeClr val="lt1"/>
-          </a:fillRef>
-          <a:effectRef idx="0">
-            <a:schemeClr val="dk1"/>
-          </a:effectRef>
-          <a:fontRef idx="minor">
-            <a:schemeClr val="dk1"/>
-          </a:fontRef>
-        </p:style>
-        <p:txBody>
-          <a:bodyPr vert="horz" lIns="91440" tIns="45720" rIns="91440" bIns="45720" rtlCol="0" anchor="b">
-            <a:normAutofit/>
-          </a:bodyPr>
-          <a:lstStyle>
-            <a:lvl1pPr algn="l" defTabSz="914400" rtl="0" eaLnBrk="1" latinLnBrk="0" hangingPunct="1">
-              <a:lnSpc>
-                <a:spcPct val="90000"/>
-              </a:lnSpc>
-              <a:spcBef>
-                <a:spcPct val="0"/>
-              </a:spcBef>
-              <a:buNone/>
-              <a:defRPr sz="3600" b="1" kern="1200">
-                <a:solidFill>
-                  <a:schemeClr val="tx1"/>
-                </a:solidFill>
-                <a:latin typeface="+mj-lt"/>
-                <a:ea typeface="+mj-ea"/>
-                <a:cs typeface="+mj-cs"/>
-              </a:defRPr>
-            </a:lvl1pPr>
-          </a:lstStyle>
-          <a:p>
-            <a:r>
-              <a:rPr lang="en-US" sz="2000" b="0" dirty="0" smtClean="0"/>
-              <a:t>02</a:t>
-            </a:r>
-            <a:endParaRPr lang="en-US" sz="2000" b="0" dirty="0"/>
-          </a:p>
-        </p:txBody>
-      </p:sp>
-      <p:sp>
-        <p:nvSpPr>
-          <p:cNvPr id="28" name="Retângulo 27"/>
-          <p:cNvSpPr/>
-          <p:nvPr/>
-        </p:nvSpPr>
-        <p:spPr>
-          <a:xfrm>
-            <a:off x="3099159" y="3366644"/>
-            <a:ext cx="4803064" cy="389467"/>
-          </a:xfrm>
-          <a:prstGeom prst="rect">
-            <a:avLst/>
-          </a:prstGeom>
-        </p:spPr>
-        <p:style>
-          <a:lnRef idx="2">
-            <a:schemeClr val="dk1"/>
-          </a:lnRef>
-          <a:fillRef idx="1">
-            <a:schemeClr val="lt1"/>
-          </a:fillRef>
-          <a:effectRef idx="0">
-            <a:schemeClr val="dk1"/>
-          </a:effectRef>
-          <a:fontRef idx="minor">
-            <a:schemeClr val="dk1"/>
-          </a:fontRef>
-        </p:style>
-        <p:txBody>
-          <a:bodyPr rtlCol="0" anchor="ctr"/>
-          <a:lstStyle/>
-          <a:p>
-            <a:r>
-              <a:rPr lang="pt-BR" dirty="0" smtClean="0"/>
-              <a:t>Alimentos</a:t>
-            </a:r>
-            <a:endParaRPr lang="pt-BR" dirty="0"/>
-          </a:p>
-        </p:txBody>
-      </p:sp>
-      <p:sp>
-        <p:nvSpPr>
-          <p:cNvPr id="29" name="Retângulo 28"/>
-          <p:cNvSpPr/>
-          <p:nvPr/>
-        </p:nvSpPr>
-        <p:spPr>
-          <a:xfrm>
-            <a:off x="7902223" y="3354023"/>
-            <a:ext cx="1735298" cy="402088"/>
-          </a:xfrm>
-          <a:prstGeom prst="rect">
-            <a:avLst/>
-          </a:prstGeom>
-        </p:spPr>
-        <p:style>
-          <a:lnRef idx="2">
-            <a:schemeClr val="dk1"/>
-          </a:lnRef>
-          <a:fillRef idx="1">
-            <a:schemeClr val="lt1"/>
-          </a:fillRef>
-          <a:effectRef idx="0">
-            <a:schemeClr val="dk1"/>
-          </a:effectRef>
-          <a:fontRef idx="minor">
-            <a:schemeClr val="dk1"/>
-          </a:fontRef>
-        </p:style>
-        <p:txBody>
-          <a:bodyPr rtlCol="0" anchor="ctr"/>
-          <a:lstStyle/>
-          <a:p>
-            <a:pPr algn="ctr"/>
-            <a:endParaRPr lang="pt-BR" dirty="0"/>
+            </a:pPr>
+            <a:r>
+              <a:rPr lang="pt-BR" sz="1600" dirty="0" smtClean="0">
+                <a:latin typeface="Arial" panose="020B0604020202020204" pitchFamily="34" charset="0"/>
+                <a:cs typeface="Arial" panose="020B0604020202020204" pitchFamily="34" charset="0"/>
+              </a:rPr>
+              <a:t>Tabela </a:t>
+            </a:r>
+            <a:r>
+              <a:rPr lang="pt-BR" sz="1600" dirty="0" err="1" smtClean="0">
+                <a:latin typeface="Arial" panose="020B0604020202020204" pitchFamily="34" charset="0"/>
+                <a:cs typeface="Arial" panose="020B0604020202020204" pitchFamily="34" charset="0"/>
+              </a:rPr>
+              <a:t>ItenEntrada</a:t>
+            </a:r>
+            <a:r>
+              <a:rPr lang="pt-BR" sz="1600" dirty="0" smtClean="0">
+                <a:latin typeface="Arial" panose="020B0604020202020204" pitchFamily="34" charset="0"/>
+                <a:cs typeface="Arial" panose="020B0604020202020204" pitchFamily="34" charset="0"/>
+              </a:rPr>
+              <a:t> </a:t>
+            </a:r>
+            <a:endParaRPr lang="pt-BR" sz="1600" dirty="0">
+              <a:latin typeface="Arial" panose="020B0604020202020204" pitchFamily="34" charset="0"/>
+              <a:cs typeface="Arial" panose="020B0604020202020204" pitchFamily="34" charset="0"/>
+            </a:endParaRPr>
           </a:p>
         </p:txBody>
       </p:sp>
     </p:spTree>
     <p:extLst>
       <p:ext uri="{BB962C8B-B14F-4D97-AF65-F5344CB8AC3E}">
-        <p14:creationId xmlns:p14="http://schemas.microsoft.com/office/powerpoint/2010/main" val="1636696538"/>
+        <p14:creationId xmlns:p14="http://schemas.microsoft.com/office/powerpoint/2010/main" val="3681832568"/>
       </p:ext>
     </p:extLst>
   </p:cSld>
@@ -15581,6 +16509,13 @@
   <p:transition>
     <p:fade/>
   </p:transition>
+  <p:timing>
+    <p:tnLst>
+      <p:par>
+        <p:cTn id="1" dur="indefinite" restart="never" nodeType="tmRoot"/>
+      </p:par>
+    </p:tnLst>
+  </p:timing>
 </p:sld>
 </file>
 
@@ -15690,7 +16625,7 @@
           <p:cNvPr id="2" name="Título 1">
             <a:extLst>
               <a:ext uri="{FF2B5EF4-FFF2-40B4-BE49-F238E27FC236}">
-                <a16:creationId xmlns:a16="http://schemas.microsoft.com/office/drawing/2014/main" id="{52C8C7F8-6A55-1DF8-3A33-F776C9F854B3}"/>
+                <a16:creationId xmlns:a16="http://schemas.microsoft.com/office/drawing/2014/main" id="{D4CDB794-FD66-B57C-5DB2-D14CF7301A4E}"/>
               </a:ext>
             </a:extLst>
           </p:cNvPr>
@@ -15703,8 +16638,8 @@
         </p:nvSpPr>
         <p:spPr>
           <a:xfrm>
-            <a:off x="2917771" y="-695454"/>
-            <a:ext cx="5916168" cy="1527048"/>
+            <a:off x="1022295" y="2665927"/>
+            <a:ext cx="5916168" cy="919938"/>
           </a:xfrm>
         </p:spPr>
         <p:txBody>
@@ -15714,39 +16649,10 @@
           <a:lstStyle/>
           <a:p>
             <a:r>
-              <a:rPr lang="en-US" b="0" kern="1200" dirty="0" err="1" smtClean="0">
-                <a:solidFill>
-                  <a:schemeClr val="tx1"/>
-                </a:solidFill>
-                <a:latin typeface="+mj-lt"/>
-                <a:ea typeface="+mj-ea"/>
-                <a:cs typeface="+mj-cs"/>
-              </a:rPr>
-              <a:t>Tela</a:t>
-            </a:r>
-            <a:r>
-              <a:rPr lang="en-US" b="0" kern="1200" dirty="0" smtClean="0">
-                <a:solidFill>
-                  <a:schemeClr val="tx1"/>
-                </a:solidFill>
-                <a:latin typeface="+mj-lt"/>
-                <a:ea typeface="+mj-ea"/>
-                <a:cs typeface="+mj-cs"/>
-              </a:rPr>
-              <a:t> </a:t>
-            </a:r>
-            <a:r>
-              <a:rPr lang="en-US" b="0" kern="1200" dirty="0" err="1" smtClean="0">
-                <a:solidFill>
-                  <a:schemeClr val="tx1"/>
-                </a:solidFill>
-                <a:latin typeface="+mj-lt"/>
-                <a:ea typeface="+mj-ea"/>
-                <a:cs typeface="+mj-cs"/>
-              </a:rPr>
-              <a:t>Categoria</a:t>
-            </a:r>
-            <a:endParaRPr lang="en-US" b="0" kern="1200" dirty="0">
+              <a:rPr lang="en-US" dirty="0"/>
+              <a:t>Wireframe</a:t>
+            </a:r>
+            <a:endParaRPr lang="en-US" b="1" kern="1200" dirty="0">
               <a:solidFill>
                 <a:schemeClr val="tx1"/>
               </a:solidFill>
@@ -15757,552 +16663,10 @@
           </a:p>
         </p:txBody>
       </p:sp>
-      <p:sp>
-        <p:nvSpPr>
-          <p:cNvPr id="7" name="Título 1">
-            <a:extLst>
-              <a:ext uri="{FF2B5EF4-FFF2-40B4-BE49-F238E27FC236}">
-                <a16:creationId xmlns:a16="http://schemas.microsoft.com/office/drawing/2014/main" id="{F08859EF-E25E-52C0-C024-DE22738F8749}"/>
-              </a:ext>
-            </a:extLst>
-          </p:cNvPr>
-          <p:cNvSpPr txBox="1">
-            <a:spLocks/>
-          </p:cNvSpPr>
-          <p:nvPr/>
-        </p:nvSpPr>
-        <p:spPr>
-          <a:xfrm>
-            <a:off x="414841" y="-695454"/>
-            <a:ext cx="5916168" cy="1527048"/>
-          </a:xfrm>
-          <a:prstGeom prst="rect">
-            <a:avLst/>
-          </a:prstGeom>
-        </p:spPr>
-        <p:txBody>
-          <a:bodyPr vert="horz" lIns="91440" tIns="45720" rIns="91440" bIns="45720" rtlCol="0" anchor="b">
-            <a:normAutofit/>
-          </a:bodyPr>
-          <a:lstStyle>
-            <a:lvl1pPr algn="l" defTabSz="914400" rtl="0" eaLnBrk="1" latinLnBrk="0" hangingPunct="1">
-              <a:lnSpc>
-                <a:spcPct val="90000"/>
-              </a:lnSpc>
-              <a:spcBef>
-                <a:spcPct val="0"/>
-              </a:spcBef>
-              <a:buNone/>
-              <a:defRPr sz="3600" b="1" kern="1200">
-                <a:solidFill>
-                  <a:schemeClr val="tx1"/>
-                </a:solidFill>
-                <a:latin typeface="+mj-lt"/>
-                <a:ea typeface="+mj-ea"/>
-                <a:cs typeface="+mj-cs"/>
-              </a:defRPr>
-            </a:lvl1pPr>
-          </a:lstStyle>
-          <a:p>
-            <a:r>
-              <a:rPr lang="en-US" dirty="0"/>
-              <a:t>Wireframe</a:t>
-            </a:r>
-          </a:p>
-        </p:txBody>
-      </p:sp>
-      <p:sp>
-        <p:nvSpPr>
-          <p:cNvPr id="4" name="Retângulo 3"/>
-          <p:cNvSpPr/>
-          <p:nvPr/>
-        </p:nvSpPr>
-        <p:spPr>
-          <a:xfrm>
-            <a:off x="1044222" y="1224844"/>
-            <a:ext cx="10193866" cy="5317067"/>
-          </a:xfrm>
-          <a:prstGeom prst="rect">
-            <a:avLst/>
-          </a:prstGeom>
-        </p:spPr>
-        <p:style>
-          <a:lnRef idx="2">
-            <a:schemeClr val="accent1"/>
-          </a:lnRef>
-          <a:fillRef idx="1">
-            <a:schemeClr val="lt1"/>
-          </a:fillRef>
-          <a:effectRef idx="0">
-            <a:schemeClr val="accent1"/>
-          </a:effectRef>
-          <a:fontRef idx="minor">
-            <a:schemeClr val="dk1"/>
-          </a:fontRef>
-        </p:style>
-        <p:txBody>
-          <a:bodyPr rtlCol="0" anchor="ctr"/>
-          <a:lstStyle/>
-          <a:p>
-            <a:pPr algn="ctr"/>
-            <a:endParaRPr lang="pt-BR" dirty="0"/>
-          </a:p>
-        </p:txBody>
-      </p:sp>
-      <p:sp>
-        <p:nvSpPr>
-          <p:cNvPr id="8" name="Retângulo 7"/>
-          <p:cNvSpPr/>
-          <p:nvPr/>
-        </p:nvSpPr>
-        <p:spPr>
-          <a:xfrm>
-            <a:off x="1044222" y="1224844"/>
-            <a:ext cx="10193866" cy="389467"/>
-          </a:xfrm>
-          <a:prstGeom prst="rect">
-            <a:avLst/>
-          </a:prstGeom>
-        </p:spPr>
-        <p:style>
-          <a:lnRef idx="2">
-            <a:schemeClr val="accent6"/>
-          </a:lnRef>
-          <a:fillRef idx="1">
-            <a:schemeClr val="lt1"/>
-          </a:fillRef>
-          <a:effectRef idx="0">
-            <a:schemeClr val="accent6"/>
-          </a:effectRef>
-          <a:fontRef idx="minor">
-            <a:schemeClr val="dk1"/>
-          </a:fontRef>
-        </p:style>
-        <p:txBody>
-          <a:bodyPr rtlCol="0" anchor="ctr"/>
-          <a:lstStyle/>
-          <a:p>
-            <a:pPr algn="ctr"/>
-            <a:endParaRPr lang="pt-BR" dirty="0"/>
-          </a:p>
-        </p:txBody>
-      </p:sp>
-      <p:sp>
-        <p:nvSpPr>
-          <p:cNvPr id="6" name="Elipse 5"/>
-          <p:cNvSpPr/>
-          <p:nvPr/>
-        </p:nvSpPr>
-        <p:spPr>
-          <a:xfrm>
-            <a:off x="10803466" y="1255888"/>
-            <a:ext cx="293511" cy="302204"/>
-          </a:xfrm>
-          <a:prstGeom prst="ellipse">
-            <a:avLst/>
-          </a:prstGeom>
-        </p:spPr>
-        <p:style>
-          <a:lnRef idx="2">
-            <a:schemeClr val="accent3">
-              <a:shade val="50000"/>
-            </a:schemeClr>
-          </a:lnRef>
-          <a:fillRef idx="1">
-            <a:schemeClr val="accent3"/>
-          </a:fillRef>
-          <a:effectRef idx="0">
-            <a:schemeClr val="accent3"/>
-          </a:effectRef>
-          <a:fontRef idx="minor">
-            <a:schemeClr val="lt1"/>
-          </a:fontRef>
-        </p:style>
-        <p:txBody>
-          <a:bodyPr rtlCol="0" anchor="ctr"/>
-          <a:lstStyle/>
-          <a:p>
-            <a:pPr algn="ctr"/>
-            <a:r>
-              <a:rPr lang="pt-BR" dirty="0" smtClean="0"/>
-              <a:t>x</a:t>
-            </a:r>
-            <a:endParaRPr lang="pt-BR" dirty="0"/>
-          </a:p>
-        </p:txBody>
-      </p:sp>
-      <p:sp>
-        <p:nvSpPr>
-          <p:cNvPr id="11" name="Retângulo 10"/>
-          <p:cNvSpPr/>
-          <p:nvPr/>
-        </p:nvSpPr>
-        <p:spPr>
-          <a:xfrm>
-            <a:off x="2689946" y="2201558"/>
-            <a:ext cx="1735298" cy="389467"/>
-          </a:xfrm>
-          <a:prstGeom prst="rect">
-            <a:avLst/>
-          </a:prstGeom>
-          <a:solidFill>
-            <a:schemeClr val="bg1">
-              <a:lumMod val="85000"/>
-            </a:schemeClr>
-          </a:solidFill>
-        </p:spPr>
-        <p:style>
-          <a:lnRef idx="2">
-            <a:schemeClr val="accent6"/>
-          </a:lnRef>
-          <a:fillRef idx="1">
-            <a:schemeClr val="lt1"/>
-          </a:fillRef>
-          <a:effectRef idx="0">
-            <a:schemeClr val="accent6"/>
-          </a:effectRef>
-          <a:fontRef idx="minor">
-            <a:schemeClr val="dk1"/>
-          </a:fontRef>
-        </p:style>
-        <p:txBody>
-          <a:bodyPr rtlCol="0" anchor="ctr"/>
-          <a:lstStyle/>
-          <a:p>
-            <a:pPr algn="ctr"/>
-            <a:endParaRPr lang="pt-BR" dirty="0"/>
-          </a:p>
-        </p:txBody>
-      </p:sp>
-      <p:sp>
-        <p:nvSpPr>
-          <p:cNvPr id="12" name="Título 1">
-            <a:extLst>
-              <a:ext uri="{FF2B5EF4-FFF2-40B4-BE49-F238E27FC236}">
-                <a16:creationId xmlns:a16="http://schemas.microsoft.com/office/drawing/2014/main" id="{52C8C7F8-6A55-1DF8-3A33-F776C9F854B3}"/>
-              </a:ext>
-            </a:extLst>
-          </p:cNvPr>
-          <p:cNvSpPr txBox="1">
-            <a:spLocks/>
-          </p:cNvSpPr>
-          <p:nvPr/>
-        </p:nvSpPr>
-        <p:spPr>
-          <a:xfrm>
-            <a:off x="1557459" y="1063977"/>
-            <a:ext cx="5916168" cy="1527048"/>
-          </a:xfrm>
-          <a:prstGeom prst="rect">
-            <a:avLst/>
-          </a:prstGeom>
-        </p:spPr>
-        <p:txBody>
-          <a:bodyPr vert="horz" lIns="91440" tIns="45720" rIns="91440" bIns="45720" rtlCol="0" anchor="b">
-            <a:normAutofit/>
-          </a:bodyPr>
-          <a:lstStyle>
-            <a:lvl1pPr algn="l" defTabSz="914400" rtl="0" eaLnBrk="1" latinLnBrk="0" hangingPunct="1">
-              <a:lnSpc>
-                <a:spcPct val="90000"/>
-              </a:lnSpc>
-              <a:spcBef>
-                <a:spcPct val="0"/>
-              </a:spcBef>
-              <a:buNone/>
-              <a:defRPr sz="3600" b="1" kern="1200">
-                <a:solidFill>
-                  <a:schemeClr val="tx1"/>
-                </a:solidFill>
-                <a:latin typeface="+mj-lt"/>
-                <a:ea typeface="+mj-ea"/>
-                <a:cs typeface="+mj-cs"/>
-              </a:defRPr>
-            </a:lvl1pPr>
-          </a:lstStyle>
-          <a:p>
-            <a:r>
-              <a:rPr lang="en-US" sz="2000" b="0" dirty="0" err="1" smtClean="0"/>
-              <a:t>Código</a:t>
-            </a:r>
-            <a:endParaRPr lang="en-US" sz="2000" b="0" dirty="0"/>
-          </a:p>
-        </p:txBody>
-      </p:sp>
-      <p:sp>
-        <p:nvSpPr>
-          <p:cNvPr id="13" name="Título 1">
-            <a:extLst>
-              <a:ext uri="{FF2B5EF4-FFF2-40B4-BE49-F238E27FC236}">
-                <a16:creationId xmlns:a16="http://schemas.microsoft.com/office/drawing/2014/main" id="{52C8C7F8-6A55-1DF8-3A33-F776C9F854B3}"/>
-              </a:ext>
-            </a:extLst>
-          </p:cNvPr>
-          <p:cNvSpPr txBox="1">
-            <a:spLocks/>
-          </p:cNvSpPr>
-          <p:nvPr/>
-        </p:nvSpPr>
-        <p:spPr>
-          <a:xfrm>
-            <a:off x="1286538" y="2580272"/>
-            <a:ext cx="5916168" cy="550334"/>
-          </a:xfrm>
-          <a:prstGeom prst="rect">
-            <a:avLst/>
-          </a:prstGeom>
-        </p:spPr>
-        <p:txBody>
-          <a:bodyPr vert="horz" lIns="91440" tIns="45720" rIns="91440" bIns="45720" rtlCol="0" anchor="b">
-            <a:normAutofit/>
-          </a:bodyPr>
-          <a:lstStyle>
-            <a:lvl1pPr algn="l" defTabSz="914400" rtl="0" eaLnBrk="1" latinLnBrk="0" hangingPunct="1">
-              <a:lnSpc>
-                <a:spcPct val="90000"/>
-              </a:lnSpc>
-              <a:spcBef>
-                <a:spcPct val="0"/>
-              </a:spcBef>
-              <a:buNone/>
-              <a:defRPr sz="3600" b="1" kern="1200">
-                <a:solidFill>
-                  <a:schemeClr val="tx1"/>
-                </a:solidFill>
-                <a:latin typeface="+mj-lt"/>
-                <a:ea typeface="+mj-ea"/>
-                <a:cs typeface="+mj-cs"/>
-              </a:defRPr>
-            </a:lvl1pPr>
-          </a:lstStyle>
-          <a:p>
-            <a:r>
-              <a:rPr lang="en-US" sz="2000" b="0" dirty="0" err="1" smtClean="0"/>
-              <a:t>Descrição</a:t>
-            </a:r>
-            <a:endParaRPr lang="en-US" sz="2000" b="0" dirty="0"/>
-          </a:p>
-        </p:txBody>
-      </p:sp>
-      <p:sp>
-        <p:nvSpPr>
-          <p:cNvPr id="14" name="Retângulo 13"/>
-          <p:cNvSpPr/>
-          <p:nvPr/>
-        </p:nvSpPr>
-        <p:spPr>
-          <a:xfrm>
-            <a:off x="2689945" y="2730386"/>
-            <a:ext cx="5325165" cy="389467"/>
-          </a:xfrm>
-          <a:prstGeom prst="rect">
-            <a:avLst/>
-          </a:prstGeom>
-          <a:solidFill>
-            <a:srgbClr val="92D050"/>
-          </a:solidFill>
-        </p:spPr>
-        <p:style>
-          <a:lnRef idx="2">
-            <a:schemeClr val="accent1">
-              <a:shade val="50000"/>
-            </a:schemeClr>
-          </a:lnRef>
-          <a:fillRef idx="1">
-            <a:schemeClr val="accent1"/>
-          </a:fillRef>
-          <a:effectRef idx="0">
-            <a:schemeClr val="accent1"/>
-          </a:effectRef>
-          <a:fontRef idx="minor">
-            <a:schemeClr val="lt1"/>
-          </a:fontRef>
-        </p:style>
-        <p:txBody>
-          <a:bodyPr rtlCol="0" anchor="ctr"/>
-          <a:lstStyle/>
-          <a:p>
-            <a:r>
-              <a:rPr lang="pt-BR" dirty="0" smtClean="0"/>
-              <a:t>Café </a:t>
-            </a:r>
-            <a:r>
-              <a:rPr lang="pt-BR" dirty="0" err="1" smtClean="0"/>
-              <a:t>Estan</a:t>
-            </a:r>
-            <a:endParaRPr lang="pt-BR" dirty="0"/>
-          </a:p>
-        </p:txBody>
-      </p:sp>
-      <p:sp>
-        <p:nvSpPr>
-          <p:cNvPr id="17" name="Retângulo Arredondado 16"/>
-          <p:cNvSpPr/>
-          <p:nvPr/>
-        </p:nvSpPr>
-        <p:spPr>
-          <a:xfrm>
-            <a:off x="6953249" y="5048250"/>
-            <a:ext cx="1190625" cy="314325"/>
-          </a:xfrm>
-          <a:prstGeom prst="roundRect">
-            <a:avLst/>
-          </a:prstGeom>
-        </p:spPr>
-        <p:style>
-          <a:lnRef idx="2">
-            <a:schemeClr val="accent1">
-              <a:shade val="50000"/>
-            </a:schemeClr>
-          </a:lnRef>
-          <a:fillRef idx="1">
-            <a:schemeClr val="accent1"/>
-          </a:fillRef>
-          <a:effectRef idx="0">
-            <a:schemeClr val="accent1"/>
-          </a:effectRef>
-          <a:fontRef idx="minor">
-            <a:schemeClr val="lt1"/>
-          </a:fontRef>
-        </p:style>
-        <p:txBody>
-          <a:bodyPr rtlCol="0" anchor="ctr"/>
-          <a:lstStyle/>
-          <a:p>
-            <a:pPr algn="ctr"/>
-            <a:r>
-              <a:rPr lang="pt-BR" dirty="0" smtClean="0"/>
-              <a:t>Salvar</a:t>
-            </a:r>
-            <a:endParaRPr lang="pt-BR" dirty="0"/>
-          </a:p>
-        </p:txBody>
-      </p:sp>
-      <p:sp>
-        <p:nvSpPr>
-          <p:cNvPr id="18" name="Retângulo Arredondado 17"/>
-          <p:cNvSpPr/>
-          <p:nvPr/>
-        </p:nvSpPr>
-        <p:spPr>
-          <a:xfrm>
-            <a:off x="5735696" y="5048249"/>
-            <a:ext cx="1190625" cy="314325"/>
-          </a:xfrm>
-          <a:prstGeom prst="roundRect">
-            <a:avLst/>
-          </a:prstGeom>
-        </p:spPr>
-        <p:style>
-          <a:lnRef idx="2">
-            <a:schemeClr val="accent3">
-              <a:shade val="50000"/>
-            </a:schemeClr>
-          </a:lnRef>
-          <a:fillRef idx="1">
-            <a:schemeClr val="accent3"/>
-          </a:fillRef>
-          <a:effectRef idx="0">
-            <a:schemeClr val="accent3"/>
-          </a:effectRef>
-          <a:fontRef idx="minor">
-            <a:schemeClr val="lt1"/>
-          </a:fontRef>
-        </p:style>
-        <p:txBody>
-          <a:bodyPr rtlCol="0" anchor="ctr"/>
-          <a:lstStyle/>
-          <a:p>
-            <a:pPr algn="ctr"/>
-            <a:r>
-              <a:rPr lang="pt-BR" dirty="0" smtClean="0"/>
-              <a:t>Cancelar</a:t>
-            </a:r>
-            <a:endParaRPr lang="pt-BR" dirty="0"/>
-          </a:p>
-        </p:txBody>
-      </p:sp>
-      <p:sp>
-        <p:nvSpPr>
-          <p:cNvPr id="19" name="Retângulo Arredondado 18"/>
-          <p:cNvSpPr/>
-          <p:nvPr/>
-        </p:nvSpPr>
-        <p:spPr>
-          <a:xfrm>
-            <a:off x="4425244" y="5048248"/>
-            <a:ext cx="1190625" cy="314325"/>
-          </a:xfrm>
-          <a:prstGeom prst="roundRect">
-            <a:avLst/>
-          </a:prstGeom>
-          <a:solidFill>
-            <a:srgbClr val="00B0F0"/>
-          </a:solidFill>
-        </p:spPr>
-        <p:style>
-          <a:lnRef idx="2">
-            <a:schemeClr val="accent1">
-              <a:shade val="50000"/>
-            </a:schemeClr>
-          </a:lnRef>
-          <a:fillRef idx="1">
-            <a:schemeClr val="accent1"/>
-          </a:fillRef>
-          <a:effectRef idx="0">
-            <a:schemeClr val="accent1"/>
-          </a:effectRef>
-          <a:fontRef idx="minor">
-            <a:schemeClr val="lt1"/>
-          </a:fontRef>
-        </p:style>
-        <p:txBody>
-          <a:bodyPr rtlCol="0" anchor="ctr"/>
-          <a:lstStyle/>
-          <a:p>
-            <a:pPr algn="ctr"/>
-            <a:r>
-              <a:rPr lang="pt-BR" dirty="0" smtClean="0"/>
-              <a:t>Voltar</a:t>
-            </a:r>
-            <a:endParaRPr lang="pt-BR" dirty="0"/>
-          </a:p>
-        </p:txBody>
-      </p:sp>
-      <p:sp>
-        <p:nvSpPr>
-          <p:cNvPr id="21" name="CaixaDeTexto 20"/>
-          <p:cNvSpPr txBox="1"/>
-          <p:nvPr/>
-        </p:nvSpPr>
-        <p:spPr>
-          <a:xfrm>
-            <a:off x="9415640" y="3205335"/>
-            <a:ext cx="1781175" cy="1169551"/>
-          </a:xfrm>
-          <a:prstGeom prst="rect">
-            <a:avLst/>
-          </a:prstGeom>
-          <a:noFill/>
-        </p:spPr>
-        <p:txBody>
-          <a:bodyPr wrap="square" rtlCol="0">
-            <a:spAutoFit/>
-          </a:bodyPr>
-          <a:lstStyle/>
-          <a:p>
-            <a:r>
-              <a:rPr lang="pt-BR" sz="1400" dirty="0" smtClean="0"/>
-              <a:t>Quando em modo edição e o cursor estiver no campo o fundo deve ficar verde.</a:t>
-            </a:r>
-            <a:endParaRPr lang="pt-BR" sz="1400" dirty="0"/>
-          </a:p>
-        </p:txBody>
-      </p:sp>
     </p:spTree>
     <p:extLst>
       <p:ext uri="{BB962C8B-B14F-4D97-AF65-F5344CB8AC3E}">
-        <p14:creationId xmlns:p14="http://schemas.microsoft.com/office/powerpoint/2010/main" val="2054591216"/>
+        <p14:creationId xmlns:p14="http://schemas.microsoft.com/office/powerpoint/2010/main" val="827370966"/>
       </p:ext>
     </p:extLst>
   </p:cSld>
@@ -16416,6 +16780,280 @@
           </a:p>
         </p:txBody>
       </p:sp>
+      <p:pic>
+        <p:nvPicPr>
+          <p:cNvPr id="5" name="Espaço Reservado para Conteúdo 4" descr="Formulário web de login">
+            <a:extLst>
+              <a:ext uri="{FF2B5EF4-FFF2-40B4-BE49-F238E27FC236}">
+                <a16:creationId xmlns:a16="http://schemas.microsoft.com/office/drawing/2014/main" id="{9574661C-9C71-44C7-9C38-D5812FB73B79}"/>
+              </a:ext>
+            </a:extLst>
+          </p:cNvPr>
+          <p:cNvPicPr>
+            <a:picLocks noGrp="1" noChangeAspect="1"/>
+          </p:cNvPicPr>
+          <p:nvPr>
+            <p:ph sz="half" idx="1"/>
+          </p:nvPr>
+        </p:nvPicPr>
+        <p:blipFill>
+          <a:blip r:embed="rId3"/>
+          <a:srcRect l="27263" r="22617" b="1"/>
+          <a:stretch/>
+        </p:blipFill>
+        <p:spPr>
+          <a:xfrm>
+            <a:off x="1403817" y="1133346"/>
+            <a:ext cx="3748431" cy="5235252"/>
+          </a:xfrm>
+          <a:prstGeom prst="rect">
+            <a:avLst/>
+          </a:prstGeom>
+        </p:spPr>
+      </p:pic>
+      <p:sp>
+        <p:nvSpPr>
+          <p:cNvPr id="2" name="Título 1">
+            <a:extLst>
+              <a:ext uri="{FF2B5EF4-FFF2-40B4-BE49-F238E27FC236}">
+                <a16:creationId xmlns:a16="http://schemas.microsoft.com/office/drawing/2014/main" id="{52C8C7F8-6A55-1DF8-3A33-F776C9F854B3}"/>
+              </a:ext>
+            </a:extLst>
+          </p:cNvPr>
+          <p:cNvSpPr>
+            <a:spLocks noGrp="1"/>
+          </p:cNvSpPr>
+          <p:nvPr>
+            <p:ph type="title"/>
+          </p:nvPr>
+        </p:nvSpPr>
+        <p:spPr>
+          <a:xfrm>
+            <a:off x="5209415" y="218946"/>
+            <a:ext cx="5916168" cy="1527048"/>
+          </a:xfrm>
+        </p:spPr>
+        <p:txBody>
+          <a:bodyPr vert="horz" lIns="91440" tIns="45720" rIns="91440" bIns="45720" rtlCol="0" anchor="b">
+            <a:normAutofit/>
+          </a:bodyPr>
+          <a:lstStyle/>
+          <a:p>
+            <a:r>
+              <a:rPr lang="en-US" b="0" kern="1200" dirty="0">
+                <a:solidFill>
+                  <a:schemeClr val="tx1"/>
+                </a:solidFill>
+                <a:latin typeface="+mj-lt"/>
+                <a:ea typeface="+mj-ea"/>
+                <a:cs typeface="+mj-cs"/>
+              </a:rPr>
+              <a:t>Tela de Login</a:t>
+            </a:r>
+          </a:p>
+        </p:txBody>
+      </p:sp>
+      <p:sp>
+        <p:nvSpPr>
+          <p:cNvPr id="7" name="Título 1">
+            <a:extLst>
+              <a:ext uri="{FF2B5EF4-FFF2-40B4-BE49-F238E27FC236}">
+                <a16:creationId xmlns:a16="http://schemas.microsoft.com/office/drawing/2014/main" id="{F08859EF-E25E-52C0-C024-DE22738F8749}"/>
+              </a:ext>
+            </a:extLst>
+          </p:cNvPr>
+          <p:cNvSpPr txBox="1">
+            <a:spLocks/>
+          </p:cNvSpPr>
+          <p:nvPr/>
+        </p:nvSpPr>
+        <p:spPr>
+          <a:xfrm>
+            <a:off x="414841" y="-695454"/>
+            <a:ext cx="5916168" cy="1527048"/>
+          </a:xfrm>
+          <a:prstGeom prst="rect">
+            <a:avLst/>
+          </a:prstGeom>
+        </p:spPr>
+        <p:txBody>
+          <a:bodyPr vert="horz" lIns="91440" tIns="45720" rIns="91440" bIns="45720" rtlCol="0" anchor="b">
+            <a:normAutofit/>
+          </a:bodyPr>
+          <a:lstStyle>
+            <a:lvl1pPr algn="l" defTabSz="914400" rtl="0" eaLnBrk="1" latinLnBrk="0" hangingPunct="1">
+              <a:lnSpc>
+                <a:spcPct val="90000"/>
+              </a:lnSpc>
+              <a:spcBef>
+                <a:spcPct val="0"/>
+              </a:spcBef>
+              <a:buNone/>
+              <a:defRPr sz="3600" b="1" kern="1200">
+                <a:solidFill>
+                  <a:schemeClr val="tx1"/>
+                </a:solidFill>
+                <a:latin typeface="+mj-lt"/>
+                <a:ea typeface="+mj-ea"/>
+                <a:cs typeface="+mj-cs"/>
+              </a:defRPr>
+            </a:lvl1pPr>
+          </a:lstStyle>
+          <a:p>
+            <a:r>
+              <a:rPr lang="en-US" dirty="0"/>
+              <a:t>Wireframe</a:t>
+            </a:r>
+          </a:p>
+        </p:txBody>
+      </p:sp>
+      <p:pic>
+        <p:nvPicPr>
+          <p:cNvPr id="6" name="Google Shape;226;p16"/>
+          <p:cNvPicPr preferRelativeResize="0"/>
+          <p:nvPr/>
+        </p:nvPicPr>
+        <p:blipFill>
+          <a:blip r:embed="rId4">
+            <a:alphaModFix/>
+          </a:blip>
+          <a:stretch>
+            <a:fillRect/>
+          </a:stretch>
+        </p:blipFill>
+        <p:spPr>
+          <a:xfrm>
+            <a:off x="6163745" y="1964940"/>
+            <a:ext cx="5219700" cy="3810000"/>
+          </a:xfrm>
+          <a:prstGeom prst="rect">
+            <a:avLst/>
+          </a:prstGeom>
+          <a:solidFill>
+            <a:schemeClr val="lt1"/>
+          </a:solidFill>
+          <a:ln>
+            <a:noFill/>
+          </a:ln>
+        </p:spPr>
+      </p:pic>
+    </p:spTree>
+    <p:extLst>
+      <p:ext uri="{BB962C8B-B14F-4D97-AF65-F5344CB8AC3E}">
+        <p14:creationId xmlns:p14="http://schemas.microsoft.com/office/powerpoint/2010/main" val="1037557683"/>
+      </p:ext>
+    </p:extLst>
+  </p:cSld>
+  <p:clrMapOvr>
+    <a:masterClrMapping/>
+  </p:clrMapOvr>
+  <p:transition>
+    <p:fade/>
+  </p:transition>
+</p:sld>
+</file>
+
+<file path=ppt/slides/slide24.xml><?xml version="1.0" encoding="utf-8"?>
+<p:sld xmlns:a="http://schemas.openxmlformats.org/drawingml/2006/main" xmlns:r="http://schemas.openxmlformats.org/officeDocument/2006/relationships" xmlns:p="http://schemas.openxmlformats.org/presentationml/2006/main">
+  <p:cSld>
+    <p:bg>
+      <p:bgPr>
+        <a:solidFill>
+          <a:schemeClr val="bg1"/>
+        </a:solidFill>
+        <a:effectLst/>
+      </p:bgPr>
+    </p:bg>
+    <p:spTree>
+      <p:nvGrpSpPr>
+        <p:cNvPr id="1" name=""/>
+        <p:cNvGrpSpPr/>
+        <p:nvPr/>
+      </p:nvGrpSpPr>
+      <p:grpSpPr>
+        <a:xfrm>
+          <a:off x="0" y="0"/>
+          <a:ext cx="0" cy="0"/>
+          <a:chOff x="0" y="0"/>
+          <a:chExt cx="0" cy="0"/>
+        </a:xfrm>
+      </p:grpSpPr>
+      <p:sp useBgFill="1">
+        <p:nvSpPr>
+          <p:cNvPr id="10" name="Rectangle 9">
+            <a:extLst>
+              <a:ext uri="{FF2B5EF4-FFF2-40B4-BE49-F238E27FC236}">
+                <a16:creationId xmlns:a16="http://schemas.microsoft.com/office/drawing/2014/main" id="{5E8D3B17-7638-DFD3-18E4-8A6D611749CF}"/>
+              </a:ext>
+              <a:ext uri="{C183D7F6-B498-43B3-948B-1728B52AA6E4}">
+                <adec:decorative xmlns:adec="http://schemas.microsoft.com/office/drawing/2017/decorative" xmlns="" val="1"/>
+              </a:ext>
+            </a:extLst>
+          </p:cNvPr>
+          <p:cNvSpPr>
+            <a:spLocks noGrp="1" noRot="1" noChangeAspect="1" noMove="1" noResize="1" noEditPoints="1" noAdjustHandles="1" noChangeArrowheads="1" noChangeShapeType="1" noTextEdit="1"/>
+          </p:cNvSpPr>
+          <p:nvPr>
+            <p:extLst>
+              <p:ext uri="{386F3935-93C4-4BCD-93E2-E3B085C9AB24}">
+                <p16:designElem xmlns:p16="http://schemas.microsoft.com/office/powerpoint/2015/main" val="1"/>
+              </p:ext>
+            </p:extLst>
+          </p:nvPr>
+        </p:nvSpPr>
+        <p:spPr>
+          <a:xfrm>
+            <a:off x="0" y="0"/>
+            <a:ext cx="12192000" cy="6858000"/>
+          </a:xfrm>
+          <a:prstGeom prst="rect">
+            <a:avLst/>
+          </a:prstGeom>
+          <a:ln w="12700" cap="flat" cmpd="sng" algn="ctr">
+            <a:noFill/>
+            <a:prstDash val="solid"/>
+            <a:miter lim="800000"/>
+          </a:ln>
+          <a:effectLst/>
+          <a:extLst>
+            <a:ext uri="{91240B29-F687-4F45-9708-019B960494DF}">
+              <a14:hiddenLine xmlns:a14="http://schemas.microsoft.com/office/drawing/2010/main" w="12700" cap="flat" cmpd="sng" algn="ctr">
+                <a:solidFill>
+                  <a:schemeClr val="accent1">
+                    <a:shade val="15000"/>
+                  </a:schemeClr>
+                </a:solidFill>
+                <a:prstDash val="solid"/>
+                <a:miter lim="800000"/>
+              </a14:hiddenLine>
+            </a:ext>
+          </a:extLst>
+        </p:spPr>
+        <p:style>
+          <a:lnRef idx="2">
+            <a:schemeClr val="accent1">
+              <a:shade val="15000"/>
+            </a:schemeClr>
+          </a:lnRef>
+          <a:fillRef idx="1">
+            <a:schemeClr val="accent1"/>
+          </a:fillRef>
+          <a:effectRef idx="0">
+            <a:schemeClr val="accent1"/>
+          </a:effectRef>
+          <a:fontRef idx="minor">
+            <a:schemeClr val="lt1"/>
+          </a:fontRef>
+        </p:style>
+        <p:txBody>
+          <a:bodyPr rtlCol="0" anchor="ctr"/>
+          <a:lstStyle/>
+          <a:p>
+            <a:pPr algn="ctr"/>
+            <a:endParaRPr lang="en-US"/>
+          </a:p>
+        </p:txBody>
+      </p:sp>
       <p:sp>
         <p:nvSpPr>
           <p:cNvPr id="2" name="Título 1">
@@ -17169,7 +17807,7 @@
     </p:spTree>
     <p:extLst>
       <p:ext uri="{BB962C8B-B14F-4D97-AF65-F5344CB8AC3E}">
-        <p14:creationId xmlns:p14="http://schemas.microsoft.com/office/powerpoint/2010/main" val="1358796605"/>
+        <p14:creationId xmlns:p14="http://schemas.microsoft.com/office/powerpoint/2010/main" val="1636696538"/>
       </p:ext>
     </p:extLst>
   </p:cSld>
@@ -17182,7 +17820,65 @@
 </p:sld>
 </file>
 
-<file path=ppt/slides/slide24.xml><?xml version="1.0" encoding="utf-8"?>
+<file path=ppt/slides/slide25.xml><?xml version="1.0" encoding="utf-8"?>
+<p:sld xmlns:a="http://schemas.openxmlformats.org/drawingml/2006/main" xmlns:r="http://schemas.openxmlformats.org/officeDocument/2006/relationships" xmlns:p="http://schemas.openxmlformats.org/presentationml/2006/main">
+  <p:cSld>
+    <p:spTree>
+      <p:nvGrpSpPr>
+        <p:cNvPr id="1" name=""/>
+        <p:cNvGrpSpPr/>
+        <p:nvPr/>
+      </p:nvGrpSpPr>
+      <p:grpSpPr>
+        <a:xfrm>
+          <a:off x="0" y="0"/>
+          <a:ext cx="0" cy="0"/>
+          <a:chOff x="0" y="0"/>
+          <a:chExt cx="0" cy="0"/>
+        </a:xfrm>
+      </p:grpSpPr>
+      <p:pic>
+        <p:nvPicPr>
+          <p:cNvPr id="2" name="Google Shape;235;p17"/>
+          <p:cNvPicPr preferRelativeResize="0"/>
+          <p:nvPr/>
+        </p:nvPicPr>
+        <p:blipFill>
+          <a:blip r:embed="rId2">
+            <a:alphaModFix/>
+          </a:blip>
+          <a:stretch>
+            <a:fillRect/>
+          </a:stretch>
+        </p:blipFill>
+        <p:spPr>
+          <a:xfrm>
+            <a:off x="507507" y="770930"/>
+            <a:ext cx="5301830" cy="5721606"/>
+          </a:xfrm>
+          <a:prstGeom prst="rect">
+            <a:avLst/>
+          </a:prstGeom>
+          <a:noFill/>
+          <a:ln>
+            <a:noFill/>
+          </a:ln>
+        </p:spPr>
+      </p:pic>
+    </p:spTree>
+    <p:extLst>
+      <p:ext uri="{BB962C8B-B14F-4D97-AF65-F5344CB8AC3E}">
+        <p14:creationId xmlns:p14="http://schemas.microsoft.com/office/powerpoint/2010/main" val="2439893069"/>
+      </p:ext>
+    </p:extLst>
+  </p:cSld>
+  <p:clrMapOvr>
+    <a:masterClrMapping/>
+  </p:clrMapOvr>
+</p:sld>
+</file>
+
+<file path=ppt/slides/slide26.xml><?xml version="1.0" encoding="utf-8"?>
 <p:sld xmlns:a="http://schemas.openxmlformats.org/drawingml/2006/main" xmlns:r="http://schemas.openxmlformats.org/officeDocument/2006/relationships" xmlns:p="http://schemas.openxmlformats.org/presentationml/2006/main">
   <p:cSld>
     <p:bg>
